--- a/Traffic Analysis and Severity Prediction.pptx
+++ b/Traffic Analysis and Severity Prediction.pptx
@@ -17,10 +17,11 @@
     <p:sldId id="274" r:id="rId11"/>
     <p:sldId id="273" r:id="rId12"/>
     <p:sldId id="277" r:id="rId13"/>
-    <p:sldId id="278" r:id="rId14"/>
-    <p:sldId id="276" r:id="rId15"/>
-    <p:sldId id="275" r:id="rId16"/>
-    <p:sldId id="266" r:id="rId17"/>
+    <p:sldId id="280" r:id="rId14"/>
+    <p:sldId id="279" r:id="rId15"/>
+    <p:sldId id="276" r:id="rId16"/>
+    <p:sldId id="275" r:id="rId17"/>
+    <p:sldId id="266" r:id="rId18"/>
   </p:sldIdLst>
   <p:sldSz cx="12192000" cy="6858000"/>
   <p:notesSz cx="6858000" cy="9144000"/>
@@ -4214,6 +4215,753 @@
     <dgm:fillClrLst meth="repeat">
       <a:schemeClr val="accent2">
         <a:tint val="40000"/>
+      </a:schemeClr>
+    </dgm:fillClrLst>
+    <dgm:linClrLst meth="repeat">
+      <a:schemeClr val="lt1"/>
+    </dgm:linClrLst>
+    <dgm:effectClrLst/>
+    <dgm:txLinClrLst/>
+    <dgm:txFillClrLst meth="repeat">
+      <a:schemeClr val="dk1"/>
+    </dgm:txFillClrLst>
+    <dgm:txEffectClrLst/>
+  </dgm:styleLbl>
+  <dgm:styleLbl name="revTx">
+    <dgm:fillClrLst meth="repeat">
+      <a:schemeClr val="lt1">
+        <a:alpha val="0"/>
+      </a:schemeClr>
+    </dgm:fillClrLst>
+    <dgm:linClrLst meth="repeat">
+      <a:schemeClr val="dk1">
+        <a:alpha val="0"/>
+      </a:schemeClr>
+    </dgm:linClrLst>
+    <dgm:effectClrLst/>
+    <dgm:txLinClrLst/>
+    <dgm:txFillClrLst meth="repeat">
+      <a:schemeClr val="tx1"/>
+    </dgm:txFillClrLst>
+    <dgm:txEffectClrLst/>
+  </dgm:styleLbl>
+</dgm:colorsDef>
+</file>
+
+<file path=ppt/diagrams/colors6.xml><?xml version="1.0" encoding="utf-8"?>
+<dgm:colorsDef xmlns:dgm="http://schemas.openxmlformats.org/drawingml/2006/diagram" xmlns:a="http://schemas.openxmlformats.org/drawingml/2006/main" uniqueId="urn:microsoft.com/office/officeart/2005/8/colors/accent6_2">
+  <dgm:title val=""/>
+  <dgm:desc val=""/>
+  <dgm:catLst>
+    <dgm:cat type="accent6" pri="11200"/>
+  </dgm:catLst>
+  <dgm:styleLbl name="node0">
+    <dgm:fillClrLst meth="repeat">
+      <a:schemeClr val="accent6"/>
+    </dgm:fillClrLst>
+    <dgm:linClrLst meth="repeat">
+      <a:schemeClr val="lt1"/>
+    </dgm:linClrLst>
+    <dgm:effectClrLst/>
+    <dgm:txLinClrLst/>
+    <dgm:txFillClrLst/>
+    <dgm:txEffectClrLst/>
+  </dgm:styleLbl>
+  <dgm:styleLbl name="node1">
+    <dgm:fillClrLst meth="repeat">
+      <a:schemeClr val="accent6"/>
+    </dgm:fillClrLst>
+    <dgm:linClrLst meth="repeat">
+      <a:schemeClr val="lt1"/>
+    </dgm:linClrLst>
+    <dgm:effectClrLst/>
+    <dgm:txLinClrLst/>
+    <dgm:txFillClrLst/>
+    <dgm:txEffectClrLst/>
+  </dgm:styleLbl>
+  <dgm:styleLbl name="alignNode1">
+    <dgm:fillClrLst meth="repeat">
+      <a:schemeClr val="accent6"/>
+    </dgm:fillClrLst>
+    <dgm:linClrLst meth="repeat">
+      <a:schemeClr val="accent6"/>
+    </dgm:linClrLst>
+    <dgm:effectClrLst/>
+    <dgm:txLinClrLst/>
+    <dgm:txFillClrLst/>
+    <dgm:txEffectClrLst/>
+  </dgm:styleLbl>
+  <dgm:styleLbl name="lnNode1">
+    <dgm:fillClrLst meth="repeat">
+      <a:schemeClr val="accent6"/>
+    </dgm:fillClrLst>
+    <dgm:linClrLst meth="repeat">
+      <a:schemeClr val="lt1"/>
+    </dgm:linClrLst>
+    <dgm:effectClrLst/>
+    <dgm:txLinClrLst/>
+    <dgm:txFillClrLst/>
+    <dgm:txEffectClrLst/>
+  </dgm:styleLbl>
+  <dgm:styleLbl name="vennNode1">
+    <dgm:fillClrLst meth="repeat">
+      <a:schemeClr val="accent6">
+        <a:alpha val="50000"/>
+      </a:schemeClr>
+    </dgm:fillClrLst>
+    <dgm:linClrLst meth="repeat">
+      <a:schemeClr val="lt1"/>
+    </dgm:linClrLst>
+    <dgm:effectClrLst/>
+    <dgm:txLinClrLst/>
+    <dgm:txFillClrLst/>
+    <dgm:txEffectClrLst/>
+  </dgm:styleLbl>
+  <dgm:styleLbl name="node2">
+    <dgm:fillClrLst meth="repeat">
+      <a:schemeClr val="accent6"/>
+    </dgm:fillClrLst>
+    <dgm:linClrLst meth="repeat">
+      <a:schemeClr val="lt1"/>
+    </dgm:linClrLst>
+    <dgm:effectClrLst/>
+    <dgm:txLinClrLst/>
+    <dgm:txFillClrLst/>
+    <dgm:txEffectClrLst/>
+  </dgm:styleLbl>
+  <dgm:styleLbl name="node3">
+    <dgm:fillClrLst meth="repeat">
+      <a:schemeClr val="accent6"/>
+    </dgm:fillClrLst>
+    <dgm:linClrLst meth="repeat">
+      <a:schemeClr val="lt1"/>
+    </dgm:linClrLst>
+    <dgm:effectClrLst/>
+    <dgm:txLinClrLst/>
+    <dgm:txFillClrLst/>
+    <dgm:txEffectClrLst/>
+  </dgm:styleLbl>
+  <dgm:styleLbl name="node4">
+    <dgm:fillClrLst meth="repeat">
+      <a:schemeClr val="accent6"/>
+    </dgm:fillClrLst>
+    <dgm:linClrLst meth="repeat">
+      <a:schemeClr val="lt1"/>
+    </dgm:linClrLst>
+    <dgm:effectClrLst/>
+    <dgm:txLinClrLst/>
+    <dgm:txFillClrLst/>
+    <dgm:txEffectClrLst/>
+  </dgm:styleLbl>
+  <dgm:styleLbl name="fgImgPlace1">
+    <dgm:fillClrLst meth="repeat">
+      <a:schemeClr val="accent6">
+        <a:tint val="50000"/>
+      </a:schemeClr>
+    </dgm:fillClrLst>
+    <dgm:linClrLst meth="repeat">
+      <a:schemeClr val="lt1"/>
+    </dgm:linClrLst>
+    <dgm:effectClrLst/>
+    <dgm:txLinClrLst/>
+    <dgm:txFillClrLst meth="repeat">
+      <a:schemeClr val="lt1"/>
+    </dgm:txFillClrLst>
+    <dgm:txEffectClrLst/>
+  </dgm:styleLbl>
+  <dgm:styleLbl name="alignImgPlace1">
+    <dgm:fillClrLst meth="repeat">
+      <a:schemeClr val="accent6">
+        <a:tint val="50000"/>
+      </a:schemeClr>
+    </dgm:fillClrLst>
+    <dgm:linClrLst meth="repeat">
+      <a:schemeClr val="lt1"/>
+    </dgm:linClrLst>
+    <dgm:effectClrLst/>
+    <dgm:txLinClrLst/>
+    <dgm:txFillClrLst meth="repeat">
+      <a:schemeClr val="lt1"/>
+    </dgm:txFillClrLst>
+    <dgm:txEffectClrLst/>
+  </dgm:styleLbl>
+  <dgm:styleLbl name="bgImgPlace1">
+    <dgm:fillClrLst meth="repeat">
+      <a:schemeClr val="accent6">
+        <a:tint val="50000"/>
+      </a:schemeClr>
+    </dgm:fillClrLst>
+    <dgm:linClrLst meth="repeat">
+      <a:schemeClr val="lt1"/>
+    </dgm:linClrLst>
+    <dgm:effectClrLst/>
+    <dgm:txLinClrLst/>
+    <dgm:txFillClrLst meth="repeat">
+      <a:schemeClr val="lt1"/>
+    </dgm:txFillClrLst>
+    <dgm:txEffectClrLst/>
+  </dgm:styleLbl>
+  <dgm:styleLbl name="sibTrans2D1">
+    <dgm:fillClrLst meth="repeat">
+      <a:schemeClr val="accent6">
+        <a:tint val="60000"/>
+      </a:schemeClr>
+    </dgm:fillClrLst>
+    <dgm:linClrLst meth="repeat">
+      <a:schemeClr val="accent6">
+        <a:tint val="60000"/>
+      </a:schemeClr>
+    </dgm:linClrLst>
+    <dgm:effectClrLst/>
+    <dgm:txLinClrLst/>
+    <dgm:txFillClrLst/>
+    <dgm:txEffectClrLst/>
+  </dgm:styleLbl>
+  <dgm:styleLbl name="fgSibTrans2D1">
+    <dgm:fillClrLst meth="repeat">
+      <a:schemeClr val="accent6">
+        <a:tint val="60000"/>
+      </a:schemeClr>
+    </dgm:fillClrLst>
+    <dgm:linClrLst meth="repeat">
+      <a:schemeClr val="accent6">
+        <a:tint val="60000"/>
+      </a:schemeClr>
+    </dgm:linClrLst>
+    <dgm:effectClrLst/>
+    <dgm:txLinClrLst/>
+    <dgm:txFillClrLst/>
+    <dgm:txEffectClrLst/>
+  </dgm:styleLbl>
+  <dgm:styleLbl name="bgSibTrans2D1">
+    <dgm:fillClrLst meth="repeat">
+      <a:schemeClr val="accent6">
+        <a:tint val="60000"/>
+      </a:schemeClr>
+    </dgm:fillClrLst>
+    <dgm:linClrLst meth="repeat">
+      <a:schemeClr val="accent6">
+        <a:tint val="60000"/>
+      </a:schemeClr>
+    </dgm:linClrLst>
+    <dgm:effectClrLst/>
+    <dgm:txLinClrLst/>
+    <dgm:txFillClrLst/>
+    <dgm:txEffectClrLst/>
+  </dgm:styleLbl>
+  <dgm:styleLbl name="sibTrans1D1">
+    <dgm:fillClrLst meth="repeat">
+      <a:schemeClr val="accent6"/>
+    </dgm:fillClrLst>
+    <dgm:linClrLst meth="repeat">
+      <a:schemeClr val="accent6"/>
+    </dgm:linClrLst>
+    <dgm:effectClrLst/>
+    <dgm:txLinClrLst/>
+    <dgm:txFillClrLst meth="repeat">
+      <a:schemeClr val="tx1"/>
+    </dgm:txFillClrLst>
+    <dgm:txEffectClrLst/>
+  </dgm:styleLbl>
+  <dgm:styleLbl name="callout">
+    <dgm:fillClrLst meth="repeat">
+      <a:schemeClr val="accent6"/>
+    </dgm:fillClrLst>
+    <dgm:linClrLst meth="repeat">
+      <a:schemeClr val="accent6">
+        <a:tint val="50000"/>
+      </a:schemeClr>
+    </dgm:linClrLst>
+    <dgm:effectClrLst/>
+    <dgm:txLinClrLst/>
+    <dgm:txFillClrLst meth="repeat">
+      <a:schemeClr val="tx1"/>
+    </dgm:txFillClrLst>
+    <dgm:txEffectClrLst/>
+  </dgm:styleLbl>
+  <dgm:styleLbl name="asst0">
+    <dgm:fillClrLst meth="repeat">
+      <a:schemeClr val="accent6"/>
+    </dgm:fillClrLst>
+    <dgm:linClrLst meth="repeat">
+      <a:schemeClr val="lt1"/>
+    </dgm:linClrLst>
+    <dgm:effectClrLst/>
+    <dgm:txLinClrLst/>
+    <dgm:txFillClrLst/>
+    <dgm:txEffectClrLst/>
+  </dgm:styleLbl>
+  <dgm:styleLbl name="asst1">
+    <dgm:fillClrLst meth="repeat">
+      <a:schemeClr val="accent6"/>
+    </dgm:fillClrLst>
+    <dgm:linClrLst meth="repeat">
+      <a:schemeClr val="lt1"/>
+    </dgm:linClrLst>
+    <dgm:effectClrLst/>
+    <dgm:txLinClrLst/>
+    <dgm:txFillClrLst/>
+    <dgm:txEffectClrLst/>
+  </dgm:styleLbl>
+  <dgm:styleLbl name="asst2">
+    <dgm:fillClrLst meth="repeat">
+      <a:schemeClr val="accent6"/>
+    </dgm:fillClrLst>
+    <dgm:linClrLst meth="repeat">
+      <a:schemeClr val="lt1"/>
+    </dgm:linClrLst>
+    <dgm:effectClrLst/>
+    <dgm:txLinClrLst/>
+    <dgm:txFillClrLst/>
+    <dgm:txEffectClrLst/>
+  </dgm:styleLbl>
+  <dgm:styleLbl name="asst3">
+    <dgm:fillClrLst meth="repeat">
+      <a:schemeClr val="accent6"/>
+    </dgm:fillClrLst>
+    <dgm:linClrLst meth="repeat">
+      <a:schemeClr val="lt1"/>
+    </dgm:linClrLst>
+    <dgm:effectClrLst/>
+    <dgm:txLinClrLst/>
+    <dgm:txFillClrLst/>
+    <dgm:txEffectClrLst/>
+  </dgm:styleLbl>
+  <dgm:styleLbl name="asst4">
+    <dgm:fillClrLst meth="repeat">
+      <a:schemeClr val="accent6"/>
+    </dgm:fillClrLst>
+    <dgm:linClrLst meth="repeat">
+      <a:schemeClr val="lt1"/>
+    </dgm:linClrLst>
+    <dgm:effectClrLst/>
+    <dgm:txLinClrLst/>
+    <dgm:txFillClrLst/>
+    <dgm:txEffectClrLst/>
+  </dgm:styleLbl>
+  <dgm:styleLbl name="parChTrans2D1">
+    <dgm:fillClrLst meth="repeat">
+      <a:schemeClr val="accent6">
+        <a:tint val="60000"/>
+      </a:schemeClr>
+    </dgm:fillClrLst>
+    <dgm:linClrLst meth="repeat">
+      <a:schemeClr val="accent6">
+        <a:tint val="60000"/>
+      </a:schemeClr>
+    </dgm:linClrLst>
+    <dgm:effectClrLst/>
+    <dgm:txLinClrLst/>
+    <dgm:txFillClrLst meth="repeat">
+      <a:schemeClr val="lt1"/>
+    </dgm:txFillClrLst>
+    <dgm:txEffectClrLst/>
+  </dgm:styleLbl>
+  <dgm:styleLbl name="parChTrans2D2">
+    <dgm:fillClrLst meth="repeat">
+      <a:schemeClr val="accent6"/>
+    </dgm:fillClrLst>
+    <dgm:linClrLst meth="repeat">
+      <a:schemeClr val="accent6"/>
+    </dgm:linClrLst>
+    <dgm:effectClrLst/>
+    <dgm:txLinClrLst/>
+    <dgm:txFillClrLst meth="repeat">
+      <a:schemeClr val="lt1"/>
+    </dgm:txFillClrLst>
+    <dgm:txEffectClrLst/>
+  </dgm:styleLbl>
+  <dgm:styleLbl name="parChTrans2D3">
+    <dgm:fillClrLst meth="repeat">
+      <a:schemeClr val="accent6"/>
+    </dgm:fillClrLst>
+    <dgm:linClrLst meth="repeat">
+      <a:schemeClr val="accent6"/>
+    </dgm:linClrLst>
+    <dgm:effectClrLst/>
+    <dgm:txLinClrLst/>
+    <dgm:txFillClrLst meth="repeat">
+      <a:schemeClr val="lt1"/>
+    </dgm:txFillClrLst>
+    <dgm:txEffectClrLst/>
+  </dgm:styleLbl>
+  <dgm:styleLbl name="parChTrans2D4">
+    <dgm:fillClrLst meth="repeat">
+      <a:schemeClr val="accent6"/>
+    </dgm:fillClrLst>
+    <dgm:linClrLst meth="repeat">
+      <a:schemeClr val="accent6"/>
+    </dgm:linClrLst>
+    <dgm:effectClrLst/>
+    <dgm:txLinClrLst/>
+    <dgm:txFillClrLst meth="repeat">
+      <a:schemeClr val="lt1"/>
+    </dgm:txFillClrLst>
+    <dgm:txEffectClrLst/>
+  </dgm:styleLbl>
+  <dgm:styleLbl name="parChTrans1D1">
+    <dgm:fillClrLst meth="repeat">
+      <a:schemeClr val="accent6"/>
+    </dgm:fillClrLst>
+    <dgm:linClrLst meth="repeat">
+      <a:schemeClr val="accent6">
+        <a:shade val="60000"/>
+      </a:schemeClr>
+    </dgm:linClrLst>
+    <dgm:effectClrLst/>
+    <dgm:txLinClrLst/>
+    <dgm:txFillClrLst meth="repeat">
+      <a:schemeClr val="tx1"/>
+    </dgm:txFillClrLst>
+    <dgm:txEffectClrLst/>
+  </dgm:styleLbl>
+  <dgm:styleLbl name="parChTrans1D2">
+    <dgm:fillClrLst meth="repeat">
+      <a:schemeClr val="accent6"/>
+    </dgm:fillClrLst>
+    <dgm:linClrLst meth="repeat">
+      <a:schemeClr val="accent6">
+        <a:shade val="60000"/>
+      </a:schemeClr>
+    </dgm:linClrLst>
+    <dgm:effectClrLst/>
+    <dgm:txLinClrLst/>
+    <dgm:txFillClrLst meth="repeat">
+      <a:schemeClr val="tx1"/>
+    </dgm:txFillClrLst>
+    <dgm:txEffectClrLst/>
+  </dgm:styleLbl>
+  <dgm:styleLbl name="parChTrans1D3">
+    <dgm:fillClrLst meth="repeat">
+      <a:schemeClr val="accent6"/>
+    </dgm:fillClrLst>
+    <dgm:linClrLst meth="repeat">
+      <a:schemeClr val="accent6">
+        <a:shade val="80000"/>
+      </a:schemeClr>
+    </dgm:linClrLst>
+    <dgm:effectClrLst/>
+    <dgm:txLinClrLst/>
+    <dgm:txFillClrLst meth="repeat">
+      <a:schemeClr val="tx1"/>
+    </dgm:txFillClrLst>
+    <dgm:txEffectClrLst/>
+  </dgm:styleLbl>
+  <dgm:styleLbl name="parChTrans1D4">
+    <dgm:fillClrLst meth="repeat">
+      <a:schemeClr val="accent6"/>
+    </dgm:fillClrLst>
+    <dgm:linClrLst meth="repeat">
+      <a:schemeClr val="accent6">
+        <a:shade val="80000"/>
+      </a:schemeClr>
+    </dgm:linClrLst>
+    <dgm:effectClrLst/>
+    <dgm:txLinClrLst/>
+    <dgm:txFillClrLst meth="repeat">
+      <a:schemeClr val="tx1"/>
+    </dgm:txFillClrLst>
+    <dgm:txEffectClrLst/>
+  </dgm:styleLbl>
+  <dgm:styleLbl name="fgAcc1">
+    <dgm:fillClrLst meth="repeat">
+      <a:schemeClr val="lt1">
+        <a:alpha val="90000"/>
+      </a:schemeClr>
+    </dgm:fillClrLst>
+    <dgm:linClrLst meth="repeat">
+      <a:schemeClr val="accent6"/>
+    </dgm:linClrLst>
+    <dgm:effectClrLst/>
+    <dgm:txLinClrLst/>
+    <dgm:txFillClrLst meth="repeat">
+      <a:schemeClr val="dk1"/>
+    </dgm:txFillClrLst>
+    <dgm:txEffectClrLst/>
+  </dgm:styleLbl>
+  <dgm:styleLbl name="conFgAcc1">
+    <dgm:fillClrLst meth="repeat">
+      <a:schemeClr val="lt1">
+        <a:alpha val="90000"/>
+      </a:schemeClr>
+    </dgm:fillClrLst>
+    <dgm:linClrLst meth="repeat">
+      <a:schemeClr val="accent6"/>
+    </dgm:linClrLst>
+    <dgm:effectClrLst/>
+    <dgm:txLinClrLst/>
+    <dgm:txFillClrLst meth="repeat">
+      <a:schemeClr val="dk1"/>
+    </dgm:txFillClrLst>
+    <dgm:txEffectClrLst/>
+  </dgm:styleLbl>
+  <dgm:styleLbl name="alignAcc1">
+    <dgm:fillClrLst meth="repeat">
+      <a:schemeClr val="lt1">
+        <a:alpha val="90000"/>
+      </a:schemeClr>
+    </dgm:fillClrLst>
+    <dgm:linClrLst meth="repeat">
+      <a:schemeClr val="accent6"/>
+    </dgm:linClrLst>
+    <dgm:effectClrLst/>
+    <dgm:txLinClrLst/>
+    <dgm:txFillClrLst meth="repeat">
+      <a:schemeClr val="dk1"/>
+    </dgm:txFillClrLst>
+    <dgm:txEffectClrLst/>
+  </dgm:styleLbl>
+  <dgm:styleLbl name="trAlignAcc1">
+    <dgm:fillClrLst meth="repeat">
+      <a:schemeClr val="lt1">
+        <a:alpha val="40000"/>
+      </a:schemeClr>
+    </dgm:fillClrLst>
+    <dgm:linClrLst meth="repeat">
+      <a:schemeClr val="accent6"/>
+    </dgm:linClrLst>
+    <dgm:effectClrLst/>
+    <dgm:txLinClrLst/>
+    <dgm:txFillClrLst meth="repeat">
+      <a:schemeClr val="dk1"/>
+    </dgm:txFillClrLst>
+    <dgm:txEffectClrLst/>
+  </dgm:styleLbl>
+  <dgm:styleLbl name="bgAcc1">
+    <dgm:fillClrLst meth="repeat">
+      <a:schemeClr val="lt1">
+        <a:alpha val="90000"/>
+      </a:schemeClr>
+    </dgm:fillClrLst>
+    <dgm:linClrLst meth="repeat">
+      <a:schemeClr val="accent6"/>
+    </dgm:linClrLst>
+    <dgm:effectClrLst/>
+    <dgm:txLinClrLst/>
+    <dgm:txFillClrLst meth="repeat">
+      <a:schemeClr val="dk1"/>
+    </dgm:txFillClrLst>
+    <dgm:txEffectClrLst/>
+  </dgm:styleLbl>
+  <dgm:styleLbl name="solidFgAcc1">
+    <dgm:fillClrLst meth="repeat">
+      <a:schemeClr val="lt1"/>
+    </dgm:fillClrLst>
+    <dgm:linClrLst meth="repeat">
+      <a:schemeClr val="accent6"/>
+    </dgm:linClrLst>
+    <dgm:effectClrLst/>
+    <dgm:txLinClrLst/>
+    <dgm:txFillClrLst meth="repeat">
+      <a:schemeClr val="dk1"/>
+    </dgm:txFillClrLst>
+    <dgm:txEffectClrLst/>
+  </dgm:styleLbl>
+  <dgm:styleLbl name="solidAlignAcc1">
+    <dgm:fillClrLst meth="repeat">
+      <a:schemeClr val="lt1"/>
+    </dgm:fillClrLst>
+    <dgm:linClrLst meth="repeat">
+      <a:schemeClr val="accent6"/>
+    </dgm:linClrLst>
+    <dgm:effectClrLst/>
+    <dgm:txLinClrLst/>
+    <dgm:txFillClrLst meth="repeat">
+      <a:schemeClr val="dk1"/>
+    </dgm:txFillClrLst>
+    <dgm:txEffectClrLst/>
+  </dgm:styleLbl>
+  <dgm:styleLbl name="solidBgAcc1">
+    <dgm:fillClrLst meth="repeat">
+      <a:schemeClr val="lt1"/>
+    </dgm:fillClrLst>
+    <dgm:linClrLst meth="repeat">
+      <a:schemeClr val="accent6"/>
+    </dgm:linClrLst>
+    <dgm:effectClrLst/>
+    <dgm:txLinClrLst/>
+    <dgm:txFillClrLst meth="repeat">
+      <a:schemeClr val="dk1"/>
+    </dgm:txFillClrLst>
+    <dgm:txEffectClrLst/>
+  </dgm:styleLbl>
+  <dgm:styleLbl name="fgAccFollowNode1">
+    <dgm:fillClrLst meth="repeat">
+      <a:schemeClr val="accent6">
+        <a:alpha val="90000"/>
+        <a:tint val="40000"/>
+      </a:schemeClr>
+    </dgm:fillClrLst>
+    <dgm:linClrLst meth="repeat">
+      <a:schemeClr val="accent6">
+        <a:alpha val="90000"/>
+        <a:tint val="40000"/>
+      </a:schemeClr>
+    </dgm:linClrLst>
+    <dgm:effectClrLst/>
+    <dgm:txLinClrLst/>
+    <dgm:txFillClrLst meth="repeat">
+      <a:schemeClr val="dk1"/>
+    </dgm:txFillClrLst>
+    <dgm:txEffectClrLst/>
+  </dgm:styleLbl>
+  <dgm:styleLbl name="alignAccFollowNode1">
+    <dgm:fillClrLst meth="repeat">
+      <a:schemeClr val="accent6">
+        <a:alpha val="90000"/>
+        <a:tint val="40000"/>
+      </a:schemeClr>
+    </dgm:fillClrLst>
+    <dgm:linClrLst meth="repeat">
+      <a:schemeClr val="accent6">
+        <a:alpha val="90000"/>
+        <a:tint val="40000"/>
+      </a:schemeClr>
+    </dgm:linClrLst>
+    <dgm:effectClrLst/>
+    <dgm:txLinClrLst/>
+    <dgm:txFillClrLst meth="repeat">
+      <a:schemeClr val="dk1"/>
+    </dgm:txFillClrLst>
+    <dgm:txEffectClrLst/>
+  </dgm:styleLbl>
+  <dgm:styleLbl name="bgAccFollowNode1">
+    <dgm:fillClrLst meth="repeat">
+      <a:schemeClr val="accent6">
+        <a:alpha val="90000"/>
+        <a:tint val="40000"/>
+      </a:schemeClr>
+    </dgm:fillClrLst>
+    <dgm:linClrLst meth="repeat">
+      <a:schemeClr val="accent6">
+        <a:alpha val="90000"/>
+        <a:tint val="40000"/>
+      </a:schemeClr>
+    </dgm:linClrLst>
+    <dgm:effectClrLst/>
+    <dgm:txLinClrLst/>
+    <dgm:txFillClrLst meth="repeat">
+      <a:schemeClr val="dk1"/>
+    </dgm:txFillClrLst>
+    <dgm:txEffectClrLst/>
+  </dgm:styleLbl>
+  <dgm:styleLbl name="fgAcc0">
+    <dgm:fillClrLst meth="repeat">
+      <a:schemeClr val="lt1">
+        <a:alpha val="90000"/>
+      </a:schemeClr>
+    </dgm:fillClrLst>
+    <dgm:linClrLst meth="repeat">
+      <a:schemeClr val="accent6"/>
+    </dgm:linClrLst>
+    <dgm:effectClrLst/>
+    <dgm:txLinClrLst/>
+    <dgm:txFillClrLst meth="repeat">
+      <a:schemeClr val="dk1"/>
+    </dgm:txFillClrLst>
+    <dgm:txEffectClrLst/>
+  </dgm:styleLbl>
+  <dgm:styleLbl name="fgAcc2">
+    <dgm:fillClrLst meth="repeat">
+      <a:schemeClr val="lt1">
+        <a:alpha val="90000"/>
+      </a:schemeClr>
+    </dgm:fillClrLst>
+    <dgm:linClrLst meth="repeat">
+      <a:schemeClr val="accent6"/>
+    </dgm:linClrLst>
+    <dgm:effectClrLst/>
+    <dgm:txLinClrLst/>
+    <dgm:txFillClrLst meth="repeat">
+      <a:schemeClr val="dk1"/>
+    </dgm:txFillClrLst>
+    <dgm:txEffectClrLst/>
+  </dgm:styleLbl>
+  <dgm:styleLbl name="fgAcc3">
+    <dgm:fillClrLst meth="repeat">
+      <a:schemeClr val="lt1">
+        <a:alpha val="90000"/>
+      </a:schemeClr>
+    </dgm:fillClrLst>
+    <dgm:linClrLst meth="repeat">
+      <a:schemeClr val="accent6"/>
+    </dgm:linClrLst>
+    <dgm:effectClrLst/>
+    <dgm:txLinClrLst/>
+    <dgm:txFillClrLst meth="repeat">
+      <a:schemeClr val="dk1"/>
+    </dgm:txFillClrLst>
+    <dgm:txEffectClrLst/>
+  </dgm:styleLbl>
+  <dgm:styleLbl name="fgAcc4">
+    <dgm:fillClrLst meth="repeat">
+      <a:schemeClr val="lt1">
+        <a:alpha val="90000"/>
+      </a:schemeClr>
+    </dgm:fillClrLst>
+    <dgm:linClrLst meth="repeat">
+      <a:schemeClr val="accent6"/>
+    </dgm:linClrLst>
+    <dgm:effectClrLst/>
+    <dgm:txLinClrLst/>
+    <dgm:txFillClrLst meth="repeat">
+      <a:schemeClr val="dk1"/>
+    </dgm:txFillClrLst>
+    <dgm:txEffectClrLst/>
+  </dgm:styleLbl>
+  <dgm:styleLbl name="bgShp">
+    <dgm:fillClrLst meth="repeat">
+      <a:schemeClr val="accent6">
+        <a:tint val="40000"/>
+      </a:schemeClr>
+    </dgm:fillClrLst>
+    <dgm:linClrLst meth="repeat">
+      <a:schemeClr val="accent6"/>
+    </dgm:linClrLst>
+    <dgm:effectClrLst/>
+    <dgm:txLinClrLst/>
+    <dgm:txFillClrLst meth="repeat">
+      <a:schemeClr val="dk1"/>
+    </dgm:txFillClrLst>
+    <dgm:txEffectClrLst/>
+  </dgm:styleLbl>
+  <dgm:styleLbl name="dkBgShp">
+    <dgm:fillClrLst meth="repeat">
+      <a:schemeClr val="accent6">
+        <a:shade val="80000"/>
+      </a:schemeClr>
+    </dgm:fillClrLst>
+    <dgm:linClrLst meth="repeat">
+      <a:schemeClr val="accent6"/>
+    </dgm:linClrLst>
+    <dgm:effectClrLst/>
+    <dgm:txLinClrLst/>
+    <dgm:txFillClrLst meth="repeat">
+      <a:schemeClr val="lt1"/>
+    </dgm:txFillClrLst>
+    <dgm:txEffectClrLst/>
+  </dgm:styleLbl>
+  <dgm:styleLbl name="trBgShp">
+    <dgm:fillClrLst meth="repeat">
+      <a:schemeClr val="accent6">
+        <a:tint val="50000"/>
+        <a:alpha val="40000"/>
+      </a:schemeClr>
+    </dgm:fillClrLst>
+    <dgm:linClrLst meth="repeat">
+      <a:schemeClr val="accent6"/>
+    </dgm:linClrLst>
+    <dgm:effectClrLst/>
+    <dgm:txLinClrLst/>
+    <dgm:txFillClrLst meth="repeat">
+      <a:schemeClr val="lt1"/>
+    </dgm:txFillClrLst>
+    <dgm:txEffectClrLst/>
+  </dgm:styleLbl>
+  <dgm:styleLbl name="fgShp">
+    <dgm:fillClrLst meth="repeat">
+      <a:schemeClr val="accent6">
+        <a:tint val="60000"/>
       </a:schemeClr>
     </dgm:fillClrLst>
     <dgm:linClrLst meth="repeat">
@@ -5064,7 +5812,7 @@
       <dgm:spPr/>
     </dgm:pt>
     <dgm:pt modelId="{A3866EA6-5B09-4AA6-B6AE-C3EFF74BD57C}" type="pres">
-      <dgm:prSet presAssocID="{AAEF22C3-091D-4EEB-BD34-5991311D37BB}" presName="node" presStyleLbl="node1" presStyleIdx="2" presStyleCnt="7">
+      <dgm:prSet presAssocID="{AAEF22C3-091D-4EEB-BD34-5991311D37BB}" presName="node" presStyleLbl="node1" presStyleIdx="2" presStyleCnt="7" custLinFactNeighborX="6112" custLinFactNeighborY="2716">
         <dgm:presLayoutVars>
           <dgm:bulletEnabled val="1"/>
         </dgm:presLayoutVars>
@@ -5655,7 +6403,7 @@
             <a:defRPr cap="all"/>
           </a:pPr>
           <a:r>
-            <a:rPr lang="en-US"/>
+            <a:rPr lang="en-US" dirty="0"/>
             <a:t>The following charts display the number of accidents by year, month, season and day of the week. </a:t>
           </a:r>
         </a:p>
@@ -5868,6 +6616,1200 @@
     <dgm:cxn modelId="{8FD4E483-4648-4574-AE7D-74BC84B685DA}" type="presParOf" srcId="{D33940B8-12C7-4B70-8D6A-7BE15E67383F}" destId="{17D9A91B-28BE-487C-B986-F9AADF063EA1}" srcOrd="1" destOrd="0" presId="urn:microsoft.com/office/officeart/2018/5/layout/IconLeafLabelList"/>
     <dgm:cxn modelId="{C78D9DE7-FE6B-40BD-91CF-E18B5AAE5C06}" type="presParOf" srcId="{D33940B8-12C7-4B70-8D6A-7BE15E67383F}" destId="{72AF1019-3471-493A-8D49-3FE450E866B3}" srcOrd="2" destOrd="0" presId="urn:microsoft.com/office/officeart/2018/5/layout/IconLeafLabelList"/>
     <dgm:cxn modelId="{D714B0A4-4C26-4930-AB9B-6416B392E3A3}" type="presParOf" srcId="{D33940B8-12C7-4B70-8D6A-7BE15E67383F}" destId="{635E36D3-2E53-4930-836A-163D65DABA9A}" srcOrd="3" destOrd="0" presId="urn:microsoft.com/office/officeart/2018/5/layout/IconLeafLabelList"/>
+  </dgm:cxnLst>
+  <dgm:bg/>
+  <dgm:whole/>
+  <dgm:extLst>
+    <a:ext uri="http://schemas.microsoft.com/office/drawing/2008/diagram">
+      <dsp:dataModelExt xmlns:dsp="http://schemas.microsoft.com/office/drawing/2008/diagram" relId="rId6" minVer="http://schemas.openxmlformats.org/drawingml/2006/diagram"/>
+    </a:ext>
+  </dgm:extLst>
+</dgm:dataModel>
+</file>
+
+<file path=ppt/diagrams/data6.xml><?xml version="1.0" encoding="utf-8"?>
+<dgm:dataModel xmlns:dgm="http://schemas.openxmlformats.org/drawingml/2006/diagram" xmlns:a="http://schemas.openxmlformats.org/drawingml/2006/main">
+  <dgm:ptLst>
+    <dgm:pt modelId="{CF5557B8-6D2D-453B-83DE-409516117FD4}" type="doc">
+      <dgm:prSet loTypeId="urn:microsoft.com/office/officeart/2005/8/layout/default" loCatId="list" qsTypeId="urn:microsoft.com/office/officeart/2005/8/quickstyle/simple4" qsCatId="simple" csTypeId="urn:microsoft.com/office/officeart/2005/8/colors/accent6_2" csCatId="accent6" phldr="1"/>
+      <dgm:spPr/>
+      <dgm:t>
+        <a:bodyPr/>
+        <a:lstStyle/>
+        <a:p>
+          <a:endParaRPr lang="en-US"/>
+        </a:p>
+      </dgm:t>
+    </dgm:pt>
+    <dgm:pt modelId="{14C1A073-C2A4-42BF-ADA3-502C50A23A39}">
+      <dgm:prSet phldrT="[Text]" custT="1"/>
+      <dgm:spPr/>
+      <dgm:t>
+        <a:bodyPr/>
+        <a:lstStyle/>
+        <a:p>
+          <a:r>
+            <a:rPr lang="en-US" sz="1200" dirty="0"/>
+            <a:t>did_police_officer_attend_scene_of_accident </a:t>
+          </a:r>
+        </a:p>
+      </dgm:t>
+    </dgm:pt>
+    <dgm:pt modelId="{59E26BA0-4FAE-4308-819C-4C48C01E30BF}" type="parTrans" cxnId="{EC5A69E2-5B8F-4B49-808E-E89A31F1AEC7}">
+      <dgm:prSet/>
+      <dgm:spPr/>
+      <dgm:t>
+        <a:bodyPr/>
+        <a:lstStyle/>
+        <a:p>
+          <a:endParaRPr lang="en-US"/>
+        </a:p>
+      </dgm:t>
+    </dgm:pt>
+    <dgm:pt modelId="{1DE94890-967A-458F-BC03-5164E7141564}" type="sibTrans" cxnId="{EC5A69E2-5B8F-4B49-808E-E89A31F1AEC7}">
+      <dgm:prSet/>
+      <dgm:spPr/>
+      <dgm:t>
+        <a:bodyPr/>
+        <a:lstStyle/>
+        <a:p>
+          <a:endParaRPr lang="en-US"/>
+        </a:p>
+      </dgm:t>
+    </dgm:pt>
+    <dgm:pt modelId="{5F11A28F-D636-46EE-934D-0BCF1FBF2B13}">
+      <dgm:prSet custT="1"/>
+      <dgm:spPr/>
+      <dgm:t>
+        <a:bodyPr/>
+        <a:lstStyle/>
+        <a:p>
+          <a:r>
+            <a:rPr lang="en-US" sz="1200"/>
+            <a:t>x1st_point_of_impact </a:t>
+          </a:r>
+          <a:endParaRPr lang="en-US" sz="1200" dirty="0"/>
+        </a:p>
+      </dgm:t>
+    </dgm:pt>
+    <dgm:pt modelId="{0B9A0AF1-303E-4BD8-8791-00DA0AC259A5}" type="parTrans" cxnId="{5B0128F1-A466-4D5A-AB6B-553D49B46F2B}">
+      <dgm:prSet/>
+      <dgm:spPr/>
+      <dgm:t>
+        <a:bodyPr/>
+        <a:lstStyle/>
+        <a:p>
+          <a:endParaRPr lang="en-US"/>
+        </a:p>
+      </dgm:t>
+    </dgm:pt>
+    <dgm:pt modelId="{9B76B46E-0046-40B4-AC62-017F71A6F32D}" type="sibTrans" cxnId="{5B0128F1-A466-4D5A-AB6B-553D49B46F2B}">
+      <dgm:prSet/>
+      <dgm:spPr/>
+      <dgm:t>
+        <a:bodyPr/>
+        <a:lstStyle/>
+        <a:p>
+          <a:endParaRPr lang="en-US"/>
+        </a:p>
+      </dgm:t>
+    </dgm:pt>
+    <dgm:pt modelId="{39AE0F91-7FEA-4858-9C0F-25B9FB1F0471}">
+      <dgm:prSet custT="1"/>
+      <dgm:spPr/>
+      <dgm:t>
+        <a:bodyPr/>
+        <a:lstStyle/>
+        <a:p>
+          <a:r>
+            <a:rPr lang="en-US" sz="1200"/>
+            <a:t>number_of_vehicles </a:t>
+          </a:r>
+          <a:endParaRPr lang="en-US" sz="1200" dirty="0"/>
+        </a:p>
+      </dgm:t>
+    </dgm:pt>
+    <dgm:pt modelId="{3C487BFB-6058-46B7-87F8-2FC6A7C24AA1}" type="parTrans" cxnId="{3EED19FA-333B-4FBA-9B60-0A3DDF734D46}">
+      <dgm:prSet/>
+      <dgm:spPr/>
+      <dgm:t>
+        <a:bodyPr/>
+        <a:lstStyle/>
+        <a:p>
+          <a:endParaRPr lang="en-US"/>
+        </a:p>
+      </dgm:t>
+    </dgm:pt>
+    <dgm:pt modelId="{08B93560-1AA5-45CB-84FD-8E8B770BFF0D}" type="sibTrans" cxnId="{3EED19FA-333B-4FBA-9B60-0A3DDF734D46}">
+      <dgm:prSet/>
+      <dgm:spPr/>
+      <dgm:t>
+        <a:bodyPr/>
+        <a:lstStyle/>
+        <a:p>
+          <a:endParaRPr lang="en-US"/>
+        </a:p>
+      </dgm:t>
+    </dgm:pt>
+    <dgm:pt modelId="{2BD9172F-A932-4211-8102-700422CFFBD4}">
+      <dgm:prSet custT="1"/>
+      <dgm:spPr/>
+      <dgm:t>
+        <a:bodyPr/>
+        <a:lstStyle/>
+        <a:p>
+          <a:r>
+            <a:rPr lang="en-US" sz="1200"/>
+            <a:t>speed_limit</a:t>
+          </a:r>
+          <a:endParaRPr lang="en-US" sz="1200" dirty="0"/>
+        </a:p>
+      </dgm:t>
+    </dgm:pt>
+    <dgm:pt modelId="{164595D1-54C0-4B55-8030-1C9BBC0F415C}" type="parTrans" cxnId="{67F33A68-073B-40BF-B480-3B2898D3ED61}">
+      <dgm:prSet/>
+      <dgm:spPr/>
+      <dgm:t>
+        <a:bodyPr/>
+        <a:lstStyle/>
+        <a:p>
+          <a:endParaRPr lang="en-US"/>
+        </a:p>
+      </dgm:t>
+    </dgm:pt>
+    <dgm:pt modelId="{2A55DC97-D7C6-4AA8-8483-F7DFC8E62C4D}" type="sibTrans" cxnId="{67F33A68-073B-40BF-B480-3B2898D3ED61}">
+      <dgm:prSet/>
+      <dgm:spPr/>
+      <dgm:t>
+        <a:bodyPr/>
+        <a:lstStyle/>
+        <a:p>
+          <a:endParaRPr lang="en-US"/>
+        </a:p>
+      </dgm:t>
+    </dgm:pt>
+    <dgm:pt modelId="{7BC1FD6E-984A-4A12-8114-0A0CB40E5ABB}">
+      <dgm:prSet custT="1"/>
+      <dgm:spPr/>
+      <dgm:t>
+        <a:bodyPr/>
+        <a:lstStyle/>
+        <a:p>
+          <a:r>
+            <a:rPr lang="en-US" sz="1200" dirty="0"/>
+            <a:t>urban_or_rural_area </a:t>
+          </a:r>
+        </a:p>
+      </dgm:t>
+    </dgm:pt>
+    <dgm:pt modelId="{0C372BC1-9B90-406F-8E17-471B0046B811}" type="parTrans" cxnId="{B643FB6B-F663-45AA-92AF-67205F8F5FBD}">
+      <dgm:prSet/>
+      <dgm:spPr/>
+      <dgm:t>
+        <a:bodyPr/>
+        <a:lstStyle/>
+        <a:p>
+          <a:endParaRPr lang="en-US"/>
+        </a:p>
+      </dgm:t>
+    </dgm:pt>
+    <dgm:pt modelId="{84FBB72F-163F-4187-A4E3-24665812D7D1}" type="sibTrans" cxnId="{B643FB6B-F663-45AA-92AF-67205F8F5FBD}">
+      <dgm:prSet/>
+      <dgm:spPr/>
+      <dgm:t>
+        <a:bodyPr/>
+        <a:lstStyle/>
+        <a:p>
+          <a:endParaRPr lang="en-US"/>
+        </a:p>
+      </dgm:t>
+    </dgm:pt>
+    <dgm:pt modelId="{247BC01B-6CFE-4BF5-8056-4ACB03B0042C}">
+      <dgm:prSet custT="1"/>
+      <dgm:spPr/>
+      <dgm:t>
+        <a:bodyPr/>
+        <a:lstStyle/>
+        <a:p>
+          <a:r>
+            <a:rPr lang="en-US" sz="1200"/>
+            <a:t>skidding_and_overturning </a:t>
+          </a:r>
+          <a:endParaRPr lang="en-US" sz="1200" dirty="0"/>
+        </a:p>
+      </dgm:t>
+    </dgm:pt>
+    <dgm:pt modelId="{1A67E047-9069-42EB-8D04-86306C9980C2}" type="parTrans" cxnId="{C2A5338D-D7F8-4461-B8E1-6F1F238B02C1}">
+      <dgm:prSet/>
+      <dgm:spPr/>
+      <dgm:t>
+        <a:bodyPr/>
+        <a:lstStyle/>
+        <a:p>
+          <a:endParaRPr lang="en-US"/>
+        </a:p>
+      </dgm:t>
+    </dgm:pt>
+    <dgm:pt modelId="{399AF1A6-B8E3-4458-9E21-43ADB0A91B10}" type="sibTrans" cxnId="{C2A5338D-D7F8-4461-B8E1-6F1F238B02C1}">
+      <dgm:prSet/>
+      <dgm:spPr/>
+      <dgm:t>
+        <a:bodyPr/>
+        <a:lstStyle/>
+        <a:p>
+          <a:endParaRPr lang="en-US"/>
+        </a:p>
+      </dgm:t>
+    </dgm:pt>
+    <dgm:pt modelId="{4581E512-E03E-447B-8566-005B39DB924C}">
+      <dgm:prSet custT="1"/>
+      <dgm:spPr/>
+      <dgm:t>
+        <a:bodyPr/>
+        <a:lstStyle/>
+        <a:p>
+          <a:r>
+            <a:rPr lang="en-US" sz="1200" dirty="0"/>
+            <a:t>vehicle_leaving_carriageway </a:t>
+          </a:r>
+        </a:p>
+      </dgm:t>
+    </dgm:pt>
+    <dgm:pt modelId="{7AB42EB5-F11E-48F6-9979-22B82A4C5788}" type="parTrans" cxnId="{3412B522-A106-43B9-870A-ED9A5E65675A}">
+      <dgm:prSet/>
+      <dgm:spPr/>
+      <dgm:t>
+        <a:bodyPr/>
+        <a:lstStyle/>
+        <a:p>
+          <a:endParaRPr lang="en-US"/>
+        </a:p>
+      </dgm:t>
+    </dgm:pt>
+    <dgm:pt modelId="{BDA09093-2A63-46D8-BF1C-07B021D24847}" type="sibTrans" cxnId="{3412B522-A106-43B9-870A-ED9A5E65675A}">
+      <dgm:prSet/>
+      <dgm:spPr/>
+      <dgm:t>
+        <a:bodyPr/>
+        <a:lstStyle/>
+        <a:p>
+          <a:endParaRPr lang="en-US"/>
+        </a:p>
+      </dgm:t>
+    </dgm:pt>
+    <dgm:pt modelId="{78412786-AE3A-42BB-8D33-9F579A742A4E}">
+      <dgm:prSet custT="1"/>
+      <dgm:spPr/>
+      <dgm:t>
+        <a:bodyPr/>
+        <a:lstStyle/>
+        <a:p>
+          <a:r>
+            <a:rPr lang="en-US" sz="1200"/>
+            <a:t>sex_of_driver </a:t>
+          </a:r>
+          <a:endParaRPr lang="en-US" sz="1200" dirty="0"/>
+        </a:p>
+      </dgm:t>
+    </dgm:pt>
+    <dgm:pt modelId="{EC70EB64-346A-4A43-BB3B-50DCA1A420B2}" type="parTrans" cxnId="{27D71DDA-D83C-4238-8A3D-39F1FAFA341C}">
+      <dgm:prSet/>
+      <dgm:spPr/>
+      <dgm:t>
+        <a:bodyPr/>
+        <a:lstStyle/>
+        <a:p>
+          <a:endParaRPr lang="en-US"/>
+        </a:p>
+      </dgm:t>
+    </dgm:pt>
+    <dgm:pt modelId="{BFEEF32E-58C5-4E21-BA95-90324CBAAAE5}" type="sibTrans" cxnId="{27D71DDA-D83C-4238-8A3D-39F1FAFA341C}">
+      <dgm:prSet/>
+      <dgm:spPr/>
+      <dgm:t>
+        <a:bodyPr/>
+        <a:lstStyle/>
+        <a:p>
+          <a:endParaRPr lang="en-US"/>
+        </a:p>
+      </dgm:t>
+    </dgm:pt>
+    <dgm:pt modelId="{7917748B-F2A0-45CD-AFD4-DCE85F32B746}">
+      <dgm:prSet custT="1"/>
+      <dgm:spPr/>
+      <dgm:t>
+        <a:bodyPr/>
+        <a:lstStyle/>
+        <a:p>
+          <a:r>
+            <a:rPr lang="en-US" sz="1200"/>
+            <a:t>vehicle_type </a:t>
+          </a:r>
+          <a:endParaRPr lang="en-US" sz="1200" dirty="0"/>
+        </a:p>
+      </dgm:t>
+    </dgm:pt>
+    <dgm:pt modelId="{2D341716-6FF2-4C50-9975-82E526909256}" type="parTrans" cxnId="{9AAA4B46-D82D-4B92-977B-F72A8F3653A0}">
+      <dgm:prSet/>
+      <dgm:spPr/>
+      <dgm:t>
+        <a:bodyPr/>
+        <a:lstStyle/>
+        <a:p>
+          <a:endParaRPr lang="en-US"/>
+        </a:p>
+      </dgm:t>
+    </dgm:pt>
+    <dgm:pt modelId="{BE471329-6E79-4CBD-9858-EDD4BE6C8D9B}" type="sibTrans" cxnId="{9AAA4B46-D82D-4B92-977B-F72A8F3653A0}">
+      <dgm:prSet/>
+      <dgm:spPr/>
+      <dgm:t>
+        <a:bodyPr/>
+        <a:lstStyle/>
+        <a:p>
+          <a:endParaRPr lang="en-US"/>
+        </a:p>
+      </dgm:t>
+    </dgm:pt>
+    <dgm:pt modelId="{E6072E7B-F1C0-4B91-8805-0B6EEDF13953}">
+      <dgm:prSet custT="1"/>
+      <dgm:spPr/>
+      <dgm:t>
+        <a:bodyPr/>
+        <a:lstStyle/>
+        <a:p>
+          <a:r>
+            <a:rPr lang="en-US" sz="1200"/>
+            <a:t>vehicle_manoeuvre </a:t>
+          </a:r>
+          <a:endParaRPr lang="en-US" sz="1200" dirty="0"/>
+        </a:p>
+      </dgm:t>
+    </dgm:pt>
+    <dgm:pt modelId="{72C8A137-2FED-48F1-930E-E75883D5A0CA}" type="parTrans" cxnId="{1549B7CB-6901-41DD-A3AA-A25669E54F9C}">
+      <dgm:prSet/>
+      <dgm:spPr/>
+      <dgm:t>
+        <a:bodyPr/>
+        <a:lstStyle/>
+        <a:p>
+          <a:endParaRPr lang="en-US"/>
+        </a:p>
+      </dgm:t>
+    </dgm:pt>
+    <dgm:pt modelId="{35E3BF30-D98F-44DD-B0A1-0A0DDDB632B1}" type="sibTrans" cxnId="{1549B7CB-6901-41DD-A3AA-A25669E54F9C}">
+      <dgm:prSet/>
+      <dgm:spPr/>
+      <dgm:t>
+        <a:bodyPr/>
+        <a:lstStyle/>
+        <a:p>
+          <a:endParaRPr lang="en-US"/>
+        </a:p>
+      </dgm:t>
+    </dgm:pt>
+    <dgm:pt modelId="{71E36763-20B9-48E5-A211-1E6CE400A368}">
+      <dgm:prSet custT="1"/>
+      <dgm:spPr/>
+      <dgm:t>
+        <a:bodyPr/>
+        <a:lstStyle/>
+        <a:p>
+          <a:r>
+            <a:rPr lang="en-US" sz="1200"/>
+            <a:t>engine_capacity_cc </a:t>
+          </a:r>
+          <a:endParaRPr lang="en-US" sz="1200" dirty="0"/>
+        </a:p>
+      </dgm:t>
+    </dgm:pt>
+    <dgm:pt modelId="{47D465C4-96D3-4D9D-A5F4-1E785A9057E5}" type="parTrans" cxnId="{94E4FAF4-4F5A-4775-B01B-DA03B02BB1CA}">
+      <dgm:prSet/>
+      <dgm:spPr/>
+      <dgm:t>
+        <a:bodyPr/>
+        <a:lstStyle/>
+        <a:p>
+          <a:endParaRPr lang="en-US"/>
+        </a:p>
+      </dgm:t>
+    </dgm:pt>
+    <dgm:pt modelId="{DCF36918-6460-4B77-A1D8-4658897511B0}" type="sibTrans" cxnId="{94E4FAF4-4F5A-4775-B01B-DA03B02BB1CA}">
+      <dgm:prSet/>
+      <dgm:spPr/>
+      <dgm:t>
+        <a:bodyPr/>
+        <a:lstStyle/>
+        <a:p>
+          <a:endParaRPr lang="en-US"/>
+        </a:p>
+      </dgm:t>
+    </dgm:pt>
+    <dgm:pt modelId="{1FF73DF0-3A8F-4AA1-9740-E7BFEB4A311F}">
+      <dgm:prSet custT="1"/>
+      <dgm:spPr/>
+      <dgm:t>
+        <a:bodyPr/>
+        <a:lstStyle/>
+        <a:p>
+          <a:r>
+            <a:rPr lang="en-US" sz="1200"/>
+            <a:t>number_of_casualties </a:t>
+          </a:r>
+          <a:endParaRPr lang="en-US" sz="1200" dirty="0"/>
+        </a:p>
+      </dgm:t>
+    </dgm:pt>
+    <dgm:pt modelId="{7970EA9F-1186-4A35-B547-A153B3A8420D}" type="parTrans" cxnId="{B4F95E53-3DA4-4BE1-8D65-9D7BE710DEBA}">
+      <dgm:prSet/>
+      <dgm:spPr/>
+      <dgm:t>
+        <a:bodyPr/>
+        <a:lstStyle/>
+        <a:p>
+          <a:endParaRPr lang="en-US"/>
+        </a:p>
+      </dgm:t>
+    </dgm:pt>
+    <dgm:pt modelId="{82F164B3-D584-4CC0-AF7F-0D786DF01AEF}" type="sibTrans" cxnId="{B4F95E53-3DA4-4BE1-8D65-9D7BE710DEBA}">
+      <dgm:prSet/>
+      <dgm:spPr/>
+      <dgm:t>
+        <a:bodyPr/>
+        <a:lstStyle/>
+        <a:p>
+          <a:endParaRPr lang="en-US"/>
+        </a:p>
+      </dgm:t>
+    </dgm:pt>
+    <dgm:pt modelId="{B2AC5001-AFB3-4AA1-966A-3DAC41DE8695}">
+      <dgm:prSet custT="1"/>
+      <dgm:spPr/>
+      <dgm:t>
+        <a:bodyPr/>
+        <a:lstStyle/>
+        <a:p>
+          <a:r>
+            <a:rPr lang="en-US" sz="1200"/>
+            <a:t>driver_home_area_type </a:t>
+          </a:r>
+          <a:endParaRPr lang="en-US" sz="1200" dirty="0"/>
+        </a:p>
+      </dgm:t>
+    </dgm:pt>
+    <dgm:pt modelId="{F448F517-BB71-4EE7-ADD1-9A729BE02645}" type="parTrans" cxnId="{457C0000-08BF-4B51-90BD-E1E103F4EC3F}">
+      <dgm:prSet/>
+      <dgm:spPr/>
+      <dgm:t>
+        <a:bodyPr/>
+        <a:lstStyle/>
+        <a:p>
+          <a:endParaRPr lang="en-US"/>
+        </a:p>
+      </dgm:t>
+    </dgm:pt>
+    <dgm:pt modelId="{FEC6358E-CC4F-48F7-AD2A-611AB1C32354}" type="sibTrans" cxnId="{457C0000-08BF-4B51-90BD-E1E103F4EC3F}">
+      <dgm:prSet/>
+      <dgm:spPr/>
+      <dgm:t>
+        <a:bodyPr/>
+        <a:lstStyle/>
+        <a:p>
+          <a:endParaRPr lang="en-US"/>
+        </a:p>
+      </dgm:t>
+    </dgm:pt>
+    <dgm:pt modelId="{10D9F06C-B58B-45F9-92C2-8F81E99219A4}">
+      <dgm:prSet custT="1"/>
+      <dgm:spPr/>
+      <dgm:t>
+        <a:bodyPr/>
+        <a:lstStyle/>
+        <a:p>
+          <a:r>
+            <a:rPr lang="en-US" sz="1200"/>
+            <a:t>age_band_of_driver </a:t>
+          </a:r>
+          <a:endParaRPr lang="en-US" sz="1200" dirty="0"/>
+        </a:p>
+      </dgm:t>
+    </dgm:pt>
+    <dgm:pt modelId="{CE45802C-6ACD-4CBC-9920-EAD3043CAEEA}" type="parTrans" cxnId="{2B7E2235-A4AA-486B-9EDE-06F18DC8AE03}">
+      <dgm:prSet/>
+      <dgm:spPr/>
+      <dgm:t>
+        <a:bodyPr/>
+        <a:lstStyle/>
+        <a:p>
+          <a:endParaRPr lang="en-US"/>
+        </a:p>
+      </dgm:t>
+    </dgm:pt>
+    <dgm:pt modelId="{5EB7F92A-360D-4CCB-A960-A7C5A4F3F26B}" type="sibTrans" cxnId="{2B7E2235-A4AA-486B-9EDE-06F18DC8AE03}">
+      <dgm:prSet/>
+      <dgm:spPr/>
+      <dgm:t>
+        <a:bodyPr/>
+        <a:lstStyle/>
+        <a:p>
+          <a:endParaRPr lang="en-US"/>
+        </a:p>
+      </dgm:t>
+    </dgm:pt>
+    <dgm:pt modelId="{41445E2A-7D7C-4CCA-861A-67587849B49C}">
+      <dgm:prSet custT="1"/>
+      <dgm:spPr/>
+      <dgm:t>
+        <a:bodyPr/>
+        <a:lstStyle/>
+        <a:p>
+          <a:r>
+            <a:rPr lang="en-US" sz="1200"/>
+            <a:t>junction_control </a:t>
+          </a:r>
+          <a:endParaRPr lang="en-US" sz="1200" dirty="0"/>
+        </a:p>
+      </dgm:t>
+    </dgm:pt>
+    <dgm:pt modelId="{8E2B6161-8B61-4F9E-96A2-BD66DA6A16CE}" type="parTrans" cxnId="{56074A14-CF78-4742-9A10-3CD9DA93149E}">
+      <dgm:prSet/>
+      <dgm:spPr/>
+      <dgm:t>
+        <a:bodyPr/>
+        <a:lstStyle/>
+        <a:p>
+          <a:endParaRPr lang="en-US"/>
+        </a:p>
+      </dgm:t>
+    </dgm:pt>
+    <dgm:pt modelId="{13BF3F56-B2EC-4736-BFA2-37B697310633}" type="sibTrans" cxnId="{56074A14-CF78-4742-9A10-3CD9DA93149E}">
+      <dgm:prSet/>
+      <dgm:spPr/>
+      <dgm:t>
+        <a:bodyPr/>
+        <a:lstStyle/>
+        <a:p>
+          <a:endParaRPr lang="en-US"/>
+        </a:p>
+      </dgm:t>
+    </dgm:pt>
+    <dgm:pt modelId="{534FC022-7270-4090-B2A0-531A9A0011B0}">
+      <dgm:prSet custT="1"/>
+      <dgm:spPr/>
+      <dgm:t>
+        <a:bodyPr/>
+        <a:lstStyle/>
+        <a:p>
+          <a:r>
+            <a:rPr lang="en-US" sz="1200"/>
+            <a:t>hit_object_off_carriageway</a:t>
+          </a:r>
+          <a:endParaRPr lang="en-US" sz="1200" dirty="0"/>
+        </a:p>
+      </dgm:t>
+    </dgm:pt>
+    <dgm:pt modelId="{02A538AA-B3A8-4497-A34C-44BCFA574527}" type="parTrans" cxnId="{252098BB-5B14-41CD-ABD4-1508468B382E}">
+      <dgm:prSet/>
+      <dgm:spPr/>
+      <dgm:t>
+        <a:bodyPr/>
+        <a:lstStyle/>
+        <a:p>
+          <a:endParaRPr lang="en-US"/>
+        </a:p>
+      </dgm:t>
+    </dgm:pt>
+    <dgm:pt modelId="{3EE59F4D-8570-46E1-81D7-EFA89A309885}" type="sibTrans" cxnId="{252098BB-5B14-41CD-ABD4-1508468B382E}">
+      <dgm:prSet/>
+      <dgm:spPr/>
+      <dgm:t>
+        <a:bodyPr/>
+        <a:lstStyle/>
+        <a:p>
+          <a:endParaRPr lang="en-US"/>
+        </a:p>
+      </dgm:t>
+    </dgm:pt>
+    <dgm:pt modelId="{FC762370-871C-4F56-B281-3B1825319E6E}">
+      <dgm:prSet custT="1"/>
+      <dgm:spPr/>
+      <dgm:t>
+        <a:bodyPr/>
+        <a:lstStyle/>
+        <a:p>
+          <a:r>
+            <a:rPr lang="en-US" sz="1200"/>
+            <a:t>hit_object_in_carriageway </a:t>
+          </a:r>
+          <a:endParaRPr lang="en-US" sz="1200" dirty="0"/>
+        </a:p>
+      </dgm:t>
+    </dgm:pt>
+    <dgm:pt modelId="{D974D513-E238-4BF9-A0EB-AB4F342E77A2}" type="parTrans" cxnId="{2AE4BE62-C7D5-4111-8C4E-541C71CD30C4}">
+      <dgm:prSet/>
+      <dgm:spPr/>
+      <dgm:t>
+        <a:bodyPr/>
+        <a:lstStyle/>
+        <a:p>
+          <a:endParaRPr lang="en-US"/>
+        </a:p>
+      </dgm:t>
+    </dgm:pt>
+    <dgm:pt modelId="{C85E9D57-20CB-49D1-8419-9A6BCEC412C0}" type="sibTrans" cxnId="{2AE4BE62-C7D5-4111-8C4E-541C71CD30C4}">
+      <dgm:prSet/>
+      <dgm:spPr/>
+      <dgm:t>
+        <a:bodyPr/>
+        <a:lstStyle/>
+        <a:p>
+          <a:endParaRPr lang="en-US"/>
+        </a:p>
+      </dgm:t>
+    </dgm:pt>
+    <dgm:pt modelId="{CDFF1AF3-48C5-412A-99E5-0B666371AFBB}">
+      <dgm:prSet custT="1"/>
+      <dgm:spPr/>
+      <dgm:t>
+        <a:bodyPr/>
+        <a:lstStyle/>
+        <a:p>
+          <a:r>
+            <a:rPr lang="en-US" sz="1200"/>
+            <a:t>driver_imd_decile </a:t>
+          </a:r>
+          <a:endParaRPr lang="en-US" sz="1200" dirty="0"/>
+        </a:p>
+      </dgm:t>
+    </dgm:pt>
+    <dgm:pt modelId="{08F2F222-6E76-4D70-BA0D-0CC97C6E6C31}" type="parTrans" cxnId="{3FF11663-636D-4092-A76D-E52DBA2C4DAF}">
+      <dgm:prSet/>
+      <dgm:spPr/>
+      <dgm:t>
+        <a:bodyPr/>
+        <a:lstStyle/>
+        <a:p>
+          <a:endParaRPr lang="en-US"/>
+        </a:p>
+      </dgm:t>
+    </dgm:pt>
+    <dgm:pt modelId="{1B49C0DC-7488-4C2A-AE3F-E9F0D844B0C2}" type="sibTrans" cxnId="{3FF11663-636D-4092-A76D-E52DBA2C4DAF}">
+      <dgm:prSet/>
+      <dgm:spPr/>
+      <dgm:t>
+        <a:bodyPr/>
+        <a:lstStyle/>
+        <a:p>
+          <a:endParaRPr lang="en-US"/>
+        </a:p>
+      </dgm:t>
+    </dgm:pt>
+    <dgm:pt modelId="{B711A6DF-001B-4E23-B0AF-AEEE07F471A8}">
+      <dgm:prSet custT="1"/>
+      <dgm:spPr/>
+      <dgm:t>
+        <a:bodyPr/>
+        <a:lstStyle/>
+        <a:p>
+          <a:r>
+            <a:rPr lang="en-US" sz="1200"/>
+            <a:t>junction_detail </a:t>
+          </a:r>
+          <a:endParaRPr lang="en-US" sz="1200" dirty="0"/>
+        </a:p>
+      </dgm:t>
+    </dgm:pt>
+    <dgm:pt modelId="{82AE6E9C-C950-4B5B-ACF5-32FF2ED0FA0A}" type="parTrans" cxnId="{DBE68DB4-3958-4C2B-93B9-D5CE3C34F934}">
+      <dgm:prSet/>
+      <dgm:spPr/>
+      <dgm:t>
+        <a:bodyPr/>
+        <a:lstStyle/>
+        <a:p>
+          <a:endParaRPr lang="en-US"/>
+        </a:p>
+      </dgm:t>
+    </dgm:pt>
+    <dgm:pt modelId="{46E31B33-E36E-449B-A915-E87BF7361D9F}" type="sibTrans" cxnId="{DBE68DB4-3958-4C2B-93B9-D5CE3C34F934}">
+      <dgm:prSet/>
+      <dgm:spPr/>
+      <dgm:t>
+        <a:bodyPr/>
+        <a:lstStyle/>
+        <a:p>
+          <a:endParaRPr lang="en-US"/>
+        </a:p>
+      </dgm:t>
+    </dgm:pt>
+    <dgm:pt modelId="{6D93BCBD-B84E-4634-B4AD-A05F39C5C656}">
+      <dgm:prSet custT="1"/>
+      <dgm:spPr/>
+      <dgm:t>
+        <a:bodyPr/>
+        <a:lstStyle/>
+        <a:p>
+          <a:r>
+            <a:rPr lang="en-US" sz="1200"/>
+            <a:t>junction_location </a:t>
+          </a:r>
+          <a:endParaRPr lang="en-US" sz="1200" dirty="0"/>
+        </a:p>
+      </dgm:t>
+    </dgm:pt>
+    <dgm:pt modelId="{01B388F8-A84D-4A5C-98DF-3EF609F0068A}" type="parTrans" cxnId="{56A651D3-C555-4EBD-AB5A-45222C6A21A8}">
+      <dgm:prSet/>
+      <dgm:spPr/>
+      <dgm:t>
+        <a:bodyPr/>
+        <a:lstStyle/>
+        <a:p>
+          <a:endParaRPr lang="en-US"/>
+        </a:p>
+      </dgm:t>
+    </dgm:pt>
+    <dgm:pt modelId="{92D25DCE-BB2D-48C0-937F-1CCF367F3591}" type="sibTrans" cxnId="{56A651D3-C555-4EBD-AB5A-45222C6A21A8}">
+      <dgm:prSet/>
+      <dgm:spPr/>
+      <dgm:t>
+        <a:bodyPr/>
+        <a:lstStyle/>
+        <a:p>
+          <a:endParaRPr lang="en-US"/>
+        </a:p>
+      </dgm:t>
+    </dgm:pt>
+    <dgm:pt modelId="{11FC4E87-00CE-4D0D-9CD9-0C4ED6AA56E6}">
+      <dgm:prSet custT="1"/>
+      <dgm:spPr/>
+      <dgm:t>
+        <a:bodyPr/>
+        <a:lstStyle/>
+        <a:p>
+          <a:r>
+            <a:rPr lang="en-US" sz="1200"/>
+            <a:t>propulsion_code </a:t>
+          </a:r>
+          <a:endParaRPr lang="en-US" sz="1200" dirty="0"/>
+        </a:p>
+      </dgm:t>
+    </dgm:pt>
+    <dgm:pt modelId="{16CB2033-901A-4B0B-B704-6F89D7EF6271}" type="parTrans" cxnId="{5C1337C5-ADB2-4E9A-B125-3968B1B2CB64}">
+      <dgm:prSet/>
+      <dgm:spPr/>
+      <dgm:t>
+        <a:bodyPr/>
+        <a:lstStyle/>
+        <a:p>
+          <a:endParaRPr lang="en-US"/>
+        </a:p>
+      </dgm:t>
+    </dgm:pt>
+    <dgm:pt modelId="{BBC01334-D44E-4F93-B5BD-1C3219D42A7B}" type="sibTrans" cxnId="{5C1337C5-ADB2-4E9A-B125-3968B1B2CB64}">
+      <dgm:prSet/>
+      <dgm:spPr/>
+      <dgm:t>
+        <a:bodyPr/>
+        <a:lstStyle/>
+        <a:p>
+          <a:endParaRPr lang="en-US"/>
+        </a:p>
+      </dgm:t>
+    </dgm:pt>
+    <dgm:pt modelId="{61F6795C-D3BA-4A87-A999-0AEA44703028}">
+      <dgm:prSet custT="1"/>
+      <dgm:spPr/>
+      <dgm:t>
+        <a:bodyPr/>
+        <a:lstStyle/>
+        <a:p>
+          <a:r>
+            <a:rPr lang="en-US" sz="1200" dirty="0"/>
+            <a:t>year </a:t>
+          </a:r>
+        </a:p>
+      </dgm:t>
+    </dgm:pt>
+    <dgm:pt modelId="{25CABDC1-40D1-4BFA-99FE-966CDCE0028B}" type="parTrans" cxnId="{8C3AB7F9-1CFE-4995-AF8A-26380BB0A969}">
+      <dgm:prSet/>
+      <dgm:spPr/>
+      <dgm:t>
+        <a:bodyPr/>
+        <a:lstStyle/>
+        <a:p>
+          <a:endParaRPr lang="en-US"/>
+        </a:p>
+      </dgm:t>
+    </dgm:pt>
+    <dgm:pt modelId="{414273A8-8F66-4C6B-BEDC-2719E30057B1}" type="sibTrans" cxnId="{8C3AB7F9-1CFE-4995-AF8A-26380BB0A969}">
+      <dgm:prSet/>
+      <dgm:spPr/>
+      <dgm:t>
+        <a:bodyPr/>
+        <a:lstStyle/>
+        <a:p>
+          <a:endParaRPr lang="en-US"/>
+        </a:p>
+      </dgm:t>
+    </dgm:pt>
+    <dgm:pt modelId="{2F2E233B-6B58-4E71-8D2D-D76436B6B8C1}" type="pres">
+      <dgm:prSet presAssocID="{CF5557B8-6D2D-453B-83DE-409516117FD4}" presName="diagram" presStyleCnt="0">
+        <dgm:presLayoutVars>
+          <dgm:dir/>
+          <dgm:resizeHandles val="exact"/>
+        </dgm:presLayoutVars>
+      </dgm:prSet>
+      <dgm:spPr/>
+    </dgm:pt>
+    <dgm:pt modelId="{535100F3-A2FB-46C8-AD1D-7E1E99AA3121}" type="pres">
+      <dgm:prSet presAssocID="{14C1A073-C2A4-42BF-ADA3-502C50A23A39}" presName="node" presStyleLbl="node1" presStyleIdx="0" presStyleCnt="22">
+        <dgm:presLayoutVars>
+          <dgm:bulletEnabled val="1"/>
+        </dgm:presLayoutVars>
+      </dgm:prSet>
+      <dgm:spPr/>
+    </dgm:pt>
+    <dgm:pt modelId="{6D994DC4-28B9-448D-887A-CF305CD173FA}" type="pres">
+      <dgm:prSet presAssocID="{1DE94890-967A-458F-BC03-5164E7141564}" presName="sibTrans" presStyleCnt="0"/>
+      <dgm:spPr/>
+    </dgm:pt>
+    <dgm:pt modelId="{49AA2305-F3C6-44D6-BF4E-18B7F9121AC1}" type="pres">
+      <dgm:prSet presAssocID="{5F11A28F-D636-46EE-934D-0BCF1FBF2B13}" presName="node" presStyleLbl="node1" presStyleIdx="1" presStyleCnt="22">
+        <dgm:presLayoutVars>
+          <dgm:bulletEnabled val="1"/>
+        </dgm:presLayoutVars>
+      </dgm:prSet>
+      <dgm:spPr/>
+    </dgm:pt>
+    <dgm:pt modelId="{2EC2620C-2A04-49A0-A53A-2ECAE97E5746}" type="pres">
+      <dgm:prSet presAssocID="{9B76B46E-0046-40B4-AC62-017F71A6F32D}" presName="sibTrans" presStyleCnt="0"/>
+      <dgm:spPr/>
+    </dgm:pt>
+    <dgm:pt modelId="{EA942F3C-292B-4D73-A9DB-BD41996A51F1}" type="pres">
+      <dgm:prSet presAssocID="{39AE0F91-7FEA-4858-9C0F-25B9FB1F0471}" presName="node" presStyleLbl="node1" presStyleIdx="2" presStyleCnt="22">
+        <dgm:presLayoutVars>
+          <dgm:bulletEnabled val="1"/>
+        </dgm:presLayoutVars>
+      </dgm:prSet>
+      <dgm:spPr/>
+    </dgm:pt>
+    <dgm:pt modelId="{E0056641-86C9-446F-A3D6-4376915309CA}" type="pres">
+      <dgm:prSet presAssocID="{08B93560-1AA5-45CB-84FD-8E8B770BFF0D}" presName="sibTrans" presStyleCnt="0"/>
+      <dgm:spPr/>
+    </dgm:pt>
+    <dgm:pt modelId="{640D60FD-7BB5-4104-A517-3B6430B4D63E}" type="pres">
+      <dgm:prSet presAssocID="{2BD9172F-A932-4211-8102-700422CFFBD4}" presName="node" presStyleLbl="node1" presStyleIdx="3" presStyleCnt="22">
+        <dgm:presLayoutVars>
+          <dgm:bulletEnabled val="1"/>
+        </dgm:presLayoutVars>
+      </dgm:prSet>
+      <dgm:spPr/>
+    </dgm:pt>
+    <dgm:pt modelId="{E721BEF2-1798-4403-AF99-62705AB7CBA6}" type="pres">
+      <dgm:prSet presAssocID="{2A55DC97-D7C6-4AA8-8483-F7DFC8E62C4D}" presName="sibTrans" presStyleCnt="0"/>
+      <dgm:spPr/>
+    </dgm:pt>
+    <dgm:pt modelId="{50B8B961-E4F1-4E46-BA97-2B4401A3CFB4}" type="pres">
+      <dgm:prSet presAssocID="{7BC1FD6E-984A-4A12-8114-0A0CB40E5ABB}" presName="node" presStyleLbl="node1" presStyleIdx="4" presStyleCnt="22">
+        <dgm:presLayoutVars>
+          <dgm:bulletEnabled val="1"/>
+        </dgm:presLayoutVars>
+      </dgm:prSet>
+      <dgm:spPr/>
+    </dgm:pt>
+    <dgm:pt modelId="{0BE3F4BC-23F5-4D2E-9F99-6D804D45E8B3}" type="pres">
+      <dgm:prSet presAssocID="{84FBB72F-163F-4187-A4E3-24665812D7D1}" presName="sibTrans" presStyleCnt="0"/>
+      <dgm:spPr/>
+    </dgm:pt>
+    <dgm:pt modelId="{F14CB567-C501-4FA0-9034-1289ADD0D7C8}" type="pres">
+      <dgm:prSet presAssocID="{247BC01B-6CFE-4BF5-8056-4ACB03B0042C}" presName="node" presStyleLbl="node1" presStyleIdx="5" presStyleCnt="22">
+        <dgm:presLayoutVars>
+          <dgm:bulletEnabled val="1"/>
+        </dgm:presLayoutVars>
+      </dgm:prSet>
+      <dgm:spPr/>
+    </dgm:pt>
+    <dgm:pt modelId="{93A0D06B-0D82-4D0E-AB10-421C2DCE8720}" type="pres">
+      <dgm:prSet presAssocID="{399AF1A6-B8E3-4458-9E21-43ADB0A91B10}" presName="sibTrans" presStyleCnt="0"/>
+      <dgm:spPr/>
+    </dgm:pt>
+    <dgm:pt modelId="{CFB21B79-7151-476A-AC2E-341CDFEB25DF}" type="pres">
+      <dgm:prSet presAssocID="{4581E512-E03E-447B-8566-005B39DB924C}" presName="node" presStyleLbl="node1" presStyleIdx="6" presStyleCnt="22">
+        <dgm:presLayoutVars>
+          <dgm:bulletEnabled val="1"/>
+        </dgm:presLayoutVars>
+      </dgm:prSet>
+      <dgm:spPr/>
+    </dgm:pt>
+    <dgm:pt modelId="{7125A743-0C8C-44D9-BD60-3FA7F1BBFA83}" type="pres">
+      <dgm:prSet presAssocID="{BDA09093-2A63-46D8-BF1C-07B021D24847}" presName="sibTrans" presStyleCnt="0"/>
+      <dgm:spPr/>
+    </dgm:pt>
+    <dgm:pt modelId="{3779AF70-4742-4D03-9F19-81294E1D5B89}" type="pres">
+      <dgm:prSet presAssocID="{78412786-AE3A-42BB-8D33-9F579A742A4E}" presName="node" presStyleLbl="node1" presStyleIdx="7" presStyleCnt="22">
+        <dgm:presLayoutVars>
+          <dgm:bulletEnabled val="1"/>
+        </dgm:presLayoutVars>
+      </dgm:prSet>
+      <dgm:spPr/>
+    </dgm:pt>
+    <dgm:pt modelId="{4C5D8F13-BB0B-4A40-A279-36A4A9DCB8C3}" type="pres">
+      <dgm:prSet presAssocID="{BFEEF32E-58C5-4E21-BA95-90324CBAAAE5}" presName="sibTrans" presStyleCnt="0"/>
+      <dgm:spPr/>
+    </dgm:pt>
+    <dgm:pt modelId="{6933A4FE-9CC4-4979-A3B4-060ECF75E548}" type="pres">
+      <dgm:prSet presAssocID="{7917748B-F2A0-45CD-AFD4-DCE85F32B746}" presName="node" presStyleLbl="node1" presStyleIdx="8" presStyleCnt="22">
+        <dgm:presLayoutVars>
+          <dgm:bulletEnabled val="1"/>
+        </dgm:presLayoutVars>
+      </dgm:prSet>
+      <dgm:spPr/>
+    </dgm:pt>
+    <dgm:pt modelId="{3D0F00B0-BB42-4172-B90F-0C388CB70A88}" type="pres">
+      <dgm:prSet presAssocID="{BE471329-6E79-4CBD-9858-EDD4BE6C8D9B}" presName="sibTrans" presStyleCnt="0"/>
+      <dgm:spPr/>
+    </dgm:pt>
+    <dgm:pt modelId="{95DFCBE5-020C-4765-AF51-7FA4276DE8C6}" type="pres">
+      <dgm:prSet presAssocID="{E6072E7B-F1C0-4B91-8805-0B6EEDF13953}" presName="node" presStyleLbl="node1" presStyleIdx="9" presStyleCnt="22">
+        <dgm:presLayoutVars>
+          <dgm:bulletEnabled val="1"/>
+        </dgm:presLayoutVars>
+      </dgm:prSet>
+      <dgm:spPr/>
+    </dgm:pt>
+    <dgm:pt modelId="{3AF3B72E-E15D-433F-B05C-70C94FAC36F8}" type="pres">
+      <dgm:prSet presAssocID="{35E3BF30-D98F-44DD-B0A1-0A0DDDB632B1}" presName="sibTrans" presStyleCnt="0"/>
+      <dgm:spPr/>
+    </dgm:pt>
+    <dgm:pt modelId="{9A89DD06-3061-4556-A576-8DACB688AA6F}" type="pres">
+      <dgm:prSet presAssocID="{71E36763-20B9-48E5-A211-1E6CE400A368}" presName="node" presStyleLbl="node1" presStyleIdx="10" presStyleCnt="22">
+        <dgm:presLayoutVars>
+          <dgm:bulletEnabled val="1"/>
+        </dgm:presLayoutVars>
+      </dgm:prSet>
+      <dgm:spPr/>
+    </dgm:pt>
+    <dgm:pt modelId="{4B48F571-2743-41C7-B236-FB3AF3F8FFBE}" type="pres">
+      <dgm:prSet presAssocID="{DCF36918-6460-4B77-A1D8-4658897511B0}" presName="sibTrans" presStyleCnt="0"/>
+      <dgm:spPr/>
+    </dgm:pt>
+    <dgm:pt modelId="{FACAEDEA-8D91-46CA-B953-2FA76B00CBA0}" type="pres">
+      <dgm:prSet presAssocID="{1FF73DF0-3A8F-4AA1-9740-E7BFEB4A311F}" presName="node" presStyleLbl="node1" presStyleIdx="11" presStyleCnt="22">
+        <dgm:presLayoutVars>
+          <dgm:bulletEnabled val="1"/>
+        </dgm:presLayoutVars>
+      </dgm:prSet>
+      <dgm:spPr/>
+    </dgm:pt>
+    <dgm:pt modelId="{26812C3A-FC93-4B2A-A122-81D8169B379C}" type="pres">
+      <dgm:prSet presAssocID="{82F164B3-D584-4CC0-AF7F-0D786DF01AEF}" presName="sibTrans" presStyleCnt="0"/>
+      <dgm:spPr/>
+    </dgm:pt>
+    <dgm:pt modelId="{6EAE953D-5663-490E-8A8D-0CB504D1C81A}" type="pres">
+      <dgm:prSet presAssocID="{B2AC5001-AFB3-4AA1-966A-3DAC41DE8695}" presName="node" presStyleLbl="node1" presStyleIdx="12" presStyleCnt="22">
+        <dgm:presLayoutVars>
+          <dgm:bulletEnabled val="1"/>
+        </dgm:presLayoutVars>
+      </dgm:prSet>
+      <dgm:spPr/>
+    </dgm:pt>
+    <dgm:pt modelId="{7334DC16-27FF-4EF9-BF19-D2CD961AB756}" type="pres">
+      <dgm:prSet presAssocID="{FEC6358E-CC4F-48F7-AD2A-611AB1C32354}" presName="sibTrans" presStyleCnt="0"/>
+      <dgm:spPr/>
+    </dgm:pt>
+    <dgm:pt modelId="{385D3649-D215-455C-9C7B-507298AC5CFE}" type="pres">
+      <dgm:prSet presAssocID="{10D9F06C-B58B-45F9-92C2-8F81E99219A4}" presName="node" presStyleLbl="node1" presStyleIdx="13" presStyleCnt="22">
+        <dgm:presLayoutVars>
+          <dgm:bulletEnabled val="1"/>
+        </dgm:presLayoutVars>
+      </dgm:prSet>
+      <dgm:spPr/>
+    </dgm:pt>
+    <dgm:pt modelId="{92C4D0C9-EEE3-4C4A-B001-BDB1557C19DB}" type="pres">
+      <dgm:prSet presAssocID="{5EB7F92A-360D-4CCB-A960-A7C5A4F3F26B}" presName="sibTrans" presStyleCnt="0"/>
+      <dgm:spPr/>
+    </dgm:pt>
+    <dgm:pt modelId="{E0E25080-6C0B-4AEA-99A1-7C5949152835}" type="pres">
+      <dgm:prSet presAssocID="{41445E2A-7D7C-4CCA-861A-67587849B49C}" presName="node" presStyleLbl="node1" presStyleIdx="14" presStyleCnt="22">
+        <dgm:presLayoutVars>
+          <dgm:bulletEnabled val="1"/>
+        </dgm:presLayoutVars>
+      </dgm:prSet>
+      <dgm:spPr/>
+    </dgm:pt>
+    <dgm:pt modelId="{E7D6537E-6723-4E3F-BBE5-B65FC47B24CC}" type="pres">
+      <dgm:prSet presAssocID="{13BF3F56-B2EC-4736-BFA2-37B697310633}" presName="sibTrans" presStyleCnt="0"/>
+      <dgm:spPr/>
+    </dgm:pt>
+    <dgm:pt modelId="{762476F7-DDAD-4470-8253-C7988B376A79}" type="pres">
+      <dgm:prSet presAssocID="{534FC022-7270-4090-B2A0-531A9A0011B0}" presName="node" presStyleLbl="node1" presStyleIdx="15" presStyleCnt="22">
+        <dgm:presLayoutVars>
+          <dgm:bulletEnabled val="1"/>
+        </dgm:presLayoutVars>
+      </dgm:prSet>
+      <dgm:spPr/>
+    </dgm:pt>
+    <dgm:pt modelId="{50AF313F-FA90-42F2-B0F5-C300D7C20260}" type="pres">
+      <dgm:prSet presAssocID="{3EE59F4D-8570-46E1-81D7-EFA89A309885}" presName="sibTrans" presStyleCnt="0"/>
+      <dgm:spPr/>
+    </dgm:pt>
+    <dgm:pt modelId="{1389FDF5-7D93-40AF-AA69-36463BBD8178}" type="pres">
+      <dgm:prSet presAssocID="{FC762370-871C-4F56-B281-3B1825319E6E}" presName="node" presStyleLbl="node1" presStyleIdx="16" presStyleCnt="22">
+        <dgm:presLayoutVars>
+          <dgm:bulletEnabled val="1"/>
+        </dgm:presLayoutVars>
+      </dgm:prSet>
+      <dgm:spPr/>
+    </dgm:pt>
+    <dgm:pt modelId="{9FF7CA1A-92AE-4454-A22C-B579F43254F2}" type="pres">
+      <dgm:prSet presAssocID="{C85E9D57-20CB-49D1-8419-9A6BCEC412C0}" presName="sibTrans" presStyleCnt="0"/>
+      <dgm:spPr/>
+    </dgm:pt>
+    <dgm:pt modelId="{E7E7E2F4-ABF4-47D9-B02F-A6F32B8236E1}" type="pres">
+      <dgm:prSet presAssocID="{CDFF1AF3-48C5-412A-99E5-0B666371AFBB}" presName="node" presStyleLbl="node1" presStyleIdx="17" presStyleCnt="22">
+        <dgm:presLayoutVars>
+          <dgm:bulletEnabled val="1"/>
+        </dgm:presLayoutVars>
+      </dgm:prSet>
+      <dgm:spPr/>
+    </dgm:pt>
+    <dgm:pt modelId="{4F0FB471-1507-4640-82E4-CB740858AB54}" type="pres">
+      <dgm:prSet presAssocID="{1B49C0DC-7488-4C2A-AE3F-E9F0D844B0C2}" presName="sibTrans" presStyleCnt="0"/>
+      <dgm:spPr/>
+    </dgm:pt>
+    <dgm:pt modelId="{5A2E3F29-B6F3-4C6C-8127-968543AAD871}" type="pres">
+      <dgm:prSet presAssocID="{B711A6DF-001B-4E23-B0AF-AEEE07F471A8}" presName="node" presStyleLbl="node1" presStyleIdx="18" presStyleCnt="22">
+        <dgm:presLayoutVars>
+          <dgm:bulletEnabled val="1"/>
+        </dgm:presLayoutVars>
+      </dgm:prSet>
+      <dgm:spPr/>
+    </dgm:pt>
+    <dgm:pt modelId="{0B277AB7-8E7C-4C75-BBD4-61A206C0C960}" type="pres">
+      <dgm:prSet presAssocID="{46E31B33-E36E-449B-A915-E87BF7361D9F}" presName="sibTrans" presStyleCnt="0"/>
+      <dgm:spPr/>
+    </dgm:pt>
+    <dgm:pt modelId="{2E038262-C01E-450E-BB3B-B9FAF50A212F}" type="pres">
+      <dgm:prSet presAssocID="{6D93BCBD-B84E-4634-B4AD-A05F39C5C656}" presName="node" presStyleLbl="node1" presStyleIdx="19" presStyleCnt="22">
+        <dgm:presLayoutVars>
+          <dgm:bulletEnabled val="1"/>
+        </dgm:presLayoutVars>
+      </dgm:prSet>
+      <dgm:spPr/>
+    </dgm:pt>
+    <dgm:pt modelId="{018D06AD-EA5D-4172-807A-97D200DF008F}" type="pres">
+      <dgm:prSet presAssocID="{92D25DCE-BB2D-48C0-937F-1CCF367F3591}" presName="sibTrans" presStyleCnt="0"/>
+      <dgm:spPr/>
+    </dgm:pt>
+    <dgm:pt modelId="{940D78FD-ED26-4A0F-A4EB-CD5BFBFD54EA}" type="pres">
+      <dgm:prSet presAssocID="{11FC4E87-00CE-4D0D-9CD9-0C4ED6AA56E6}" presName="node" presStyleLbl="node1" presStyleIdx="20" presStyleCnt="22">
+        <dgm:presLayoutVars>
+          <dgm:bulletEnabled val="1"/>
+        </dgm:presLayoutVars>
+      </dgm:prSet>
+      <dgm:spPr/>
+    </dgm:pt>
+    <dgm:pt modelId="{47E8D175-2670-49FE-88C0-73B8ACB35AE4}" type="pres">
+      <dgm:prSet presAssocID="{BBC01334-D44E-4F93-B5BD-1C3219D42A7B}" presName="sibTrans" presStyleCnt="0"/>
+      <dgm:spPr/>
+    </dgm:pt>
+    <dgm:pt modelId="{06669E55-4CBD-4834-82C0-4A737DEDABEA}" type="pres">
+      <dgm:prSet presAssocID="{61F6795C-D3BA-4A87-A999-0AEA44703028}" presName="node" presStyleLbl="node1" presStyleIdx="21" presStyleCnt="22">
+        <dgm:presLayoutVars>
+          <dgm:bulletEnabled val="1"/>
+        </dgm:presLayoutVars>
+      </dgm:prSet>
+      <dgm:spPr/>
+    </dgm:pt>
+  </dgm:ptLst>
+  <dgm:cxnLst>
+    <dgm:cxn modelId="{457C0000-08BF-4B51-90BD-E1E103F4EC3F}" srcId="{CF5557B8-6D2D-453B-83DE-409516117FD4}" destId="{B2AC5001-AFB3-4AA1-966A-3DAC41DE8695}" srcOrd="12" destOrd="0" parTransId="{F448F517-BB71-4EE7-ADD1-9A729BE02645}" sibTransId="{FEC6358E-CC4F-48F7-AD2A-611AB1C32354}"/>
+    <dgm:cxn modelId="{C3F09E03-EBFE-4C1D-8770-5569EA886AB6}" type="presOf" srcId="{B711A6DF-001B-4E23-B0AF-AEEE07F471A8}" destId="{5A2E3F29-B6F3-4C6C-8127-968543AAD871}" srcOrd="0" destOrd="0" presId="urn:microsoft.com/office/officeart/2005/8/layout/default"/>
+    <dgm:cxn modelId="{6FD3C20C-4CC2-465B-A084-80A621EB96F0}" type="presOf" srcId="{61F6795C-D3BA-4A87-A999-0AEA44703028}" destId="{06669E55-4CBD-4834-82C0-4A737DEDABEA}" srcOrd="0" destOrd="0" presId="urn:microsoft.com/office/officeart/2005/8/layout/default"/>
+    <dgm:cxn modelId="{56074A14-CF78-4742-9A10-3CD9DA93149E}" srcId="{CF5557B8-6D2D-453B-83DE-409516117FD4}" destId="{41445E2A-7D7C-4CCA-861A-67587849B49C}" srcOrd="14" destOrd="0" parTransId="{8E2B6161-8B61-4F9E-96A2-BD66DA6A16CE}" sibTransId="{13BF3F56-B2EC-4736-BFA2-37B697310633}"/>
+    <dgm:cxn modelId="{3F47211E-DB77-4101-9463-227E559AF464}" type="presOf" srcId="{1FF73DF0-3A8F-4AA1-9740-E7BFEB4A311F}" destId="{FACAEDEA-8D91-46CA-B953-2FA76B00CBA0}" srcOrd="0" destOrd="0" presId="urn:microsoft.com/office/officeart/2005/8/layout/default"/>
+    <dgm:cxn modelId="{3412B522-A106-43B9-870A-ED9A5E65675A}" srcId="{CF5557B8-6D2D-453B-83DE-409516117FD4}" destId="{4581E512-E03E-447B-8566-005B39DB924C}" srcOrd="6" destOrd="0" parTransId="{7AB42EB5-F11E-48F6-9979-22B82A4C5788}" sibTransId="{BDA09093-2A63-46D8-BF1C-07B021D24847}"/>
+    <dgm:cxn modelId="{2B7E2235-A4AA-486B-9EDE-06F18DC8AE03}" srcId="{CF5557B8-6D2D-453B-83DE-409516117FD4}" destId="{10D9F06C-B58B-45F9-92C2-8F81E99219A4}" srcOrd="13" destOrd="0" parTransId="{CE45802C-6ACD-4CBC-9920-EAD3043CAEEA}" sibTransId="{5EB7F92A-360D-4CCB-A960-A7C5A4F3F26B}"/>
+    <dgm:cxn modelId="{AEDD6839-6D77-473B-AAA9-FE22F4C6E8AA}" type="presOf" srcId="{CDFF1AF3-48C5-412A-99E5-0B666371AFBB}" destId="{E7E7E2F4-ABF4-47D9-B02F-A6F32B8236E1}" srcOrd="0" destOrd="0" presId="urn:microsoft.com/office/officeart/2005/8/layout/default"/>
+    <dgm:cxn modelId="{9D2FB539-7549-46A5-943C-9CC5C8F1D4FB}" type="presOf" srcId="{E6072E7B-F1C0-4B91-8805-0B6EEDF13953}" destId="{95DFCBE5-020C-4765-AF51-7FA4276DE8C6}" srcOrd="0" destOrd="0" presId="urn:microsoft.com/office/officeart/2005/8/layout/default"/>
+    <dgm:cxn modelId="{66F0633D-D80A-49FF-941B-A6999E5D20E9}" type="presOf" srcId="{71E36763-20B9-48E5-A211-1E6CE400A368}" destId="{9A89DD06-3061-4556-A576-8DACB688AA6F}" srcOrd="0" destOrd="0" presId="urn:microsoft.com/office/officeart/2005/8/layout/default"/>
+    <dgm:cxn modelId="{7658C13E-11D6-4FEB-BA49-8E7CB8898FBC}" type="presOf" srcId="{4581E512-E03E-447B-8566-005B39DB924C}" destId="{CFB21B79-7151-476A-AC2E-341CDFEB25DF}" srcOrd="0" destOrd="0" presId="urn:microsoft.com/office/officeart/2005/8/layout/default"/>
+    <dgm:cxn modelId="{DF86255F-AA43-488A-BA2A-1DCE66C69850}" type="presOf" srcId="{39AE0F91-7FEA-4858-9C0F-25B9FB1F0471}" destId="{EA942F3C-292B-4D73-A9DB-BD41996A51F1}" srcOrd="0" destOrd="0" presId="urn:microsoft.com/office/officeart/2005/8/layout/default"/>
+    <dgm:cxn modelId="{2AE4BE62-C7D5-4111-8C4E-541C71CD30C4}" srcId="{CF5557B8-6D2D-453B-83DE-409516117FD4}" destId="{FC762370-871C-4F56-B281-3B1825319E6E}" srcOrd="16" destOrd="0" parTransId="{D974D513-E238-4BF9-A0EB-AB4F342E77A2}" sibTransId="{C85E9D57-20CB-49D1-8419-9A6BCEC412C0}"/>
+    <dgm:cxn modelId="{3FF11663-636D-4092-A76D-E52DBA2C4DAF}" srcId="{CF5557B8-6D2D-453B-83DE-409516117FD4}" destId="{CDFF1AF3-48C5-412A-99E5-0B666371AFBB}" srcOrd="17" destOrd="0" parTransId="{08F2F222-6E76-4D70-BA0D-0CC97C6E6C31}" sibTransId="{1B49C0DC-7488-4C2A-AE3F-E9F0D844B0C2}"/>
+    <dgm:cxn modelId="{D50EDA65-5F3D-4C95-83D3-520C968B0EDA}" type="presOf" srcId="{B2AC5001-AFB3-4AA1-966A-3DAC41DE8695}" destId="{6EAE953D-5663-490E-8A8D-0CB504D1C81A}" srcOrd="0" destOrd="0" presId="urn:microsoft.com/office/officeart/2005/8/layout/default"/>
+    <dgm:cxn modelId="{9AAA4B46-D82D-4B92-977B-F72A8F3653A0}" srcId="{CF5557B8-6D2D-453B-83DE-409516117FD4}" destId="{7917748B-F2A0-45CD-AFD4-DCE85F32B746}" srcOrd="8" destOrd="0" parTransId="{2D341716-6FF2-4C50-9975-82E526909256}" sibTransId="{BE471329-6E79-4CBD-9858-EDD4BE6C8D9B}"/>
+    <dgm:cxn modelId="{67F33A68-073B-40BF-B480-3B2898D3ED61}" srcId="{CF5557B8-6D2D-453B-83DE-409516117FD4}" destId="{2BD9172F-A932-4211-8102-700422CFFBD4}" srcOrd="3" destOrd="0" parTransId="{164595D1-54C0-4B55-8030-1C9BBC0F415C}" sibTransId="{2A55DC97-D7C6-4AA8-8483-F7DFC8E62C4D}"/>
+    <dgm:cxn modelId="{B643FB6B-F663-45AA-92AF-67205F8F5FBD}" srcId="{CF5557B8-6D2D-453B-83DE-409516117FD4}" destId="{7BC1FD6E-984A-4A12-8114-0A0CB40E5ABB}" srcOrd="4" destOrd="0" parTransId="{0C372BC1-9B90-406F-8E17-471B0046B811}" sibTransId="{84FBB72F-163F-4187-A4E3-24665812D7D1}"/>
+    <dgm:cxn modelId="{18B9566C-B16F-4403-A651-BB1AC92D715E}" type="presOf" srcId="{2BD9172F-A932-4211-8102-700422CFFBD4}" destId="{640D60FD-7BB5-4104-A517-3B6430B4D63E}" srcOrd="0" destOrd="0" presId="urn:microsoft.com/office/officeart/2005/8/layout/default"/>
+    <dgm:cxn modelId="{B4F95E53-3DA4-4BE1-8D65-9D7BE710DEBA}" srcId="{CF5557B8-6D2D-453B-83DE-409516117FD4}" destId="{1FF73DF0-3A8F-4AA1-9740-E7BFEB4A311F}" srcOrd="11" destOrd="0" parTransId="{7970EA9F-1186-4A35-B547-A153B3A8420D}" sibTransId="{82F164B3-D584-4CC0-AF7F-0D786DF01AEF}"/>
+    <dgm:cxn modelId="{A2753655-ECA1-4966-B460-1EDAB68A3088}" type="presOf" srcId="{247BC01B-6CFE-4BF5-8056-4ACB03B0042C}" destId="{F14CB567-C501-4FA0-9034-1289ADD0D7C8}" srcOrd="0" destOrd="0" presId="urn:microsoft.com/office/officeart/2005/8/layout/default"/>
+    <dgm:cxn modelId="{792E6F78-8C87-49E3-BFC8-88B40B494A00}" type="presOf" srcId="{FC762370-871C-4F56-B281-3B1825319E6E}" destId="{1389FDF5-7D93-40AF-AA69-36463BBD8178}" srcOrd="0" destOrd="0" presId="urn:microsoft.com/office/officeart/2005/8/layout/default"/>
+    <dgm:cxn modelId="{0468405A-760E-4817-8274-1851D3ADB91C}" type="presOf" srcId="{11FC4E87-00CE-4D0D-9CD9-0C4ED6AA56E6}" destId="{940D78FD-ED26-4A0F-A4EB-CD5BFBFD54EA}" srcOrd="0" destOrd="0" presId="urn:microsoft.com/office/officeart/2005/8/layout/default"/>
+    <dgm:cxn modelId="{D803797A-2B3C-41F3-905D-FF6AE8FCA532}" type="presOf" srcId="{10D9F06C-B58B-45F9-92C2-8F81E99219A4}" destId="{385D3649-D215-455C-9C7B-507298AC5CFE}" srcOrd="0" destOrd="0" presId="urn:microsoft.com/office/officeart/2005/8/layout/default"/>
+    <dgm:cxn modelId="{AA8AC45A-228B-4EB0-8B2E-EF64FB3F9460}" type="presOf" srcId="{7BC1FD6E-984A-4A12-8114-0A0CB40E5ABB}" destId="{50B8B961-E4F1-4E46-BA97-2B4401A3CFB4}" srcOrd="0" destOrd="0" presId="urn:microsoft.com/office/officeart/2005/8/layout/default"/>
+    <dgm:cxn modelId="{C2A5338D-D7F8-4461-B8E1-6F1F238B02C1}" srcId="{CF5557B8-6D2D-453B-83DE-409516117FD4}" destId="{247BC01B-6CFE-4BF5-8056-4ACB03B0042C}" srcOrd="5" destOrd="0" parTransId="{1A67E047-9069-42EB-8D04-86306C9980C2}" sibTransId="{399AF1A6-B8E3-4458-9E21-43ADB0A91B10}"/>
+    <dgm:cxn modelId="{A93F6B8E-AD49-435B-B71E-F3D4A00B1C73}" type="presOf" srcId="{41445E2A-7D7C-4CCA-861A-67587849B49C}" destId="{E0E25080-6C0B-4AEA-99A1-7C5949152835}" srcOrd="0" destOrd="0" presId="urn:microsoft.com/office/officeart/2005/8/layout/default"/>
+    <dgm:cxn modelId="{71DA63A1-4486-41E5-8808-F95B0E830E4C}" type="presOf" srcId="{6D93BCBD-B84E-4634-B4AD-A05F39C5C656}" destId="{2E038262-C01E-450E-BB3B-B9FAF50A212F}" srcOrd="0" destOrd="0" presId="urn:microsoft.com/office/officeart/2005/8/layout/default"/>
+    <dgm:cxn modelId="{064A00AB-DE57-49DE-9585-5BBE33966217}" type="presOf" srcId="{534FC022-7270-4090-B2A0-531A9A0011B0}" destId="{762476F7-DDAD-4470-8253-C7988B376A79}" srcOrd="0" destOrd="0" presId="urn:microsoft.com/office/officeart/2005/8/layout/default"/>
+    <dgm:cxn modelId="{20AB03B4-304B-4F38-8890-261ED82B5B9E}" type="presOf" srcId="{CF5557B8-6D2D-453B-83DE-409516117FD4}" destId="{2F2E233B-6B58-4E71-8D2D-D76436B6B8C1}" srcOrd="0" destOrd="0" presId="urn:microsoft.com/office/officeart/2005/8/layout/default"/>
+    <dgm:cxn modelId="{DBE68DB4-3958-4C2B-93B9-D5CE3C34F934}" srcId="{CF5557B8-6D2D-453B-83DE-409516117FD4}" destId="{B711A6DF-001B-4E23-B0AF-AEEE07F471A8}" srcOrd="18" destOrd="0" parTransId="{82AE6E9C-C950-4B5B-ACF5-32FF2ED0FA0A}" sibTransId="{46E31B33-E36E-449B-A915-E87BF7361D9F}"/>
+    <dgm:cxn modelId="{252098BB-5B14-41CD-ABD4-1508468B382E}" srcId="{CF5557B8-6D2D-453B-83DE-409516117FD4}" destId="{534FC022-7270-4090-B2A0-531A9A0011B0}" srcOrd="15" destOrd="0" parTransId="{02A538AA-B3A8-4497-A34C-44BCFA574527}" sibTransId="{3EE59F4D-8570-46E1-81D7-EFA89A309885}"/>
+    <dgm:cxn modelId="{5A5643BD-FEB8-4F6B-8AFE-70240A92455A}" type="presOf" srcId="{78412786-AE3A-42BB-8D33-9F579A742A4E}" destId="{3779AF70-4742-4D03-9F19-81294E1D5B89}" srcOrd="0" destOrd="0" presId="urn:microsoft.com/office/officeart/2005/8/layout/default"/>
+    <dgm:cxn modelId="{10E067C1-A90F-4A9B-B29A-05A464E4D103}" type="presOf" srcId="{14C1A073-C2A4-42BF-ADA3-502C50A23A39}" destId="{535100F3-A2FB-46C8-AD1D-7E1E99AA3121}" srcOrd="0" destOrd="0" presId="urn:microsoft.com/office/officeart/2005/8/layout/default"/>
+    <dgm:cxn modelId="{5C1337C5-ADB2-4E9A-B125-3968B1B2CB64}" srcId="{CF5557B8-6D2D-453B-83DE-409516117FD4}" destId="{11FC4E87-00CE-4D0D-9CD9-0C4ED6AA56E6}" srcOrd="20" destOrd="0" parTransId="{16CB2033-901A-4B0B-B704-6F89D7EF6271}" sibTransId="{BBC01334-D44E-4F93-B5BD-1C3219D42A7B}"/>
+    <dgm:cxn modelId="{1549B7CB-6901-41DD-A3AA-A25669E54F9C}" srcId="{CF5557B8-6D2D-453B-83DE-409516117FD4}" destId="{E6072E7B-F1C0-4B91-8805-0B6EEDF13953}" srcOrd="9" destOrd="0" parTransId="{72C8A137-2FED-48F1-930E-E75883D5A0CA}" sibTransId="{35E3BF30-D98F-44DD-B0A1-0A0DDDB632B1}"/>
+    <dgm:cxn modelId="{56A651D3-C555-4EBD-AB5A-45222C6A21A8}" srcId="{CF5557B8-6D2D-453B-83DE-409516117FD4}" destId="{6D93BCBD-B84E-4634-B4AD-A05F39C5C656}" srcOrd="19" destOrd="0" parTransId="{01B388F8-A84D-4A5C-98DF-3EF609F0068A}" sibTransId="{92D25DCE-BB2D-48C0-937F-1CCF367F3591}"/>
+    <dgm:cxn modelId="{AB5322D4-4E53-49BC-89E8-6877F02C8F0D}" type="presOf" srcId="{5F11A28F-D636-46EE-934D-0BCF1FBF2B13}" destId="{49AA2305-F3C6-44D6-BF4E-18B7F9121AC1}" srcOrd="0" destOrd="0" presId="urn:microsoft.com/office/officeart/2005/8/layout/default"/>
+    <dgm:cxn modelId="{27D71DDA-D83C-4238-8A3D-39F1FAFA341C}" srcId="{CF5557B8-6D2D-453B-83DE-409516117FD4}" destId="{78412786-AE3A-42BB-8D33-9F579A742A4E}" srcOrd="7" destOrd="0" parTransId="{EC70EB64-346A-4A43-BB3B-50DCA1A420B2}" sibTransId="{BFEEF32E-58C5-4E21-BA95-90324CBAAAE5}"/>
+    <dgm:cxn modelId="{EC5A69E2-5B8F-4B49-808E-E89A31F1AEC7}" srcId="{CF5557B8-6D2D-453B-83DE-409516117FD4}" destId="{14C1A073-C2A4-42BF-ADA3-502C50A23A39}" srcOrd="0" destOrd="0" parTransId="{59E26BA0-4FAE-4308-819C-4C48C01E30BF}" sibTransId="{1DE94890-967A-458F-BC03-5164E7141564}"/>
+    <dgm:cxn modelId="{D84380E6-ECBE-4DC2-BC02-648CF669F4A8}" type="presOf" srcId="{7917748B-F2A0-45CD-AFD4-DCE85F32B746}" destId="{6933A4FE-9CC4-4979-A3B4-060ECF75E548}" srcOrd="0" destOrd="0" presId="urn:microsoft.com/office/officeart/2005/8/layout/default"/>
+    <dgm:cxn modelId="{5B0128F1-A466-4D5A-AB6B-553D49B46F2B}" srcId="{CF5557B8-6D2D-453B-83DE-409516117FD4}" destId="{5F11A28F-D636-46EE-934D-0BCF1FBF2B13}" srcOrd="1" destOrd="0" parTransId="{0B9A0AF1-303E-4BD8-8791-00DA0AC259A5}" sibTransId="{9B76B46E-0046-40B4-AC62-017F71A6F32D}"/>
+    <dgm:cxn modelId="{94E4FAF4-4F5A-4775-B01B-DA03B02BB1CA}" srcId="{CF5557B8-6D2D-453B-83DE-409516117FD4}" destId="{71E36763-20B9-48E5-A211-1E6CE400A368}" srcOrd="10" destOrd="0" parTransId="{47D465C4-96D3-4D9D-A5F4-1E785A9057E5}" sibTransId="{DCF36918-6460-4B77-A1D8-4658897511B0}"/>
+    <dgm:cxn modelId="{8C3AB7F9-1CFE-4995-AF8A-26380BB0A969}" srcId="{CF5557B8-6D2D-453B-83DE-409516117FD4}" destId="{61F6795C-D3BA-4A87-A999-0AEA44703028}" srcOrd="21" destOrd="0" parTransId="{25CABDC1-40D1-4BFA-99FE-966CDCE0028B}" sibTransId="{414273A8-8F66-4C6B-BEDC-2719E30057B1}"/>
+    <dgm:cxn modelId="{3EED19FA-333B-4FBA-9B60-0A3DDF734D46}" srcId="{CF5557B8-6D2D-453B-83DE-409516117FD4}" destId="{39AE0F91-7FEA-4858-9C0F-25B9FB1F0471}" srcOrd="2" destOrd="0" parTransId="{3C487BFB-6058-46B7-87F8-2FC6A7C24AA1}" sibTransId="{08B93560-1AA5-45CB-84FD-8E8B770BFF0D}"/>
+    <dgm:cxn modelId="{23C8F224-55FA-46BB-B99E-4CB193AD5AD4}" type="presParOf" srcId="{2F2E233B-6B58-4E71-8D2D-D76436B6B8C1}" destId="{535100F3-A2FB-46C8-AD1D-7E1E99AA3121}" srcOrd="0" destOrd="0" presId="urn:microsoft.com/office/officeart/2005/8/layout/default"/>
+    <dgm:cxn modelId="{9E04BA27-0B60-443E-BA53-68377F95AB08}" type="presParOf" srcId="{2F2E233B-6B58-4E71-8D2D-D76436B6B8C1}" destId="{6D994DC4-28B9-448D-887A-CF305CD173FA}" srcOrd="1" destOrd="0" presId="urn:microsoft.com/office/officeart/2005/8/layout/default"/>
+    <dgm:cxn modelId="{D982BC6C-79CE-4220-90C8-8A5915CE09BA}" type="presParOf" srcId="{2F2E233B-6B58-4E71-8D2D-D76436B6B8C1}" destId="{49AA2305-F3C6-44D6-BF4E-18B7F9121AC1}" srcOrd="2" destOrd="0" presId="urn:microsoft.com/office/officeart/2005/8/layout/default"/>
+    <dgm:cxn modelId="{03290082-D61B-4E8C-9012-6809646AA356}" type="presParOf" srcId="{2F2E233B-6B58-4E71-8D2D-D76436B6B8C1}" destId="{2EC2620C-2A04-49A0-A53A-2ECAE97E5746}" srcOrd="3" destOrd="0" presId="urn:microsoft.com/office/officeart/2005/8/layout/default"/>
+    <dgm:cxn modelId="{8D8B5FAD-77F2-4CD6-9C36-2C656FC93C8F}" type="presParOf" srcId="{2F2E233B-6B58-4E71-8D2D-D76436B6B8C1}" destId="{EA942F3C-292B-4D73-A9DB-BD41996A51F1}" srcOrd="4" destOrd="0" presId="urn:microsoft.com/office/officeart/2005/8/layout/default"/>
+    <dgm:cxn modelId="{1B589CDE-C49E-4BE6-AC7E-53A0E17BE436}" type="presParOf" srcId="{2F2E233B-6B58-4E71-8D2D-D76436B6B8C1}" destId="{E0056641-86C9-446F-A3D6-4376915309CA}" srcOrd="5" destOrd="0" presId="urn:microsoft.com/office/officeart/2005/8/layout/default"/>
+    <dgm:cxn modelId="{2CA01A3A-5055-4769-86B1-BC84D056E175}" type="presParOf" srcId="{2F2E233B-6B58-4E71-8D2D-D76436B6B8C1}" destId="{640D60FD-7BB5-4104-A517-3B6430B4D63E}" srcOrd="6" destOrd="0" presId="urn:microsoft.com/office/officeart/2005/8/layout/default"/>
+    <dgm:cxn modelId="{C62D2FBA-5618-4C24-8B8E-70B5BBF124A9}" type="presParOf" srcId="{2F2E233B-6B58-4E71-8D2D-D76436B6B8C1}" destId="{E721BEF2-1798-4403-AF99-62705AB7CBA6}" srcOrd="7" destOrd="0" presId="urn:microsoft.com/office/officeart/2005/8/layout/default"/>
+    <dgm:cxn modelId="{42A73A92-4CC9-4064-9C2B-E26F3C07DC4D}" type="presParOf" srcId="{2F2E233B-6B58-4E71-8D2D-D76436B6B8C1}" destId="{50B8B961-E4F1-4E46-BA97-2B4401A3CFB4}" srcOrd="8" destOrd="0" presId="urn:microsoft.com/office/officeart/2005/8/layout/default"/>
+    <dgm:cxn modelId="{07726D79-C0CF-4174-B476-739D2A4BC609}" type="presParOf" srcId="{2F2E233B-6B58-4E71-8D2D-D76436B6B8C1}" destId="{0BE3F4BC-23F5-4D2E-9F99-6D804D45E8B3}" srcOrd="9" destOrd="0" presId="urn:microsoft.com/office/officeart/2005/8/layout/default"/>
+    <dgm:cxn modelId="{85E1FF9C-CA7B-448A-9EC5-86C39A89C873}" type="presParOf" srcId="{2F2E233B-6B58-4E71-8D2D-D76436B6B8C1}" destId="{F14CB567-C501-4FA0-9034-1289ADD0D7C8}" srcOrd="10" destOrd="0" presId="urn:microsoft.com/office/officeart/2005/8/layout/default"/>
+    <dgm:cxn modelId="{954FB45A-0EBF-4DAD-9FDD-B17BCF61306D}" type="presParOf" srcId="{2F2E233B-6B58-4E71-8D2D-D76436B6B8C1}" destId="{93A0D06B-0D82-4D0E-AB10-421C2DCE8720}" srcOrd="11" destOrd="0" presId="urn:microsoft.com/office/officeart/2005/8/layout/default"/>
+    <dgm:cxn modelId="{2D6E539F-951D-4668-A1E7-B40A01993F54}" type="presParOf" srcId="{2F2E233B-6B58-4E71-8D2D-D76436B6B8C1}" destId="{CFB21B79-7151-476A-AC2E-341CDFEB25DF}" srcOrd="12" destOrd="0" presId="urn:microsoft.com/office/officeart/2005/8/layout/default"/>
+    <dgm:cxn modelId="{1AE58A08-DC96-4C85-BF57-6C27636D7DA0}" type="presParOf" srcId="{2F2E233B-6B58-4E71-8D2D-D76436B6B8C1}" destId="{7125A743-0C8C-44D9-BD60-3FA7F1BBFA83}" srcOrd="13" destOrd="0" presId="urn:microsoft.com/office/officeart/2005/8/layout/default"/>
+    <dgm:cxn modelId="{E1E2C1B9-A67A-4F23-B548-C83172DEA348}" type="presParOf" srcId="{2F2E233B-6B58-4E71-8D2D-D76436B6B8C1}" destId="{3779AF70-4742-4D03-9F19-81294E1D5B89}" srcOrd="14" destOrd="0" presId="urn:microsoft.com/office/officeart/2005/8/layout/default"/>
+    <dgm:cxn modelId="{0DF8EB02-AED8-40FE-BA6C-BE08D3DCAB07}" type="presParOf" srcId="{2F2E233B-6B58-4E71-8D2D-D76436B6B8C1}" destId="{4C5D8F13-BB0B-4A40-A279-36A4A9DCB8C3}" srcOrd="15" destOrd="0" presId="urn:microsoft.com/office/officeart/2005/8/layout/default"/>
+    <dgm:cxn modelId="{473574D2-C0EE-428B-9702-FCE0F72B5529}" type="presParOf" srcId="{2F2E233B-6B58-4E71-8D2D-D76436B6B8C1}" destId="{6933A4FE-9CC4-4979-A3B4-060ECF75E548}" srcOrd="16" destOrd="0" presId="urn:microsoft.com/office/officeart/2005/8/layout/default"/>
+    <dgm:cxn modelId="{7301A912-1EC7-4BA8-A525-B06A3A5E7095}" type="presParOf" srcId="{2F2E233B-6B58-4E71-8D2D-D76436B6B8C1}" destId="{3D0F00B0-BB42-4172-B90F-0C388CB70A88}" srcOrd="17" destOrd="0" presId="urn:microsoft.com/office/officeart/2005/8/layout/default"/>
+    <dgm:cxn modelId="{164F9DEB-7682-4761-9492-D98666CD1AFF}" type="presParOf" srcId="{2F2E233B-6B58-4E71-8D2D-D76436B6B8C1}" destId="{95DFCBE5-020C-4765-AF51-7FA4276DE8C6}" srcOrd="18" destOrd="0" presId="urn:microsoft.com/office/officeart/2005/8/layout/default"/>
+    <dgm:cxn modelId="{DDE71234-28E3-48AB-BD03-32211DF8E948}" type="presParOf" srcId="{2F2E233B-6B58-4E71-8D2D-D76436B6B8C1}" destId="{3AF3B72E-E15D-433F-B05C-70C94FAC36F8}" srcOrd="19" destOrd="0" presId="urn:microsoft.com/office/officeart/2005/8/layout/default"/>
+    <dgm:cxn modelId="{E2A41B22-3002-464E-B2A6-F4C243C5ABF4}" type="presParOf" srcId="{2F2E233B-6B58-4E71-8D2D-D76436B6B8C1}" destId="{9A89DD06-3061-4556-A576-8DACB688AA6F}" srcOrd="20" destOrd="0" presId="urn:microsoft.com/office/officeart/2005/8/layout/default"/>
+    <dgm:cxn modelId="{67B47A50-D879-4559-A0B6-E3F609BEF0C9}" type="presParOf" srcId="{2F2E233B-6B58-4E71-8D2D-D76436B6B8C1}" destId="{4B48F571-2743-41C7-B236-FB3AF3F8FFBE}" srcOrd="21" destOrd="0" presId="urn:microsoft.com/office/officeart/2005/8/layout/default"/>
+    <dgm:cxn modelId="{2F38DC07-827B-4A11-AFBE-06A77554BDFF}" type="presParOf" srcId="{2F2E233B-6B58-4E71-8D2D-D76436B6B8C1}" destId="{FACAEDEA-8D91-46CA-B953-2FA76B00CBA0}" srcOrd="22" destOrd="0" presId="urn:microsoft.com/office/officeart/2005/8/layout/default"/>
+    <dgm:cxn modelId="{3416A8BF-FE8B-47B7-AA5F-3B4B048BA6F4}" type="presParOf" srcId="{2F2E233B-6B58-4E71-8D2D-D76436B6B8C1}" destId="{26812C3A-FC93-4B2A-A122-81D8169B379C}" srcOrd="23" destOrd="0" presId="urn:microsoft.com/office/officeart/2005/8/layout/default"/>
+    <dgm:cxn modelId="{2C40CAA4-A895-4A7A-9A68-2AE8099EF181}" type="presParOf" srcId="{2F2E233B-6B58-4E71-8D2D-D76436B6B8C1}" destId="{6EAE953D-5663-490E-8A8D-0CB504D1C81A}" srcOrd="24" destOrd="0" presId="urn:microsoft.com/office/officeart/2005/8/layout/default"/>
+    <dgm:cxn modelId="{8BE488C6-7CF9-46C3-9C6B-1C536DB37B22}" type="presParOf" srcId="{2F2E233B-6B58-4E71-8D2D-D76436B6B8C1}" destId="{7334DC16-27FF-4EF9-BF19-D2CD961AB756}" srcOrd="25" destOrd="0" presId="urn:microsoft.com/office/officeart/2005/8/layout/default"/>
+    <dgm:cxn modelId="{742E96D0-4CC3-4D82-9792-E9D310E86C8D}" type="presParOf" srcId="{2F2E233B-6B58-4E71-8D2D-D76436B6B8C1}" destId="{385D3649-D215-455C-9C7B-507298AC5CFE}" srcOrd="26" destOrd="0" presId="urn:microsoft.com/office/officeart/2005/8/layout/default"/>
+    <dgm:cxn modelId="{AA254287-40E1-4052-98D7-B3228C3E6AEF}" type="presParOf" srcId="{2F2E233B-6B58-4E71-8D2D-D76436B6B8C1}" destId="{92C4D0C9-EEE3-4C4A-B001-BDB1557C19DB}" srcOrd="27" destOrd="0" presId="urn:microsoft.com/office/officeart/2005/8/layout/default"/>
+    <dgm:cxn modelId="{EC5CE984-2A5C-4354-A724-306CFBC022CE}" type="presParOf" srcId="{2F2E233B-6B58-4E71-8D2D-D76436B6B8C1}" destId="{E0E25080-6C0B-4AEA-99A1-7C5949152835}" srcOrd="28" destOrd="0" presId="urn:microsoft.com/office/officeart/2005/8/layout/default"/>
+    <dgm:cxn modelId="{2AF36C49-683A-4E0D-A3C1-92CEB870BAA3}" type="presParOf" srcId="{2F2E233B-6B58-4E71-8D2D-D76436B6B8C1}" destId="{E7D6537E-6723-4E3F-BBE5-B65FC47B24CC}" srcOrd="29" destOrd="0" presId="urn:microsoft.com/office/officeart/2005/8/layout/default"/>
+    <dgm:cxn modelId="{27F27AF8-04DB-42FB-847F-CE19B4273AE4}" type="presParOf" srcId="{2F2E233B-6B58-4E71-8D2D-D76436B6B8C1}" destId="{762476F7-DDAD-4470-8253-C7988B376A79}" srcOrd="30" destOrd="0" presId="urn:microsoft.com/office/officeart/2005/8/layout/default"/>
+    <dgm:cxn modelId="{CBA53EE8-36B1-47EB-9DDD-AFCAF3BD8954}" type="presParOf" srcId="{2F2E233B-6B58-4E71-8D2D-D76436B6B8C1}" destId="{50AF313F-FA90-42F2-B0F5-C300D7C20260}" srcOrd="31" destOrd="0" presId="urn:microsoft.com/office/officeart/2005/8/layout/default"/>
+    <dgm:cxn modelId="{6496485C-E057-46A4-923C-54B641D281C8}" type="presParOf" srcId="{2F2E233B-6B58-4E71-8D2D-D76436B6B8C1}" destId="{1389FDF5-7D93-40AF-AA69-36463BBD8178}" srcOrd="32" destOrd="0" presId="urn:microsoft.com/office/officeart/2005/8/layout/default"/>
+    <dgm:cxn modelId="{48ACD139-B466-47B2-901B-CFF399C16376}" type="presParOf" srcId="{2F2E233B-6B58-4E71-8D2D-D76436B6B8C1}" destId="{9FF7CA1A-92AE-4454-A22C-B579F43254F2}" srcOrd="33" destOrd="0" presId="urn:microsoft.com/office/officeart/2005/8/layout/default"/>
+    <dgm:cxn modelId="{F9852B77-057F-425A-B798-8B609DD260A2}" type="presParOf" srcId="{2F2E233B-6B58-4E71-8D2D-D76436B6B8C1}" destId="{E7E7E2F4-ABF4-47D9-B02F-A6F32B8236E1}" srcOrd="34" destOrd="0" presId="urn:microsoft.com/office/officeart/2005/8/layout/default"/>
+    <dgm:cxn modelId="{44149688-C6BA-4199-A5C4-6E1D36F25DA6}" type="presParOf" srcId="{2F2E233B-6B58-4E71-8D2D-D76436B6B8C1}" destId="{4F0FB471-1507-4640-82E4-CB740858AB54}" srcOrd="35" destOrd="0" presId="urn:microsoft.com/office/officeart/2005/8/layout/default"/>
+    <dgm:cxn modelId="{207840F2-95BF-4EAA-8179-4CC2C11EC426}" type="presParOf" srcId="{2F2E233B-6B58-4E71-8D2D-D76436B6B8C1}" destId="{5A2E3F29-B6F3-4C6C-8127-968543AAD871}" srcOrd="36" destOrd="0" presId="urn:microsoft.com/office/officeart/2005/8/layout/default"/>
+    <dgm:cxn modelId="{1AC60AB5-8467-46FB-B4CE-E1DB01D818B8}" type="presParOf" srcId="{2F2E233B-6B58-4E71-8D2D-D76436B6B8C1}" destId="{0B277AB7-8E7C-4C75-BBD4-61A206C0C960}" srcOrd="37" destOrd="0" presId="urn:microsoft.com/office/officeart/2005/8/layout/default"/>
+    <dgm:cxn modelId="{4309B106-0BE4-4483-A6C5-BBBE2D339855}" type="presParOf" srcId="{2F2E233B-6B58-4E71-8D2D-D76436B6B8C1}" destId="{2E038262-C01E-450E-BB3B-B9FAF50A212F}" srcOrd="38" destOrd="0" presId="urn:microsoft.com/office/officeart/2005/8/layout/default"/>
+    <dgm:cxn modelId="{AB18C475-B1AB-44E8-80F3-1E0B75AA96F7}" type="presParOf" srcId="{2F2E233B-6B58-4E71-8D2D-D76436B6B8C1}" destId="{018D06AD-EA5D-4172-807A-97D200DF008F}" srcOrd="39" destOrd="0" presId="urn:microsoft.com/office/officeart/2005/8/layout/default"/>
+    <dgm:cxn modelId="{B5B3A0A5-1E5C-4554-BCF2-288ABC0B7744}" type="presParOf" srcId="{2F2E233B-6B58-4E71-8D2D-D76436B6B8C1}" destId="{940D78FD-ED26-4A0F-A4EB-CD5BFBFD54EA}" srcOrd="40" destOrd="0" presId="urn:microsoft.com/office/officeart/2005/8/layout/default"/>
+    <dgm:cxn modelId="{0DFC65F0-7727-4BA7-B393-B364E6CCFEA6}" type="presParOf" srcId="{2F2E233B-6B58-4E71-8D2D-D76436B6B8C1}" destId="{47E8D175-2670-49FE-88C0-73B8ACB35AE4}" srcOrd="41" destOrd="0" presId="urn:microsoft.com/office/officeart/2005/8/layout/default"/>
+    <dgm:cxn modelId="{8DD2FE0C-319E-4C08-89B3-4ECCEEAE08F6}" type="presParOf" srcId="{2F2E233B-6B58-4E71-8D2D-D76436B6B8C1}" destId="{06669E55-4CBD-4834-82C0-4A737DEDABEA}" srcOrd="42" destOrd="0" presId="urn:microsoft.com/office/officeart/2005/8/layout/default"/>
   </dgm:cxnLst>
   <dgm:bg/>
   <dgm:whole/>
@@ -6764,7 +8706,7 @@
       </dsp:nvSpPr>
       <dsp:spPr>
         <a:xfrm>
-          <a:off x="5146089" y="491175"/>
+          <a:off x="5288975" y="529272"/>
           <a:ext cx="2337792" cy="1402675"/>
         </a:xfrm>
         <a:prstGeom prst="rect">
@@ -6830,7 +8772,7 @@
         </a:p>
       </dsp:txBody>
       <dsp:txXfrm>
-        <a:off x="5146089" y="491175"/>
+        <a:off x="5288975" y="529272"/>
         <a:ext cx="2337792" cy="1402675"/>
       </dsp:txXfrm>
     </dsp:sp>
@@ -7702,7 +9644,7 @@
             <a:defRPr cap="all"/>
           </a:pPr>
           <a:r>
-            <a:rPr lang="en-US" sz="1400" kern="1200"/>
+            <a:rPr lang="en-US" sz="1400" kern="1200" dirty="0"/>
             <a:t>The following charts display the number of accidents by year, month, season and day of the week. </a:t>
           </a:r>
         </a:p>
@@ -7862,6 +9804,2324 @@
       <dsp:txXfrm>
         <a:off x="5344199" y="2942806"/>
         <a:ext cx="3600000" cy="720000"/>
+      </dsp:txXfrm>
+    </dsp:sp>
+  </dsp:spTree>
+</dsp:drawing>
+</file>
+
+<file path=ppt/diagrams/drawing6.xml><?xml version="1.0" encoding="utf-8"?>
+<dsp:drawing xmlns:dgm="http://schemas.openxmlformats.org/drawingml/2006/diagram" xmlns:dsp="http://schemas.microsoft.com/office/drawing/2008/diagram" xmlns:a="http://schemas.openxmlformats.org/drawingml/2006/main">
+  <dsp:spTree>
+    <dsp:nvGrpSpPr>
+      <dsp:cNvPr id="0" name=""/>
+      <dsp:cNvGrpSpPr/>
+    </dsp:nvGrpSpPr>
+    <dsp:grpSpPr/>
+    <dsp:sp modelId="{535100F3-A2FB-46C8-AD1D-7E1E99AA3121}">
+      <dsp:nvSpPr>
+        <dsp:cNvPr id="0" name=""/>
+        <dsp:cNvSpPr/>
+      </dsp:nvSpPr>
+      <dsp:spPr>
+        <a:xfrm>
+          <a:off x="400273" y="2027"/>
+          <a:ext cx="1424285" cy="854571"/>
+        </a:xfrm>
+        <a:prstGeom prst="rect">
+          <a:avLst/>
+        </a:prstGeom>
+        <a:gradFill rotWithShape="0">
+          <a:gsLst>
+            <a:gs pos="0">
+              <a:schemeClr val="accent6">
+                <a:hueOff val="0"/>
+                <a:satOff val="0"/>
+                <a:lumOff val="0"/>
+                <a:alphaOff val="0"/>
+                <a:satMod val="100000"/>
+                <a:lumMod val="100000"/>
+              </a:schemeClr>
+            </a:gs>
+            <a:gs pos="50000">
+              <a:schemeClr val="accent6">
+                <a:hueOff val="0"/>
+                <a:satOff val="0"/>
+                <a:lumOff val="0"/>
+                <a:alphaOff val="0"/>
+                <a:shade val="99000"/>
+                <a:satMod val="105000"/>
+                <a:lumMod val="100000"/>
+              </a:schemeClr>
+            </a:gs>
+            <a:gs pos="100000">
+              <a:schemeClr val="accent6">
+                <a:hueOff val="0"/>
+                <a:satOff val="0"/>
+                <a:lumOff val="0"/>
+                <a:alphaOff val="0"/>
+                <a:shade val="98000"/>
+                <a:satMod val="105000"/>
+                <a:lumMod val="100000"/>
+              </a:schemeClr>
+            </a:gs>
+          </a:gsLst>
+          <a:lin ang="5400000" scaled="0"/>
+        </a:gradFill>
+        <a:ln>
+          <a:noFill/>
+        </a:ln>
+        <a:effectLst>
+          <a:outerShdw blurRad="38100" dist="12700" dir="5400000" algn="ctr" rotWithShape="0">
+            <a:srgbClr val="000000">
+              <a:alpha val="63000"/>
+            </a:srgbClr>
+          </a:outerShdw>
+        </a:effectLst>
+      </dsp:spPr>
+      <dsp:style>
+        <a:lnRef idx="0">
+          <a:scrgbClr r="0" g="0" b="0"/>
+        </a:lnRef>
+        <a:fillRef idx="3">
+          <a:scrgbClr r="0" g="0" b="0"/>
+        </a:fillRef>
+        <a:effectRef idx="2">
+          <a:scrgbClr r="0" g="0" b="0"/>
+        </a:effectRef>
+        <a:fontRef idx="minor">
+          <a:schemeClr val="lt1"/>
+        </a:fontRef>
+      </dsp:style>
+      <dsp:txBody>
+        <a:bodyPr spcFirstLastPara="0" vert="horz" wrap="square" lIns="45720" tIns="45720" rIns="45720" bIns="45720" numCol="1" spcCol="1270" anchor="ctr" anchorCtr="0">
+          <a:noAutofit/>
+        </a:bodyPr>
+        <a:lstStyle/>
+        <a:p>
+          <a:pPr marL="0" lvl="0" indent="0" algn="ctr" defTabSz="533400">
+            <a:lnSpc>
+              <a:spcPct val="90000"/>
+            </a:lnSpc>
+            <a:spcBef>
+              <a:spcPct val="0"/>
+            </a:spcBef>
+            <a:spcAft>
+              <a:spcPct val="35000"/>
+            </a:spcAft>
+            <a:buNone/>
+          </a:pPr>
+          <a:r>
+            <a:rPr lang="en-US" sz="1200" kern="1200" dirty="0"/>
+            <a:t>did_police_officer_attend_scene_of_accident </a:t>
+          </a:r>
+        </a:p>
+      </dsp:txBody>
+      <dsp:txXfrm>
+        <a:off x="400273" y="2027"/>
+        <a:ext cx="1424285" cy="854571"/>
+      </dsp:txXfrm>
+    </dsp:sp>
+    <dsp:sp modelId="{49AA2305-F3C6-44D6-BF4E-18B7F9121AC1}">
+      <dsp:nvSpPr>
+        <dsp:cNvPr id="0" name=""/>
+        <dsp:cNvSpPr/>
+      </dsp:nvSpPr>
+      <dsp:spPr>
+        <a:xfrm>
+          <a:off x="1966986" y="2027"/>
+          <a:ext cx="1424285" cy="854571"/>
+        </a:xfrm>
+        <a:prstGeom prst="rect">
+          <a:avLst/>
+        </a:prstGeom>
+        <a:gradFill rotWithShape="0">
+          <a:gsLst>
+            <a:gs pos="0">
+              <a:schemeClr val="accent6">
+                <a:hueOff val="0"/>
+                <a:satOff val="0"/>
+                <a:lumOff val="0"/>
+                <a:alphaOff val="0"/>
+                <a:satMod val="100000"/>
+                <a:lumMod val="100000"/>
+              </a:schemeClr>
+            </a:gs>
+            <a:gs pos="50000">
+              <a:schemeClr val="accent6">
+                <a:hueOff val="0"/>
+                <a:satOff val="0"/>
+                <a:lumOff val="0"/>
+                <a:alphaOff val="0"/>
+                <a:shade val="99000"/>
+                <a:satMod val="105000"/>
+                <a:lumMod val="100000"/>
+              </a:schemeClr>
+            </a:gs>
+            <a:gs pos="100000">
+              <a:schemeClr val="accent6">
+                <a:hueOff val="0"/>
+                <a:satOff val="0"/>
+                <a:lumOff val="0"/>
+                <a:alphaOff val="0"/>
+                <a:shade val="98000"/>
+                <a:satMod val="105000"/>
+                <a:lumMod val="100000"/>
+              </a:schemeClr>
+            </a:gs>
+          </a:gsLst>
+          <a:lin ang="5400000" scaled="0"/>
+        </a:gradFill>
+        <a:ln>
+          <a:noFill/>
+        </a:ln>
+        <a:effectLst>
+          <a:outerShdw blurRad="38100" dist="12700" dir="5400000" algn="ctr" rotWithShape="0">
+            <a:srgbClr val="000000">
+              <a:alpha val="63000"/>
+            </a:srgbClr>
+          </a:outerShdw>
+        </a:effectLst>
+      </dsp:spPr>
+      <dsp:style>
+        <a:lnRef idx="0">
+          <a:scrgbClr r="0" g="0" b="0"/>
+        </a:lnRef>
+        <a:fillRef idx="3">
+          <a:scrgbClr r="0" g="0" b="0"/>
+        </a:fillRef>
+        <a:effectRef idx="2">
+          <a:scrgbClr r="0" g="0" b="0"/>
+        </a:effectRef>
+        <a:fontRef idx="minor">
+          <a:schemeClr val="lt1"/>
+        </a:fontRef>
+      </dsp:style>
+      <dsp:txBody>
+        <a:bodyPr spcFirstLastPara="0" vert="horz" wrap="square" lIns="45720" tIns="45720" rIns="45720" bIns="45720" numCol="1" spcCol="1270" anchor="ctr" anchorCtr="0">
+          <a:noAutofit/>
+        </a:bodyPr>
+        <a:lstStyle/>
+        <a:p>
+          <a:pPr marL="0" lvl="0" indent="0" algn="ctr" defTabSz="533400">
+            <a:lnSpc>
+              <a:spcPct val="90000"/>
+            </a:lnSpc>
+            <a:spcBef>
+              <a:spcPct val="0"/>
+            </a:spcBef>
+            <a:spcAft>
+              <a:spcPct val="35000"/>
+            </a:spcAft>
+            <a:buNone/>
+          </a:pPr>
+          <a:r>
+            <a:rPr lang="en-US" sz="1200" kern="1200"/>
+            <a:t>x1st_point_of_impact </a:t>
+          </a:r>
+          <a:endParaRPr lang="en-US" sz="1200" kern="1200" dirty="0"/>
+        </a:p>
+      </dsp:txBody>
+      <dsp:txXfrm>
+        <a:off x="1966986" y="2027"/>
+        <a:ext cx="1424285" cy="854571"/>
+      </dsp:txXfrm>
+    </dsp:sp>
+    <dsp:sp modelId="{EA942F3C-292B-4D73-A9DB-BD41996A51F1}">
+      <dsp:nvSpPr>
+        <dsp:cNvPr id="0" name=""/>
+        <dsp:cNvSpPr/>
+      </dsp:nvSpPr>
+      <dsp:spPr>
+        <a:xfrm>
+          <a:off x="3533700" y="2027"/>
+          <a:ext cx="1424285" cy="854571"/>
+        </a:xfrm>
+        <a:prstGeom prst="rect">
+          <a:avLst/>
+        </a:prstGeom>
+        <a:gradFill rotWithShape="0">
+          <a:gsLst>
+            <a:gs pos="0">
+              <a:schemeClr val="accent6">
+                <a:hueOff val="0"/>
+                <a:satOff val="0"/>
+                <a:lumOff val="0"/>
+                <a:alphaOff val="0"/>
+                <a:satMod val="100000"/>
+                <a:lumMod val="100000"/>
+              </a:schemeClr>
+            </a:gs>
+            <a:gs pos="50000">
+              <a:schemeClr val="accent6">
+                <a:hueOff val="0"/>
+                <a:satOff val="0"/>
+                <a:lumOff val="0"/>
+                <a:alphaOff val="0"/>
+                <a:shade val="99000"/>
+                <a:satMod val="105000"/>
+                <a:lumMod val="100000"/>
+              </a:schemeClr>
+            </a:gs>
+            <a:gs pos="100000">
+              <a:schemeClr val="accent6">
+                <a:hueOff val="0"/>
+                <a:satOff val="0"/>
+                <a:lumOff val="0"/>
+                <a:alphaOff val="0"/>
+                <a:shade val="98000"/>
+                <a:satMod val="105000"/>
+                <a:lumMod val="100000"/>
+              </a:schemeClr>
+            </a:gs>
+          </a:gsLst>
+          <a:lin ang="5400000" scaled="0"/>
+        </a:gradFill>
+        <a:ln>
+          <a:noFill/>
+        </a:ln>
+        <a:effectLst>
+          <a:outerShdw blurRad="38100" dist="12700" dir="5400000" algn="ctr" rotWithShape="0">
+            <a:srgbClr val="000000">
+              <a:alpha val="63000"/>
+            </a:srgbClr>
+          </a:outerShdw>
+        </a:effectLst>
+      </dsp:spPr>
+      <dsp:style>
+        <a:lnRef idx="0">
+          <a:scrgbClr r="0" g="0" b="0"/>
+        </a:lnRef>
+        <a:fillRef idx="3">
+          <a:scrgbClr r="0" g="0" b="0"/>
+        </a:fillRef>
+        <a:effectRef idx="2">
+          <a:scrgbClr r="0" g="0" b="0"/>
+        </a:effectRef>
+        <a:fontRef idx="minor">
+          <a:schemeClr val="lt1"/>
+        </a:fontRef>
+      </dsp:style>
+      <dsp:txBody>
+        <a:bodyPr spcFirstLastPara="0" vert="horz" wrap="square" lIns="45720" tIns="45720" rIns="45720" bIns="45720" numCol="1" spcCol="1270" anchor="ctr" anchorCtr="0">
+          <a:noAutofit/>
+        </a:bodyPr>
+        <a:lstStyle/>
+        <a:p>
+          <a:pPr marL="0" lvl="0" indent="0" algn="ctr" defTabSz="533400">
+            <a:lnSpc>
+              <a:spcPct val="90000"/>
+            </a:lnSpc>
+            <a:spcBef>
+              <a:spcPct val="0"/>
+            </a:spcBef>
+            <a:spcAft>
+              <a:spcPct val="35000"/>
+            </a:spcAft>
+            <a:buNone/>
+          </a:pPr>
+          <a:r>
+            <a:rPr lang="en-US" sz="1200" kern="1200"/>
+            <a:t>number_of_vehicles </a:t>
+          </a:r>
+          <a:endParaRPr lang="en-US" sz="1200" kern="1200" dirty="0"/>
+        </a:p>
+      </dsp:txBody>
+      <dsp:txXfrm>
+        <a:off x="3533700" y="2027"/>
+        <a:ext cx="1424285" cy="854571"/>
+      </dsp:txXfrm>
+    </dsp:sp>
+    <dsp:sp modelId="{640D60FD-7BB5-4104-A517-3B6430B4D63E}">
+      <dsp:nvSpPr>
+        <dsp:cNvPr id="0" name=""/>
+        <dsp:cNvSpPr/>
+      </dsp:nvSpPr>
+      <dsp:spPr>
+        <a:xfrm>
+          <a:off x="5100414" y="2027"/>
+          <a:ext cx="1424285" cy="854571"/>
+        </a:xfrm>
+        <a:prstGeom prst="rect">
+          <a:avLst/>
+        </a:prstGeom>
+        <a:gradFill rotWithShape="0">
+          <a:gsLst>
+            <a:gs pos="0">
+              <a:schemeClr val="accent6">
+                <a:hueOff val="0"/>
+                <a:satOff val="0"/>
+                <a:lumOff val="0"/>
+                <a:alphaOff val="0"/>
+                <a:satMod val="100000"/>
+                <a:lumMod val="100000"/>
+              </a:schemeClr>
+            </a:gs>
+            <a:gs pos="50000">
+              <a:schemeClr val="accent6">
+                <a:hueOff val="0"/>
+                <a:satOff val="0"/>
+                <a:lumOff val="0"/>
+                <a:alphaOff val="0"/>
+                <a:shade val="99000"/>
+                <a:satMod val="105000"/>
+                <a:lumMod val="100000"/>
+              </a:schemeClr>
+            </a:gs>
+            <a:gs pos="100000">
+              <a:schemeClr val="accent6">
+                <a:hueOff val="0"/>
+                <a:satOff val="0"/>
+                <a:lumOff val="0"/>
+                <a:alphaOff val="0"/>
+                <a:shade val="98000"/>
+                <a:satMod val="105000"/>
+                <a:lumMod val="100000"/>
+              </a:schemeClr>
+            </a:gs>
+          </a:gsLst>
+          <a:lin ang="5400000" scaled="0"/>
+        </a:gradFill>
+        <a:ln>
+          <a:noFill/>
+        </a:ln>
+        <a:effectLst>
+          <a:outerShdw blurRad="38100" dist="12700" dir="5400000" algn="ctr" rotWithShape="0">
+            <a:srgbClr val="000000">
+              <a:alpha val="63000"/>
+            </a:srgbClr>
+          </a:outerShdw>
+        </a:effectLst>
+      </dsp:spPr>
+      <dsp:style>
+        <a:lnRef idx="0">
+          <a:scrgbClr r="0" g="0" b="0"/>
+        </a:lnRef>
+        <a:fillRef idx="3">
+          <a:scrgbClr r="0" g="0" b="0"/>
+        </a:fillRef>
+        <a:effectRef idx="2">
+          <a:scrgbClr r="0" g="0" b="0"/>
+        </a:effectRef>
+        <a:fontRef idx="minor">
+          <a:schemeClr val="lt1"/>
+        </a:fontRef>
+      </dsp:style>
+      <dsp:txBody>
+        <a:bodyPr spcFirstLastPara="0" vert="horz" wrap="square" lIns="45720" tIns="45720" rIns="45720" bIns="45720" numCol="1" spcCol="1270" anchor="ctr" anchorCtr="0">
+          <a:noAutofit/>
+        </a:bodyPr>
+        <a:lstStyle/>
+        <a:p>
+          <a:pPr marL="0" lvl="0" indent="0" algn="ctr" defTabSz="533400">
+            <a:lnSpc>
+              <a:spcPct val="90000"/>
+            </a:lnSpc>
+            <a:spcBef>
+              <a:spcPct val="0"/>
+            </a:spcBef>
+            <a:spcAft>
+              <a:spcPct val="35000"/>
+            </a:spcAft>
+            <a:buNone/>
+          </a:pPr>
+          <a:r>
+            <a:rPr lang="en-US" sz="1200" kern="1200"/>
+            <a:t>speed_limit</a:t>
+          </a:r>
+          <a:endParaRPr lang="en-US" sz="1200" kern="1200" dirty="0"/>
+        </a:p>
+      </dsp:txBody>
+      <dsp:txXfrm>
+        <a:off x="5100414" y="2027"/>
+        <a:ext cx="1424285" cy="854571"/>
+      </dsp:txXfrm>
+    </dsp:sp>
+    <dsp:sp modelId="{50B8B961-E4F1-4E46-BA97-2B4401A3CFB4}">
+      <dsp:nvSpPr>
+        <dsp:cNvPr id="0" name=""/>
+        <dsp:cNvSpPr/>
+      </dsp:nvSpPr>
+      <dsp:spPr>
+        <a:xfrm>
+          <a:off x="6667127" y="2027"/>
+          <a:ext cx="1424285" cy="854571"/>
+        </a:xfrm>
+        <a:prstGeom prst="rect">
+          <a:avLst/>
+        </a:prstGeom>
+        <a:gradFill rotWithShape="0">
+          <a:gsLst>
+            <a:gs pos="0">
+              <a:schemeClr val="accent6">
+                <a:hueOff val="0"/>
+                <a:satOff val="0"/>
+                <a:lumOff val="0"/>
+                <a:alphaOff val="0"/>
+                <a:satMod val="100000"/>
+                <a:lumMod val="100000"/>
+              </a:schemeClr>
+            </a:gs>
+            <a:gs pos="50000">
+              <a:schemeClr val="accent6">
+                <a:hueOff val="0"/>
+                <a:satOff val="0"/>
+                <a:lumOff val="0"/>
+                <a:alphaOff val="0"/>
+                <a:shade val="99000"/>
+                <a:satMod val="105000"/>
+                <a:lumMod val="100000"/>
+              </a:schemeClr>
+            </a:gs>
+            <a:gs pos="100000">
+              <a:schemeClr val="accent6">
+                <a:hueOff val="0"/>
+                <a:satOff val="0"/>
+                <a:lumOff val="0"/>
+                <a:alphaOff val="0"/>
+                <a:shade val="98000"/>
+                <a:satMod val="105000"/>
+                <a:lumMod val="100000"/>
+              </a:schemeClr>
+            </a:gs>
+          </a:gsLst>
+          <a:lin ang="5400000" scaled="0"/>
+        </a:gradFill>
+        <a:ln>
+          <a:noFill/>
+        </a:ln>
+        <a:effectLst>
+          <a:outerShdw blurRad="38100" dist="12700" dir="5400000" algn="ctr" rotWithShape="0">
+            <a:srgbClr val="000000">
+              <a:alpha val="63000"/>
+            </a:srgbClr>
+          </a:outerShdw>
+        </a:effectLst>
+      </dsp:spPr>
+      <dsp:style>
+        <a:lnRef idx="0">
+          <a:scrgbClr r="0" g="0" b="0"/>
+        </a:lnRef>
+        <a:fillRef idx="3">
+          <a:scrgbClr r="0" g="0" b="0"/>
+        </a:fillRef>
+        <a:effectRef idx="2">
+          <a:scrgbClr r="0" g="0" b="0"/>
+        </a:effectRef>
+        <a:fontRef idx="minor">
+          <a:schemeClr val="lt1"/>
+        </a:fontRef>
+      </dsp:style>
+      <dsp:txBody>
+        <a:bodyPr spcFirstLastPara="0" vert="horz" wrap="square" lIns="45720" tIns="45720" rIns="45720" bIns="45720" numCol="1" spcCol="1270" anchor="ctr" anchorCtr="0">
+          <a:noAutofit/>
+        </a:bodyPr>
+        <a:lstStyle/>
+        <a:p>
+          <a:pPr marL="0" lvl="0" indent="0" algn="ctr" defTabSz="533400">
+            <a:lnSpc>
+              <a:spcPct val="90000"/>
+            </a:lnSpc>
+            <a:spcBef>
+              <a:spcPct val="0"/>
+            </a:spcBef>
+            <a:spcAft>
+              <a:spcPct val="35000"/>
+            </a:spcAft>
+            <a:buNone/>
+          </a:pPr>
+          <a:r>
+            <a:rPr lang="en-US" sz="1200" kern="1200" dirty="0"/>
+            <a:t>urban_or_rural_area </a:t>
+          </a:r>
+        </a:p>
+      </dsp:txBody>
+      <dsp:txXfrm>
+        <a:off x="6667127" y="2027"/>
+        <a:ext cx="1424285" cy="854571"/>
+      </dsp:txXfrm>
+    </dsp:sp>
+    <dsp:sp modelId="{F14CB567-C501-4FA0-9034-1289ADD0D7C8}">
+      <dsp:nvSpPr>
+        <dsp:cNvPr id="0" name=""/>
+        <dsp:cNvSpPr/>
+      </dsp:nvSpPr>
+      <dsp:spPr>
+        <a:xfrm>
+          <a:off x="8233841" y="2027"/>
+          <a:ext cx="1424285" cy="854571"/>
+        </a:xfrm>
+        <a:prstGeom prst="rect">
+          <a:avLst/>
+        </a:prstGeom>
+        <a:gradFill rotWithShape="0">
+          <a:gsLst>
+            <a:gs pos="0">
+              <a:schemeClr val="accent6">
+                <a:hueOff val="0"/>
+                <a:satOff val="0"/>
+                <a:lumOff val="0"/>
+                <a:alphaOff val="0"/>
+                <a:satMod val="100000"/>
+                <a:lumMod val="100000"/>
+              </a:schemeClr>
+            </a:gs>
+            <a:gs pos="50000">
+              <a:schemeClr val="accent6">
+                <a:hueOff val="0"/>
+                <a:satOff val="0"/>
+                <a:lumOff val="0"/>
+                <a:alphaOff val="0"/>
+                <a:shade val="99000"/>
+                <a:satMod val="105000"/>
+                <a:lumMod val="100000"/>
+              </a:schemeClr>
+            </a:gs>
+            <a:gs pos="100000">
+              <a:schemeClr val="accent6">
+                <a:hueOff val="0"/>
+                <a:satOff val="0"/>
+                <a:lumOff val="0"/>
+                <a:alphaOff val="0"/>
+                <a:shade val="98000"/>
+                <a:satMod val="105000"/>
+                <a:lumMod val="100000"/>
+              </a:schemeClr>
+            </a:gs>
+          </a:gsLst>
+          <a:lin ang="5400000" scaled="0"/>
+        </a:gradFill>
+        <a:ln>
+          <a:noFill/>
+        </a:ln>
+        <a:effectLst>
+          <a:outerShdw blurRad="38100" dist="12700" dir="5400000" algn="ctr" rotWithShape="0">
+            <a:srgbClr val="000000">
+              <a:alpha val="63000"/>
+            </a:srgbClr>
+          </a:outerShdw>
+        </a:effectLst>
+      </dsp:spPr>
+      <dsp:style>
+        <a:lnRef idx="0">
+          <a:scrgbClr r="0" g="0" b="0"/>
+        </a:lnRef>
+        <a:fillRef idx="3">
+          <a:scrgbClr r="0" g="0" b="0"/>
+        </a:fillRef>
+        <a:effectRef idx="2">
+          <a:scrgbClr r="0" g="0" b="0"/>
+        </a:effectRef>
+        <a:fontRef idx="minor">
+          <a:schemeClr val="lt1"/>
+        </a:fontRef>
+      </dsp:style>
+      <dsp:txBody>
+        <a:bodyPr spcFirstLastPara="0" vert="horz" wrap="square" lIns="45720" tIns="45720" rIns="45720" bIns="45720" numCol="1" spcCol="1270" anchor="ctr" anchorCtr="0">
+          <a:noAutofit/>
+        </a:bodyPr>
+        <a:lstStyle/>
+        <a:p>
+          <a:pPr marL="0" lvl="0" indent="0" algn="ctr" defTabSz="533400">
+            <a:lnSpc>
+              <a:spcPct val="90000"/>
+            </a:lnSpc>
+            <a:spcBef>
+              <a:spcPct val="0"/>
+            </a:spcBef>
+            <a:spcAft>
+              <a:spcPct val="35000"/>
+            </a:spcAft>
+            <a:buNone/>
+          </a:pPr>
+          <a:r>
+            <a:rPr lang="en-US" sz="1200" kern="1200"/>
+            <a:t>skidding_and_overturning </a:t>
+          </a:r>
+          <a:endParaRPr lang="en-US" sz="1200" kern="1200" dirty="0"/>
+        </a:p>
+      </dsp:txBody>
+      <dsp:txXfrm>
+        <a:off x="8233841" y="2027"/>
+        <a:ext cx="1424285" cy="854571"/>
+      </dsp:txXfrm>
+    </dsp:sp>
+    <dsp:sp modelId="{CFB21B79-7151-476A-AC2E-341CDFEB25DF}">
+      <dsp:nvSpPr>
+        <dsp:cNvPr id="0" name=""/>
+        <dsp:cNvSpPr/>
+      </dsp:nvSpPr>
+      <dsp:spPr>
+        <a:xfrm>
+          <a:off x="400273" y="999026"/>
+          <a:ext cx="1424285" cy="854571"/>
+        </a:xfrm>
+        <a:prstGeom prst="rect">
+          <a:avLst/>
+        </a:prstGeom>
+        <a:gradFill rotWithShape="0">
+          <a:gsLst>
+            <a:gs pos="0">
+              <a:schemeClr val="accent6">
+                <a:hueOff val="0"/>
+                <a:satOff val="0"/>
+                <a:lumOff val="0"/>
+                <a:alphaOff val="0"/>
+                <a:satMod val="100000"/>
+                <a:lumMod val="100000"/>
+              </a:schemeClr>
+            </a:gs>
+            <a:gs pos="50000">
+              <a:schemeClr val="accent6">
+                <a:hueOff val="0"/>
+                <a:satOff val="0"/>
+                <a:lumOff val="0"/>
+                <a:alphaOff val="0"/>
+                <a:shade val="99000"/>
+                <a:satMod val="105000"/>
+                <a:lumMod val="100000"/>
+              </a:schemeClr>
+            </a:gs>
+            <a:gs pos="100000">
+              <a:schemeClr val="accent6">
+                <a:hueOff val="0"/>
+                <a:satOff val="0"/>
+                <a:lumOff val="0"/>
+                <a:alphaOff val="0"/>
+                <a:shade val="98000"/>
+                <a:satMod val="105000"/>
+                <a:lumMod val="100000"/>
+              </a:schemeClr>
+            </a:gs>
+          </a:gsLst>
+          <a:lin ang="5400000" scaled="0"/>
+        </a:gradFill>
+        <a:ln>
+          <a:noFill/>
+        </a:ln>
+        <a:effectLst>
+          <a:outerShdw blurRad="38100" dist="12700" dir="5400000" algn="ctr" rotWithShape="0">
+            <a:srgbClr val="000000">
+              <a:alpha val="63000"/>
+            </a:srgbClr>
+          </a:outerShdw>
+        </a:effectLst>
+      </dsp:spPr>
+      <dsp:style>
+        <a:lnRef idx="0">
+          <a:scrgbClr r="0" g="0" b="0"/>
+        </a:lnRef>
+        <a:fillRef idx="3">
+          <a:scrgbClr r="0" g="0" b="0"/>
+        </a:fillRef>
+        <a:effectRef idx="2">
+          <a:scrgbClr r="0" g="0" b="0"/>
+        </a:effectRef>
+        <a:fontRef idx="minor">
+          <a:schemeClr val="lt1"/>
+        </a:fontRef>
+      </dsp:style>
+      <dsp:txBody>
+        <a:bodyPr spcFirstLastPara="0" vert="horz" wrap="square" lIns="45720" tIns="45720" rIns="45720" bIns="45720" numCol="1" spcCol="1270" anchor="ctr" anchorCtr="0">
+          <a:noAutofit/>
+        </a:bodyPr>
+        <a:lstStyle/>
+        <a:p>
+          <a:pPr marL="0" lvl="0" indent="0" algn="ctr" defTabSz="533400">
+            <a:lnSpc>
+              <a:spcPct val="90000"/>
+            </a:lnSpc>
+            <a:spcBef>
+              <a:spcPct val="0"/>
+            </a:spcBef>
+            <a:spcAft>
+              <a:spcPct val="35000"/>
+            </a:spcAft>
+            <a:buNone/>
+          </a:pPr>
+          <a:r>
+            <a:rPr lang="en-US" sz="1200" kern="1200" dirty="0"/>
+            <a:t>vehicle_leaving_carriageway </a:t>
+          </a:r>
+        </a:p>
+      </dsp:txBody>
+      <dsp:txXfrm>
+        <a:off x="400273" y="999026"/>
+        <a:ext cx="1424285" cy="854571"/>
+      </dsp:txXfrm>
+    </dsp:sp>
+    <dsp:sp modelId="{3779AF70-4742-4D03-9F19-81294E1D5B89}">
+      <dsp:nvSpPr>
+        <dsp:cNvPr id="0" name=""/>
+        <dsp:cNvSpPr/>
+      </dsp:nvSpPr>
+      <dsp:spPr>
+        <a:xfrm>
+          <a:off x="1966986" y="999026"/>
+          <a:ext cx="1424285" cy="854571"/>
+        </a:xfrm>
+        <a:prstGeom prst="rect">
+          <a:avLst/>
+        </a:prstGeom>
+        <a:gradFill rotWithShape="0">
+          <a:gsLst>
+            <a:gs pos="0">
+              <a:schemeClr val="accent6">
+                <a:hueOff val="0"/>
+                <a:satOff val="0"/>
+                <a:lumOff val="0"/>
+                <a:alphaOff val="0"/>
+                <a:satMod val="100000"/>
+                <a:lumMod val="100000"/>
+              </a:schemeClr>
+            </a:gs>
+            <a:gs pos="50000">
+              <a:schemeClr val="accent6">
+                <a:hueOff val="0"/>
+                <a:satOff val="0"/>
+                <a:lumOff val="0"/>
+                <a:alphaOff val="0"/>
+                <a:shade val="99000"/>
+                <a:satMod val="105000"/>
+                <a:lumMod val="100000"/>
+              </a:schemeClr>
+            </a:gs>
+            <a:gs pos="100000">
+              <a:schemeClr val="accent6">
+                <a:hueOff val="0"/>
+                <a:satOff val="0"/>
+                <a:lumOff val="0"/>
+                <a:alphaOff val="0"/>
+                <a:shade val="98000"/>
+                <a:satMod val="105000"/>
+                <a:lumMod val="100000"/>
+              </a:schemeClr>
+            </a:gs>
+          </a:gsLst>
+          <a:lin ang="5400000" scaled="0"/>
+        </a:gradFill>
+        <a:ln>
+          <a:noFill/>
+        </a:ln>
+        <a:effectLst>
+          <a:outerShdw blurRad="38100" dist="12700" dir="5400000" algn="ctr" rotWithShape="0">
+            <a:srgbClr val="000000">
+              <a:alpha val="63000"/>
+            </a:srgbClr>
+          </a:outerShdw>
+        </a:effectLst>
+      </dsp:spPr>
+      <dsp:style>
+        <a:lnRef idx="0">
+          <a:scrgbClr r="0" g="0" b="0"/>
+        </a:lnRef>
+        <a:fillRef idx="3">
+          <a:scrgbClr r="0" g="0" b="0"/>
+        </a:fillRef>
+        <a:effectRef idx="2">
+          <a:scrgbClr r="0" g="0" b="0"/>
+        </a:effectRef>
+        <a:fontRef idx="minor">
+          <a:schemeClr val="lt1"/>
+        </a:fontRef>
+      </dsp:style>
+      <dsp:txBody>
+        <a:bodyPr spcFirstLastPara="0" vert="horz" wrap="square" lIns="45720" tIns="45720" rIns="45720" bIns="45720" numCol="1" spcCol="1270" anchor="ctr" anchorCtr="0">
+          <a:noAutofit/>
+        </a:bodyPr>
+        <a:lstStyle/>
+        <a:p>
+          <a:pPr marL="0" lvl="0" indent="0" algn="ctr" defTabSz="533400">
+            <a:lnSpc>
+              <a:spcPct val="90000"/>
+            </a:lnSpc>
+            <a:spcBef>
+              <a:spcPct val="0"/>
+            </a:spcBef>
+            <a:spcAft>
+              <a:spcPct val="35000"/>
+            </a:spcAft>
+            <a:buNone/>
+          </a:pPr>
+          <a:r>
+            <a:rPr lang="en-US" sz="1200" kern="1200"/>
+            <a:t>sex_of_driver </a:t>
+          </a:r>
+          <a:endParaRPr lang="en-US" sz="1200" kern="1200" dirty="0"/>
+        </a:p>
+      </dsp:txBody>
+      <dsp:txXfrm>
+        <a:off x="1966986" y="999026"/>
+        <a:ext cx="1424285" cy="854571"/>
+      </dsp:txXfrm>
+    </dsp:sp>
+    <dsp:sp modelId="{6933A4FE-9CC4-4979-A3B4-060ECF75E548}">
+      <dsp:nvSpPr>
+        <dsp:cNvPr id="0" name=""/>
+        <dsp:cNvSpPr/>
+      </dsp:nvSpPr>
+      <dsp:spPr>
+        <a:xfrm>
+          <a:off x="3533700" y="999026"/>
+          <a:ext cx="1424285" cy="854571"/>
+        </a:xfrm>
+        <a:prstGeom prst="rect">
+          <a:avLst/>
+        </a:prstGeom>
+        <a:gradFill rotWithShape="0">
+          <a:gsLst>
+            <a:gs pos="0">
+              <a:schemeClr val="accent6">
+                <a:hueOff val="0"/>
+                <a:satOff val="0"/>
+                <a:lumOff val="0"/>
+                <a:alphaOff val="0"/>
+                <a:satMod val="100000"/>
+                <a:lumMod val="100000"/>
+              </a:schemeClr>
+            </a:gs>
+            <a:gs pos="50000">
+              <a:schemeClr val="accent6">
+                <a:hueOff val="0"/>
+                <a:satOff val="0"/>
+                <a:lumOff val="0"/>
+                <a:alphaOff val="0"/>
+                <a:shade val="99000"/>
+                <a:satMod val="105000"/>
+                <a:lumMod val="100000"/>
+              </a:schemeClr>
+            </a:gs>
+            <a:gs pos="100000">
+              <a:schemeClr val="accent6">
+                <a:hueOff val="0"/>
+                <a:satOff val="0"/>
+                <a:lumOff val="0"/>
+                <a:alphaOff val="0"/>
+                <a:shade val="98000"/>
+                <a:satMod val="105000"/>
+                <a:lumMod val="100000"/>
+              </a:schemeClr>
+            </a:gs>
+          </a:gsLst>
+          <a:lin ang="5400000" scaled="0"/>
+        </a:gradFill>
+        <a:ln>
+          <a:noFill/>
+        </a:ln>
+        <a:effectLst>
+          <a:outerShdw blurRad="38100" dist="12700" dir="5400000" algn="ctr" rotWithShape="0">
+            <a:srgbClr val="000000">
+              <a:alpha val="63000"/>
+            </a:srgbClr>
+          </a:outerShdw>
+        </a:effectLst>
+      </dsp:spPr>
+      <dsp:style>
+        <a:lnRef idx="0">
+          <a:scrgbClr r="0" g="0" b="0"/>
+        </a:lnRef>
+        <a:fillRef idx="3">
+          <a:scrgbClr r="0" g="0" b="0"/>
+        </a:fillRef>
+        <a:effectRef idx="2">
+          <a:scrgbClr r="0" g="0" b="0"/>
+        </a:effectRef>
+        <a:fontRef idx="minor">
+          <a:schemeClr val="lt1"/>
+        </a:fontRef>
+      </dsp:style>
+      <dsp:txBody>
+        <a:bodyPr spcFirstLastPara="0" vert="horz" wrap="square" lIns="45720" tIns="45720" rIns="45720" bIns="45720" numCol="1" spcCol="1270" anchor="ctr" anchorCtr="0">
+          <a:noAutofit/>
+        </a:bodyPr>
+        <a:lstStyle/>
+        <a:p>
+          <a:pPr marL="0" lvl="0" indent="0" algn="ctr" defTabSz="533400">
+            <a:lnSpc>
+              <a:spcPct val="90000"/>
+            </a:lnSpc>
+            <a:spcBef>
+              <a:spcPct val="0"/>
+            </a:spcBef>
+            <a:spcAft>
+              <a:spcPct val="35000"/>
+            </a:spcAft>
+            <a:buNone/>
+          </a:pPr>
+          <a:r>
+            <a:rPr lang="en-US" sz="1200" kern="1200"/>
+            <a:t>vehicle_type </a:t>
+          </a:r>
+          <a:endParaRPr lang="en-US" sz="1200" kern="1200" dirty="0"/>
+        </a:p>
+      </dsp:txBody>
+      <dsp:txXfrm>
+        <a:off x="3533700" y="999026"/>
+        <a:ext cx="1424285" cy="854571"/>
+      </dsp:txXfrm>
+    </dsp:sp>
+    <dsp:sp modelId="{95DFCBE5-020C-4765-AF51-7FA4276DE8C6}">
+      <dsp:nvSpPr>
+        <dsp:cNvPr id="0" name=""/>
+        <dsp:cNvSpPr/>
+      </dsp:nvSpPr>
+      <dsp:spPr>
+        <a:xfrm>
+          <a:off x="5100414" y="999026"/>
+          <a:ext cx="1424285" cy="854571"/>
+        </a:xfrm>
+        <a:prstGeom prst="rect">
+          <a:avLst/>
+        </a:prstGeom>
+        <a:gradFill rotWithShape="0">
+          <a:gsLst>
+            <a:gs pos="0">
+              <a:schemeClr val="accent6">
+                <a:hueOff val="0"/>
+                <a:satOff val="0"/>
+                <a:lumOff val="0"/>
+                <a:alphaOff val="0"/>
+                <a:satMod val="100000"/>
+                <a:lumMod val="100000"/>
+              </a:schemeClr>
+            </a:gs>
+            <a:gs pos="50000">
+              <a:schemeClr val="accent6">
+                <a:hueOff val="0"/>
+                <a:satOff val="0"/>
+                <a:lumOff val="0"/>
+                <a:alphaOff val="0"/>
+                <a:shade val="99000"/>
+                <a:satMod val="105000"/>
+                <a:lumMod val="100000"/>
+              </a:schemeClr>
+            </a:gs>
+            <a:gs pos="100000">
+              <a:schemeClr val="accent6">
+                <a:hueOff val="0"/>
+                <a:satOff val="0"/>
+                <a:lumOff val="0"/>
+                <a:alphaOff val="0"/>
+                <a:shade val="98000"/>
+                <a:satMod val="105000"/>
+                <a:lumMod val="100000"/>
+              </a:schemeClr>
+            </a:gs>
+          </a:gsLst>
+          <a:lin ang="5400000" scaled="0"/>
+        </a:gradFill>
+        <a:ln>
+          <a:noFill/>
+        </a:ln>
+        <a:effectLst>
+          <a:outerShdw blurRad="38100" dist="12700" dir="5400000" algn="ctr" rotWithShape="0">
+            <a:srgbClr val="000000">
+              <a:alpha val="63000"/>
+            </a:srgbClr>
+          </a:outerShdw>
+        </a:effectLst>
+      </dsp:spPr>
+      <dsp:style>
+        <a:lnRef idx="0">
+          <a:scrgbClr r="0" g="0" b="0"/>
+        </a:lnRef>
+        <a:fillRef idx="3">
+          <a:scrgbClr r="0" g="0" b="0"/>
+        </a:fillRef>
+        <a:effectRef idx="2">
+          <a:scrgbClr r="0" g="0" b="0"/>
+        </a:effectRef>
+        <a:fontRef idx="minor">
+          <a:schemeClr val="lt1"/>
+        </a:fontRef>
+      </dsp:style>
+      <dsp:txBody>
+        <a:bodyPr spcFirstLastPara="0" vert="horz" wrap="square" lIns="45720" tIns="45720" rIns="45720" bIns="45720" numCol="1" spcCol="1270" anchor="ctr" anchorCtr="0">
+          <a:noAutofit/>
+        </a:bodyPr>
+        <a:lstStyle/>
+        <a:p>
+          <a:pPr marL="0" lvl="0" indent="0" algn="ctr" defTabSz="533400">
+            <a:lnSpc>
+              <a:spcPct val="90000"/>
+            </a:lnSpc>
+            <a:spcBef>
+              <a:spcPct val="0"/>
+            </a:spcBef>
+            <a:spcAft>
+              <a:spcPct val="35000"/>
+            </a:spcAft>
+            <a:buNone/>
+          </a:pPr>
+          <a:r>
+            <a:rPr lang="en-US" sz="1200" kern="1200"/>
+            <a:t>vehicle_manoeuvre </a:t>
+          </a:r>
+          <a:endParaRPr lang="en-US" sz="1200" kern="1200" dirty="0"/>
+        </a:p>
+      </dsp:txBody>
+      <dsp:txXfrm>
+        <a:off x="5100414" y="999026"/>
+        <a:ext cx="1424285" cy="854571"/>
+      </dsp:txXfrm>
+    </dsp:sp>
+    <dsp:sp modelId="{9A89DD06-3061-4556-A576-8DACB688AA6F}">
+      <dsp:nvSpPr>
+        <dsp:cNvPr id="0" name=""/>
+        <dsp:cNvSpPr/>
+      </dsp:nvSpPr>
+      <dsp:spPr>
+        <a:xfrm>
+          <a:off x="6667127" y="999026"/>
+          <a:ext cx="1424285" cy="854571"/>
+        </a:xfrm>
+        <a:prstGeom prst="rect">
+          <a:avLst/>
+        </a:prstGeom>
+        <a:gradFill rotWithShape="0">
+          <a:gsLst>
+            <a:gs pos="0">
+              <a:schemeClr val="accent6">
+                <a:hueOff val="0"/>
+                <a:satOff val="0"/>
+                <a:lumOff val="0"/>
+                <a:alphaOff val="0"/>
+                <a:satMod val="100000"/>
+                <a:lumMod val="100000"/>
+              </a:schemeClr>
+            </a:gs>
+            <a:gs pos="50000">
+              <a:schemeClr val="accent6">
+                <a:hueOff val="0"/>
+                <a:satOff val="0"/>
+                <a:lumOff val="0"/>
+                <a:alphaOff val="0"/>
+                <a:shade val="99000"/>
+                <a:satMod val="105000"/>
+                <a:lumMod val="100000"/>
+              </a:schemeClr>
+            </a:gs>
+            <a:gs pos="100000">
+              <a:schemeClr val="accent6">
+                <a:hueOff val="0"/>
+                <a:satOff val="0"/>
+                <a:lumOff val="0"/>
+                <a:alphaOff val="0"/>
+                <a:shade val="98000"/>
+                <a:satMod val="105000"/>
+                <a:lumMod val="100000"/>
+              </a:schemeClr>
+            </a:gs>
+          </a:gsLst>
+          <a:lin ang="5400000" scaled="0"/>
+        </a:gradFill>
+        <a:ln>
+          <a:noFill/>
+        </a:ln>
+        <a:effectLst>
+          <a:outerShdw blurRad="38100" dist="12700" dir="5400000" algn="ctr" rotWithShape="0">
+            <a:srgbClr val="000000">
+              <a:alpha val="63000"/>
+            </a:srgbClr>
+          </a:outerShdw>
+        </a:effectLst>
+      </dsp:spPr>
+      <dsp:style>
+        <a:lnRef idx="0">
+          <a:scrgbClr r="0" g="0" b="0"/>
+        </a:lnRef>
+        <a:fillRef idx="3">
+          <a:scrgbClr r="0" g="0" b="0"/>
+        </a:fillRef>
+        <a:effectRef idx="2">
+          <a:scrgbClr r="0" g="0" b="0"/>
+        </a:effectRef>
+        <a:fontRef idx="minor">
+          <a:schemeClr val="lt1"/>
+        </a:fontRef>
+      </dsp:style>
+      <dsp:txBody>
+        <a:bodyPr spcFirstLastPara="0" vert="horz" wrap="square" lIns="45720" tIns="45720" rIns="45720" bIns="45720" numCol="1" spcCol="1270" anchor="ctr" anchorCtr="0">
+          <a:noAutofit/>
+        </a:bodyPr>
+        <a:lstStyle/>
+        <a:p>
+          <a:pPr marL="0" lvl="0" indent="0" algn="ctr" defTabSz="533400">
+            <a:lnSpc>
+              <a:spcPct val="90000"/>
+            </a:lnSpc>
+            <a:spcBef>
+              <a:spcPct val="0"/>
+            </a:spcBef>
+            <a:spcAft>
+              <a:spcPct val="35000"/>
+            </a:spcAft>
+            <a:buNone/>
+          </a:pPr>
+          <a:r>
+            <a:rPr lang="en-US" sz="1200" kern="1200"/>
+            <a:t>engine_capacity_cc </a:t>
+          </a:r>
+          <a:endParaRPr lang="en-US" sz="1200" kern="1200" dirty="0"/>
+        </a:p>
+      </dsp:txBody>
+      <dsp:txXfrm>
+        <a:off x="6667127" y="999026"/>
+        <a:ext cx="1424285" cy="854571"/>
+      </dsp:txXfrm>
+    </dsp:sp>
+    <dsp:sp modelId="{FACAEDEA-8D91-46CA-B953-2FA76B00CBA0}">
+      <dsp:nvSpPr>
+        <dsp:cNvPr id="0" name=""/>
+        <dsp:cNvSpPr/>
+      </dsp:nvSpPr>
+      <dsp:spPr>
+        <a:xfrm>
+          <a:off x="8233841" y="999026"/>
+          <a:ext cx="1424285" cy="854571"/>
+        </a:xfrm>
+        <a:prstGeom prst="rect">
+          <a:avLst/>
+        </a:prstGeom>
+        <a:gradFill rotWithShape="0">
+          <a:gsLst>
+            <a:gs pos="0">
+              <a:schemeClr val="accent6">
+                <a:hueOff val="0"/>
+                <a:satOff val="0"/>
+                <a:lumOff val="0"/>
+                <a:alphaOff val="0"/>
+                <a:satMod val="100000"/>
+                <a:lumMod val="100000"/>
+              </a:schemeClr>
+            </a:gs>
+            <a:gs pos="50000">
+              <a:schemeClr val="accent6">
+                <a:hueOff val="0"/>
+                <a:satOff val="0"/>
+                <a:lumOff val="0"/>
+                <a:alphaOff val="0"/>
+                <a:shade val="99000"/>
+                <a:satMod val="105000"/>
+                <a:lumMod val="100000"/>
+              </a:schemeClr>
+            </a:gs>
+            <a:gs pos="100000">
+              <a:schemeClr val="accent6">
+                <a:hueOff val="0"/>
+                <a:satOff val="0"/>
+                <a:lumOff val="0"/>
+                <a:alphaOff val="0"/>
+                <a:shade val="98000"/>
+                <a:satMod val="105000"/>
+                <a:lumMod val="100000"/>
+              </a:schemeClr>
+            </a:gs>
+          </a:gsLst>
+          <a:lin ang="5400000" scaled="0"/>
+        </a:gradFill>
+        <a:ln>
+          <a:noFill/>
+        </a:ln>
+        <a:effectLst>
+          <a:outerShdw blurRad="38100" dist="12700" dir="5400000" algn="ctr" rotWithShape="0">
+            <a:srgbClr val="000000">
+              <a:alpha val="63000"/>
+            </a:srgbClr>
+          </a:outerShdw>
+        </a:effectLst>
+      </dsp:spPr>
+      <dsp:style>
+        <a:lnRef idx="0">
+          <a:scrgbClr r="0" g="0" b="0"/>
+        </a:lnRef>
+        <a:fillRef idx="3">
+          <a:scrgbClr r="0" g="0" b="0"/>
+        </a:fillRef>
+        <a:effectRef idx="2">
+          <a:scrgbClr r="0" g="0" b="0"/>
+        </a:effectRef>
+        <a:fontRef idx="minor">
+          <a:schemeClr val="lt1"/>
+        </a:fontRef>
+      </dsp:style>
+      <dsp:txBody>
+        <a:bodyPr spcFirstLastPara="0" vert="horz" wrap="square" lIns="45720" tIns="45720" rIns="45720" bIns="45720" numCol="1" spcCol="1270" anchor="ctr" anchorCtr="0">
+          <a:noAutofit/>
+        </a:bodyPr>
+        <a:lstStyle/>
+        <a:p>
+          <a:pPr marL="0" lvl="0" indent="0" algn="ctr" defTabSz="533400">
+            <a:lnSpc>
+              <a:spcPct val="90000"/>
+            </a:lnSpc>
+            <a:spcBef>
+              <a:spcPct val="0"/>
+            </a:spcBef>
+            <a:spcAft>
+              <a:spcPct val="35000"/>
+            </a:spcAft>
+            <a:buNone/>
+          </a:pPr>
+          <a:r>
+            <a:rPr lang="en-US" sz="1200" kern="1200"/>
+            <a:t>number_of_casualties </a:t>
+          </a:r>
+          <a:endParaRPr lang="en-US" sz="1200" kern="1200" dirty="0"/>
+        </a:p>
+      </dsp:txBody>
+      <dsp:txXfrm>
+        <a:off x="8233841" y="999026"/>
+        <a:ext cx="1424285" cy="854571"/>
+      </dsp:txXfrm>
+    </dsp:sp>
+    <dsp:sp modelId="{6EAE953D-5663-490E-8A8D-0CB504D1C81A}">
+      <dsp:nvSpPr>
+        <dsp:cNvPr id="0" name=""/>
+        <dsp:cNvSpPr/>
+      </dsp:nvSpPr>
+      <dsp:spPr>
+        <a:xfrm>
+          <a:off x="400273" y="1996026"/>
+          <a:ext cx="1424285" cy="854571"/>
+        </a:xfrm>
+        <a:prstGeom prst="rect">
+          <a:avLst/>
+        </a:prstGeom>
+        <a:gradFill rotWithShape="0">
+          <a:gsLst>
+            <a:gs pos="0">
+              <a:schemeClr val="accent6">
+                <a:hueOff val="0"/>
+                <a:satOff val="0"/>
+                <a:lumOff val="0"/>
+                <a:alphaOff val="0"/>
+                <a:satMod val="100000"/>
+                <a:lumMod val="100000"/>
+              </a:schemeClr>
+            </a:gs>
+            <a:gs pos="50000">
+              <a:schemeClr val="accent6">
+                <a:hueOff val="0"/>
+                <a:satOff val="0"/>
+                <a:lumOff val="0"/>
+                <a:alphaOff val="0"/>
+                <a:shade val="99000"/>
+                <a:satMod val="105000"/>
+                <a:lumMod val="100000"/>
+              </a:schemeClr>
+            </a:gs>
+            <a:gs pos="100000">
+              <a:schemeClr val="accent6">
+                <a:hueOff val="0"/>
+                <a:satOff val="0"/>
+                <a:lumOff val="0"/>
+                <a:alphaOff val="0"/>
+                <a:shade val="98000"/>
+                <a:satMod val="105000"/>
+                <a:lumMod val="100000"/>
+              </a:schemeClr>
+            </a:gs>
+          </a:gsLst>
+          <a:lin ang="5400000" scaled="0"/>
+        </a:gradFill>
+        <a:ln>
+          <a:noFill/>
+        </a:ln>
+        <a:effectLst>
+          <a:outerShdw blurRad="38100" dist="12700" dir="5400000" algn="ctr" rotWithShape="0">
+            <a:srgbClr val="000000">
+              <a:alpha val="63000"/>
+            </a:srgbClr>
+          </a:outerShdw>
+        </a:effectLst>
+      </dsp:spPr>
+      <dsp:style>
+        <a:lnRef idx="0">
+          <a:scrgbClr r="0" g="0" b="0"/>
+        </a:lnRef>
+        <a:fillRef idx="3">
+          <a:scrgbClr r="0" g="0" b="0"/>
+        </a:fillRef>
+        <a:effectRef idx="2">
+          <a:scrgbClr r="0" g="0" b="0"/>
+        </a:effectRef>
+        <a:fontRef idx="minor">
+          <a:schemeClr val="lt1"/>
+        </a:fontRef>
+      </dsp:style>
+      <dsp:txBody>
+        <a:bodyPr spcFirstLastPara="0" vert="horz" wrap="square" lIns="45720" tIns="45720" rIns="45720" bIns="45720" numCol="1" spcCol="1270" anchor="ctr" anchorCtr="0">
+          <a:noAutofit/>
+        </a:bodyPr>
+        <a:lstStyle/>
+        <a:p>
+          <a:pPr marL="0" lvl="0" indent="0" algn="ctr" defTabSz="533400">
+            <a:lnSpc>
+              <a:spcPct val="90000"/>
+            </a:lnSpc>
+            <a:spcBef>
+              <a:spcPct val="0"/>
+            </a:spcBef>
+            <a:spcAft>
+              <a:spcPct val="35000"/>
+            </a:spcAft>
+            <a:buNone/>
+          </a:pPr>
+          <a:r>
+            <a:rPr lang="en-US" sz="1200" kern="1200"/>
+            <a:t>driver_home_area_type </a:t>
+          </a:r>
+          <a:endParaRPr lang="en-US" sz="1200" kern="1200" dirty="0"/>
+        </a:p>
+      </dsp:txBody>
+      <dsp:txXfrm>
+        <a:off x="400273" y="1996026"/>
+        <a:ext cx="1424285" cy="854571"/>
+      </dsp:txXfrm>
+    </dsp:sp>
+    <dsp:sp modelId="{385D3649-D215-455C-9C7B-507298AC5CFE}">
+      <dsp:nvSpPr>
+        <dsp:cNvPr id="0" name=""/>
+        <dsp:cNvSpPr/>
+      </dsp:nvSpPr>
+      <dsp:spPr>
+        <a:xfrm>
+          <a:off x="1966986" y="1996026"/>
+          <a:ext cx="1424285" cy="854571"/>
+        </a:xfrm>
+        <a:prstGeom prst="rect">
+          <a:avLst/>
+        </a:prstGeom>
+        <a:gradFill rotWithShape="0">
+          <a:gsLst>
+            <a:gs pos="0">
+              <a:schemeClr val="accent6">
+                <a:hueOff val="0"/>
+                <a:satOff val="0"/>
+                <a:lumOff val="0"/>
+                <a:alphaOff val="0"/>
+                <a:satMod val="100000"/>
+                <a:lumMod val="100000"/>
+              </a:schemeClr>
+            </a:gs>
+            <a:gs pos="50000">
+              <a:schemeClr val="accent6">
+                <a:hueOff val="0"/>
+                <a:satOff val="0"/>
+                <a:lumOff val="0"/>
+                <a:alphaOff val="0"/>
+                <a:shade val="99000"/>
+                <a:satMod val="105000"/>
+                <a:lumMod val="100000"/>
+              </a:schemeClr>
+            </a:gs>
+            <a:gs pos="100000">
+              <a:schemeClr val="accent6">
+                <a:hueOff val="0"/>
+                <a:satOff val="0"/>
+                <a:lumOff val="0"/>
+                <a:alphaOff val="0"/>
+                <a:shade val="98000"/>
+                <a:satMod val="105000"/>
+                <a:lumMod val="100000"/>
+              </a:schemeClr>
+            </a:gs>
+          </a:gsLst>
+          <a:lin ang="5400000" scaled="0"/>
+        </a:gradFill>
+        <a:ln>
+          <a:noFill/>
+        </a:ln>
+        <a:effectLst>
+          <a:outerShdw blurRad="38100" dist="12700" dir="5400000" algn="ctr" rotWithShape="0">
+            <a:srgbClr val="000000">
+              <a:alpha val="63000"/>
+            </a:srgbClr>
+          </a:outerShdw>
+        </a:effectLst>
+      </dsp:spPr>
+      <dsp:style>
+        <a:lnRef idx="0">
+          <a:scrgbClr r="0" g="0" b="0"/>
+        </a:lnRef>
+        <a:fillRef idx="3">
+          <a:scrgbClr r="0" g="0" b="0"/>
+        </a:fillRef>
+        <a:effectRef idx="2">
+          <a:scrgbClr r="0" g="0" b="0"/>
+        </a:effectRef>
+        <a:fontRef idx="minor">
+          <a:schemeClr val="lt1"/>
+        </a:fontRef>
+      </dsp:style>
+      <dsp:txBody>
+        <a:bodyPr spcFirstLastPara="0" vert="horz" wrap="square" lIns="45720" tIns="45720" rIns="45720" bIns="45720" numCol="1" spcCol="1270" anchor="ctr" anchorCtr="0">
+          <a:noAutofit/>
+        </a:bodyPr>
+        <a:lstStyle/>
+        <a:p>
+          <a:pPr marL="0" lvl="0" indent="0" algn="ctr" defTabSz="533400">
+            <a:lnSpc>
+              <a:spcPct val="90000"/>
+            </a:lnSpc>
+            <a:spcBef>
+              <a:spcPct val="0"/>
+            </a:spcBef>
+            <a:spcAft>
+              <a:spcPct val="35000"/>
+            </a:spcAft>
+            <a:buNone/>
+          </a:pPr>
+          <a:r>
+            <a:rPr lang="en-US" sz="1200" kern="1200"/>
+            <a:t>age_band_of_driver </a:t>
+          </a:r>
+          <a:endParaRPr lang="en-US" sz="1200" kern="1200" dirty="0"/>
+        </a:p>
+      </dsp:txBody>
+      <dsp:txXfrm>
+        <a:off x="1966986" y="1996026"/>
+        <a:ext cx="1424285" cy="854571"/>
+      </dsp:txXfrm>
+    </dsp:sp>
+    <dsp:sp modelId="{E0E25080-6C0B-4AEA-99A1-7C5949152835}">
+      <dsp:nvSpPr>
+        <dsp:cNvPr id="0" name=""/>
+        <dsp:cNvSpPr/>
+      </dsp:nvSpPr>
+      <dsp:spPr>
+        <a:xfrm>
+          <a:off x="3533700" y="1996026"/>
+          <a:ext cx="1424285" cy="854571"/>
+        </a:xfrm>
+        <a:prstGeom prst="rect">
+          <a:avLst/>
+        </a:prstGeom>
+        <a:gradFill rotWithShape="0">
+          <a:gsLst>
+            <a:gs pos="0">
+              <a:schemeClr val="accent6">
+                <a:hueOff val="0"/>
+                <a:satOff val="0"/>
+                <a:lumOff val="0"/>
+                <a:alphaOff val="0"/>
+                <a:satMod val="100000"/>
+                <a:lumMod val="100000"/>
+              </a:schemeClr>
+            </a:gs>
+            <a:gs pos="50000">
+              <a:schemeClr val="accent6">
+                <a:hueOff val="0"/>
+                <a:satOff val="0"/>
+                <a:lumOff val="0"/>
+                <a:alphaOff val="0"/>
+                <a:shade val="99000"/>
+                <a:satMod val="105000"/>
+                <a:lumMod val="100000"/>
+              </a:schemeClr>
+            </a:gs>
+            <a:gs pos="100000">
+              <a:schemeClr val="accent6">
+                <a:hueOff val="0"/>
+                <a:satOff val="0"/>
+                <a:lumOff val="0"/>
+                <a:alphaOff val="0"/>
+                <a:shade val="98000"/>
+                <a:satMod val="105000"/>
+                <a:lumMod val="100000"/>
+              </a:schemeClr>
+            </a:gs>
+          </a:gsLst>
+          <a:lin ang="5400000" scaled="0"/>
+        </a:gradFill>
+        <a:ln>
+          <a:noFill/>
+        </a:ln>
+        <a:effectLst>
+          <a:outerShdw blurRad="38100" dist="12700" dir="5400000" algn="ctr" rotWithShape="0">
+            <a:srgbClr val="000000">
+              <a:alpha val="63000"/>
+            </a:srgbClr>
+          </a:outerShdw>
+        </a:effectLst>
+      </dsp:spPr>
+      <dsp:style>
+        <a:lnRef idx="0">
+          <a:scrgbClr r="0" g="0" b="0"/>
+        </a:lnRef>
+        <a:fillRef idx="3">
+          <a:scrgbClr r="0" g="0" b="0"/>
+        </a:fillRef>
+        <a:effectRef idx="2">
+          <a:scrgbClr r="0" g="0" b="0"/>
+        </a:effectRef>
+        <a:fontRef idx="minor">
+          <a:schemeClr val="lt1"/>
+        </a:fontRef>
+      </dsp:style>
+      <dsp:txBody>
+        <a:bodyPr spcFirstLastPara="0" vert="horz" wrap="square" lIns="45720" tIns="45720" rIns="45720" bIns="45720" numCol="1" spcCol="1270" anchor="ctr" anchorCtr="0">
+          <a:noAutofit/>
+        </a:bodyPr>
+        <a:lstStyle/>
+        <a:p>
+          <a:pPr marL="0" lvl="0" indent="0" algn="ctr" defTabSz="533400">
+            <a:lnSpc>
+              <a:spcPct val="90000"/>
+            </a:lnSpc>
+            <a:spcBef>
+              <a:spcPct val="0"/>
+            </a:spcBef>
+            <a:spcAft>
+              <a:spcPct val="35000"/>
+            </a:spcAft>
+            <a:buNone/>
+          </a:pPr>
+          <a:r>
+            <a:rPr lang="en-US" sz="1200" kern="1200"/>
+            <a:t>junction_control </a:t>
+          </a:r>
+          <a:endParaRPr lang="en-US" sz="1200" kern="1200" dirty="0"/>
+        </a:p>
+      </dsp:txBody>
+      <dsp:txXfrm>
+        <a:off x="3533700" y="1996026"/>
+        <a:ext cx="1424285" cy="854571"/>
+      </dsp:txXfrm>
+    </dsp:sp>
+    <dsp:sp modelId="{762476F7-DDAD-4470-8253-C7988B376A79}">
+      <dsp:nvSpPr>
+        <dsp:cNvPr id="0" name=""/>
+        <dsp:cNvSpPr/>
+      </dsp:nvSpPr>
+      <dsp:spPr>
+        <a:xfrm>
+          <a:off x="5100414" y="1996026"/>
+          <a:ext cx="1424285" cy="854571"/>
+        </a:xfrm>
+        <a:prstGeom prst="rect">
+          <a:avLst/>
+        </a:prstGeom>
+        <a:gradFill rotWithShape="0">
+          <a:gsLst>
+            <a:gs pos="0">
+              <a:schemeClr val="accent6">
+                <a:hueOff val="0"/>
+                <a:satOff val="0"/>
+                <a:lumOff val="0"/>
+                <a:alphaOff val="0"/>
+                <a:satMod val="100000"/>
+                <a:lumMod val="100000"/>
+              </a:schemeClr>
+            </a:gs>
+            <a:gs pos="50000">
+              <a:schemeClr val="accent6">
+                <a:hueOff val="0"/>
+                <a:satOff val="0"/>
+                <a:lumOff val="0"/>
+                <a:alphaOff val="0"/>
+                <a:shade val="99000"/>
+                <a:satMod val="105000"/>
+                <a:lumMod val="100000"/>
+              </a:schemeClr>
+            </a:gs>
+            <a:gs pos="100000">
+              <a:schemeClr val="accent6">
+                <a:hueOff val="0"/>
+                <a:satOff val="0"/>
+                <a:lumOff val="0"/>
+                <a:alphaOff val="0"/>
+                <a:shade val="98000"/>
+                <a:satMod val="105000"/>
+                <a:lumMod val="100000"/>
+              </a:schemeClr>
+            </a:gs>
+          </a:gsLst>
+          <a:lin ang="5400000" scaled="0"/>
+        </a:gradFill>
+        <a:ln>
+          <a:noFill/>
+        </a:ln>
+        <a:effectLst>
+          <a:outerShdw blurRad="38100" dist="12700" dir="5400000" algn="ctr" rotWithShape="0">
+            <a:srgbClr val="000000">
+              <a:alpha val="63000"/>
+            </a:srgbClr>
+          </a:outerShdw>
+        </a:effectLst>
+      </dsp:spPr>
+      <dsp:style>
+        <a:lnRef idx="0">
+          <a:scrgbClr r="0" g="0" b="0"/>
+        </a:lnRef>
+        <a:fillRef idx="3">
+          <a:scrgbClr r="0" g="0" b="0"/>
+        </a:fillRef>
+        <a:effectRef idx="2">
+          <a:scrgbClr r="0" g="0" b="0"/>
+        </a:effectRef>
+        <a:fontRef idx="minor">
+          <a:schemeClr val="lt1"/>
+        </a:fontRef>
+      </dsp:style>
+      <dsp:txBody>
+        <a:bodyPr spcFirstLastPara="0" vert="horz" wrap="square" lIns="45720" tIns="45720" rIns="45720" bIns="45720" numCol="1" spcCol="1270" anchor="ctr" anchorCtr="0">
+          <a:noAutofit/>
+        </a:bodyPr>
+        <a:lstStyle/>
+        <a:p>
+          <a:pPr marL="0" lvl="0" indent="0" algn="ctr" defTabSz="533400">
+            <a:lnSpc>
+              <a:spcPct val="90000"/>
+            </a:lnSpc>
+            <a:spcBef>
+              <a:spcPct val="0"/>
+            </a:spcBef>
+            <a:spcAft>
+              <a:spcPct val="35000"/>
+            </a:spcAft>
+            <a:buNone/>
+          </a:pPr>
+          <a:r>
+            <a:rPr lang="en-US" sz="1200" kern="1200"/>
+            <a:t>hit_object_off_carriageway</a:t>
+          </a:r>
+          <a:endParaRPr lang="en-US" sz="1200" kern="1200" dirty="0"/>
+        </a:p>
+      </dsp:txBody>
+      <dsp:txXfrm>
+        <a:off x="5100414" y="1996026"/>
+        <a:ext cx="1424285" cy="854571"/>
+      </dsp:txXfrm>
+    </dsp:sp>
+    <dsp:sp modelId="{1389FDF5-7D93-40AF-AA69-36463BBD8178}">
+      <dsp:nvSpPr>
+        <dsp:cNvPr id="0" name=""/>
+        <dsp:cNvSpPr/>
+      </dsp:nvSpPr>
+      <dsp:spPr>
+        <a:xfrm>
+          <a:off x="6667127" y="1996026"/>
+          <a:ext cx="1424285" cy="854571"/>
+        </a:xfrm>
+        <a:prstGeom prst="rect">
+          <a:avLst/>
+        </a:prstGeom>
+        <a:gradFill rotWithShape="0">
+          <a:gsLst>
+            <a:gs pos="0">
+              <a:schemeClr val="accent6">
+                <a:hueOff val="0"/>
+                <a:satOff val="0"/>
+                <a:lumOff val="0"/>
+                <a:alphaOff val="0"/>
+                <a:satMod val="100000"/>
+                <a:lumMod val="100000"/>
+              </a:schemeClr>
+            </a:gs>
+            <a:gs pos="50000">
+              <a:schemeClr val="accent6">
+                <a:hueOff val="0"/>
+                <a:satOff val="0"/>
+                <a:lumOff val="0"/>
+                <a:alphaOff val="0"/>
+                <a:shade val="99000"/>
+                <a:satMod val="105000"/>
+                <a:lumMod val="100000"/>
+              </a:schemeClr>
+            </a:gs>
+            <a:gs pos="100000">
+              <a:schemeClr val="accent6">
+                <a:hueOff val="0"/>
+                <a:satOff val="0"/>
+                <a:lumOff val="0"/>
+                <a:alphaOff val="0"/>
+                <a:shade val="98000"/>
+                <a:satMod val="105000"/>
+                <a:lumMod val="100000"/>
+              </a:schemeClr>
+            </a:gs>
+          </a:gsLst>
+          <a:lin ang="5400000" scaled="0"/>
+        </a:gradFill>
+        <a:ln>
+          <a:noFill/>
+        </a:ln>
+        <a:effectLst>
+          <a:outerShdw blurRad="38100" dist="12700" dir="5400000" algn="ctr" rotWithShape="0">
+            <a:srgbClr val="000000">
+              <a:alpha val="63000"/>
+            </a:srgbClr>
+          </a:outerShdw>
+        </a:effectLst>
+      </dsp:spPr>
+      <dsp:style>
+        <a:lnRef idx="0">
+          <a:scrgbClr r="0" g="0" b="0"/>
+        </a:lnRef>
+        <a:fillRef idx="3">
+          <a:scrgbClr r="0" g="0" b="0"/>
+        </a:fillRef>
+        <a:effectRef idx="2">
+          <a:scrgbClr r="0" g="0" b="0"/>
+        </a:effectRef>
+        <a:fontRef idx="minor">
+          <a:schemeClr val="lt1"/>
+        </a:fontRef>
+      </dsp:style>
+      <dsp:txBody>
+        <a:bodyPr spcFirstLastPara="0" vert="horz" wrap="square" lIns="45720" tIns="45720" rIns="45720" bIns="45720" numCol="1" spcCol="1270" anchor="ctr" anchorCtr="0">
+          <a:noAutofit/>
+        </a:bodyPr>
+        <a:lstStyle/>
+        <a:p>
+          <a:pPr marL="0" lvl="0" indent="0" algn="ctr" defTabSz="533400">
+            <a:lnSpc>
+              <a:spcPct val="90000"/>
+            </a:lnSpc>
+            <a:spcBef>
+              <a:spcPct val="0"/>
+            </a:spcBef>
+            <a:spcAft>
+              <a:spcPct val="35000"/>
+            </a:spcAft>
+            <a:buNone/>
+          </a:pPr>
+          <a:r>
+            <a:rPr lang="en-US" sz="1200" kern="1200"/>
+            <a:t>hit_object_in_carriageway </a:t>
+          </a:r>
+          <a:endParaRPr lang="en-US" sz="1200" kern="1200" dirty="0"/>
+        </a:p>
+      </dsp:txBody>
+      <dsp:txXfrm>
+        <a:off x="6667127" y="1996026"/>
+        <a:ext cx="1424285" cy="854571"/>
+      </dsp:txXfrm>
+    </dsp:sp>
+    <dsp:sp modelId="{E7E7E2F4-ABF4-47D9-B02F-A6F32B8236E1}">
+      <dsp:nvSpPr>
+        <dsp:cNvPr id="0" name=""/>
+        <dsp:cNvSpPr/>
+      </dsp:nvSpPr>
+      <dsp:spPr>
+        <a:xfrm>
+          <a:off x="8233841" y="1996026"/>
+          <a:ext cx="1424285" cy="854571"/>
+        </a:xfrm>
+        <a:prstGeom prst="rect">
+          <a:avLst/>
+        </a:prstGeom>
+        <a:gradFill rotWithShape="0">
+          <a:gsLst>
+            <a:gs pos="0">
+              <a:schemeClr val="accent6">
+                <a:hueOff val="0"/>
+                <a:satOff val="0"/>
+                <a:lumOff val="0"/>
+                <a:alphaOff val="0"/>
+                <a:satMod val="100000"/>
+                <a:lumMod val="100000"/>
+              </a:schemeClr>
+            </a:gs>
+            <a:gs pos="50000">
+              <a:schemeClr val="accent6">
+                <a:hueOff val="0"/>
+                <a:satOff val="0"/>
+                <a:lumOff val="0"/>
+                <a:alphaOff val="0"/>
+                <a:shade val="99000"/>
+                <a:satMod val="105000"/>
+                <a:lumMod val="100000"/>
+              </a:schemeClr>
+            </a:gs>
+            <a:gs pos="100000">
+              <a:schemeClr val="accent6">
+                <a:hueOff val="0"/>
+                <a:satOff val="0"/>
+                <a:lumOff val="0"/>
+                <a:alphaOff val="0"/>
+                <a:shade val="98000"/>
+                <a:satMod val="105000"/>
+                <a:lumMod val="100000"/>
+              </a:schemeClr>
+            </a:gs>
+          </a:gsLst>
+          <a:lin ang="5400000" scaled="0"/>
+        </a:gradFill>
+        <a:ln>
+          <a:noFill/>
+        </a:ln>
+        <a:effectLst>
+          <a:outerShdw blurRad="38100" dist="12700" dir="5400000" algn="ctr" rotWithShape="0">
+            <a:srgbClr val="000000">
+              <a:alpha val="63000"/>
+            </a:srgbClr>
+          </a:outerShdw>
+        </a:effectLst>
+      </dsp:spPr>
+      <dsp:style>
+        <a:lnRef idx="0">
+          <a:scrgbClr r="0" g="0" b="0"/>
+        </a:lnRef>
+        <a:fillRef idx="3">
+          <a:scrgbClr r="0" g="0" b="0"/>
+        </a:fillRef>
+        <a:effectRef idx="2">
+          <a:scrgbClr r="0" g="0" b="0"/>
+        </a:effectRef>
+        <a:fontRef idx="minor">
+          <a:schemeClr val="lt1"/>
+        </a:fontRef>
+      </dsp:style>
+      <dsp:txBody>
+        <a:bodyPr spcFirstLastPara="0" vert="horz" wrap="square" lIns="45720" tIns="45720" rIns="45720" bIns="45720" numCol="1" spcCol="1270" anchor="ctr" anchorCtr="0">
+          <a:noAutofit/>
+        </a:bodyPr>
+        <a:lstStyle/>
+        <a:p>
+          <a:pPr marL="0" lvl="0" indent="0" algn="ctr" defTabSz="533400">
+            <a:lnSpc>
+              <a:spcPct val="90000"/>
+            </a:lnSpc>
+            <a:spcBef>
+              <a:spcPct val="0"/>
+            </a:spcBef>
+            <a:spcAft>
+              <a:spcPct val="35000"/>
+            </a:spcAft>
+            <a:buNone/>
+          </a:pPr>
+          <a:r>
+            <a:rPr lang="en-US" sz="1200" kern="1200"/>
+            <a:t>driver_imd_decile </a:t>
+          </a:r>
+          <a:endParaRPr lang="en-US" sz="1200" kern="1200" dirty="0"/>
+        </a:p>
+      </dsp:txBody>
+      <dsp:txXfrm>
+        <a:off x="8233841" y="1996026"/>
+        <a:ext cx="1424285" cy="854571"/>
+      </dsp:txXfrm>
+    </dsp:sp>
+    <dsp:sp modelId="{5A2E3F29-B6F3-4C6C-8127-968543AAD871}">
+      <dsp:nvSpPr>
+        <dsp:cNvPr id="0" name=""/>
+        <dsp:cNvSpPr/>
+      </dsp:nvSpPr>
+      <dsp:spPr>
+        <a:xfrm>
+          <a:off x="1966986" y="2993025"/>
+          <a:ext cx="1424285" cy="854571"/>
+        </a:xfrm>
+        <a:prstGeom prst="rect">
+          <a:avLst/>
+        </a:prstGeom>
+        <a:gradFill rotWithShape="0">
+          <a:gsLst>
+            <a:gs pos="0">
+              <a:schemeClr val="accent6">
+                <a:hueOff val="0"/>
+                <a:satOff val="0"/>
+                <a:lumOff val="0"/>
+                <a:alphaOff val="0"/>
+                <a:satMod val="100000"/>
+                <a:lumMod val="100000"/>
+              </a:schemeClr>
+            </a:gs>
+            <a:gs pos="50000">
+              <a:schemeClr val="accent6">
+                <a:hueOff val="0"/>
+                <a:satOff val="0"/>
+                <a:lumOff val="0"/>
+                <a:alphaOff val="0"/>
+                <a:shade val="99000"/>
+                <a:satMod val="105000"/>
+                <a:lumMod val="100000"/>
+              </a:schemeClr>
+            </a:gs>
+            <a:gs pos="100000">
+              <a:schemeClr val="accent6">
+                <a:hueOff val="0"/>
+                <a:satOff val="0"/>
+                <a:lumOff val="0"/>
+                <a:alphaOff val="0"/>
+                <a:shade val="98000"/>
+                <a:satMod val="105000"/>
+                <a:lumMod val="100000"/>
+              </a:schemeClr>
+            </a:gs>
+          </a:gsLst>
+          <a:lin ang="5400000" scaled="0"/>
+        </a:gradFill>
+        <a:ln>
+          <a:noFill/>
+        </a:ln>
+        <a:effectLst>
+          <a:outerShdw blurRad="38100" dist="12700" dir="5400000" algn="ctr" rotWithShape="0">
+            <a:srgbClr val="000000">
+              <a:alpha val="63000"/>
+            </a:srgbClr>
+          </a:outerShdw>
+        </a:effectLst>
+      </dsp:spPr>
+      <dsp:style>
+        <a:lnRef idx="0">
+          <a:scrgbClr r="0" g="0" b="0"/>
+        </a:lnRef>
+        <a:fillRef idx="3">
+          <a:scrgbClr r="0" g="0" b="0"/>
+        </a:fillRef>
+        <a:effectRef idx="2">
+          <a:scrgbClr r="0" g="0" b="0"/>
+        </a:effectRef>
+        <a:fontRef idx="minor">
+          <a:schemeClr val="lt1"/>
+        </a:fontRef>
+      </dsp:style>
+      <dsp:txBody>
+        <a:bodyPr spcFirstLastPara="0" vert="horz" wrap="square" lIns="45720" tIns="45720" rIns="45720" bIns="45720" numCol="1" spcCol="1270" anchor="ctr" anchorCtr="0">
+          <a:noAutofit/>
+        </a:bodyPr>
+        <a:lstStyle/>
+        <a:p>
+          <a:pPr marL="0" lvl="0" indent="0" algn="ctr" defTabSz="533400">
+            <a:lnSpc>
+              <a:spcPct val="90000"/>
+            </a:lnSpc>
+            <a:spcBef>
+              <a:spcPct val="0"/>
+            </a:spcBef>
+            <a:spcAft>
+              <a:spcPct val="35000"/>
+            </a:spcAft>
+            <a:buNone/>
+          </a:pPr>
+          <a:r>
+            <a:rPr lang="en-US" sz="1200" kern="1200"/>
+            <a:t>junction_detail </a:t>
+          </a:r>
+          <a:endParaRPr lang="en-US" sz="1200" kern="1200" dirty="0"/>
+        </a:p>
+      </dsp:txBody>
+      <dsp:txXfrm>
+        <a:off x="1966986" y="2993025"/>
+        <a:ext cx="1424285" cy="854571"/>
+      </dsp:txXfrm>
+    </dsp:sp>
+    <dsp:sp modelId="{2E038262-C01E-450E-BB3B-B9FAF50A212F}">
+      <dsp:nvSpPr>
+        <dsp:cNvPr id="0" name=""/>
+        <dsp:cNvSpPr/>
+      </dsp:nvSpPr>
+      <dsp:spPr>
+        <a:xfrm>
+          <a:off x="3533700" y="2993025"/>
+          <a:ext cx="1424285" cy="854571"/>
+        </a:xfrm>
+        <a:prstGeom prst="rect">
+          <a:avLst/>
+        </a:prstGeom>
+        <a:gradFill rotWithShape="0">
+          <a:gsLst>
+            <a:gs pos="0">
+              <a:schemeClr val="accent6">
+                <a:hueOff val="0"/>
+                <a:satOff val="0"/>
+                <a:lumOff val="0"/>
+                <a:alphaOff val="0"/>
+                <a:satMod val="100000"/>
+                <a:lumMod val="100000"/>
+              </a:schemeClr>
+            </a:gs>
+            <a:gs pos="50000">
+              <a:schemeClr val="accent6">
+                <a:hueOff val="0"/>
+                <a:satOff val="0"/>
+                <a:lumOff val="0"/>
+                <a:alphaOff val="0"/>
+                <a:shade val="99000"/>
+                <a:satMod val="105000"/>
+                <a:lumMod val="100000"/>
+              </a:schemeClr>
+            </a:gs>
+            <a:gs pos="100000">
+              <a:schemeClr val="accent6">
+                <a:hueOff val="0"/>
+                <a:satOff val="0"/>
+                <a:lumOff val="0"/>
+                <a:alphaOff val="0"/>
+                <a:shade val="98000"/>
+                <a:satMod val="105000"/>
+                <a:lumMod val="100000"/>
+              </a:schemeClr>
+            </a:gs>
+          </a:gsLst>
+          <a:lin ang="5400000" scaled="0"/>
+        </a:gradFill>
+        <a:ln>
+          <a:noFill/>
+        </a:ln>
+        <a:effectLst>
+          <a:outerShdw blurRad="38100" dist="12700" dir="5400000" algn="ctr" rotWithShape="0">
+            <a:srgbClr val="000000">
+              <a:alpha val="63000"/>
+            </a:srgbClr>
+          </a:outerShdw>
+        </a:effectLst>
+      </dsp:spPr>
+      <dsp:style>
+        <a:lnRef idx="0">
+          <a:scrgbClr r="0" g="0" b="0"/>
+        </a:lnRef>
+        <a:fillRef idx="3">
+          <a:scrgbClr r="0" g="0" b="0"/>
+        </a:fillRef>
+        <a:effectRef idx="2">
+          <a:scrgbClr r="0" g="0" b="0"/>
+        </a:effectRef>
+        <a:fontRef idx="minor">
+          <a:schemeClr val="lt1"/>
+        </a:fontRef>
+      </dsp:style>
+      <dsp:txBody>
+        <a:bodyPr spcFirstLastPara="0" vert="horz" wrap="square" lIns="45720" tIns="45720" rIns="45720" bIns="45720" numCol="1" spcCol="1270" anchor="ctr" anchorCtr="0">
+          <a:noAutofit/>
+        </a:bodyPr>
+        <a:lstStyle/>
+        <a:p>
+          <a:pPr marL="0" lvl="0" indent="0" algn="ctr" defTabSz="533400">
+            <a:lnSpc>
+              <a:spcPct val="90000"/>
+            </a:lnSpc>
+            <a:spcBef>
+              <a:spcPct val="0"/>
+            </a:spcBef>
+            <a:spcAft>
+              <a:spcPct val="35000"/>
+            </a:spcAft>
+            <a:buNone/>
+          </a:pPr>
+          <a:r>
+            <a:rPr lang="en-US" sz="1200" kern="1200"/>
+            <a:t>junction_location </a:t>
+          </a:r>
+          <a:endParaRPr lang="en-US" sz="1200" kern="1200" dirty="0"/>
+        </a:p>
+      </dsp:txBody>
+      <dsp:txXfrm>
+        <a:off x="3533700" y="2993025"/>
+        <a:ext cx="1424285" cy="854571"/>
+      </dsp:txXfrm>
+    </dsp:sp>
+    <dsp:sp modelId="{940D78FD-ED26-4A0F-A4EB-CD5BFBFD54EA}">
+      <dsp:nvSpPr>
+        <dsp:cNvPr id="0" name=""/>
+        <dsp:cNvSpPr/>
+      </dsp:nvSpPr>
+      <dsp:spPr>
+        <a:xfrm>
+          <a:off x="5100414" y="2993025"/>
+          <a:ext cx="1424285" cy="854571"/>
+        </a:xfrm>
+        <a:prstGeom prst="rect">
+          <a:avLst/>
+        </a:prstGeom>
+        <a:gradFill rotWithShape="0">
+          <a:gsLst>
+            <a:gs pos="0">
+              <a:schemeClr val="accent6">
+                <a:hueOff val="0"/>
+                <a:satOff val="0"/>
+                <a:lumOff val="0"/>
+                <a:alphaOff val="0"/>
+                <a:satMod val="100000"/>
+                <a:lumMod val="100000"/>
+              </a:schemeClr>
+            </a:gs>
+            <a:gs pos="50000">
+              <a:schemeClr val="accent6">
+                <a:hueOff val="0"/>
+                <a:satOff val="0"/>
+                <a:lumOff val="0"/>
+                <a:alphaOff val="0"/>
+                <a:shade val="99000"/>
+                <a:satMod val="105000"/>
+                <a:lumMod val="100000"/>
+              </a:schemeClr>
+            </a:gs>
+            <a:gs pos="100000">
+              <a:schemeClr val="accent6">
+                <a:hueOff val="0"/>
+                <a:satOff val="0"/>
+                <a:lumOff val="0"/>
+                <a:alphaOff val="0"/>
+                <a:shade val="98000"/>
+                <a:satMod val="105000"/>
+                <a:lumMod val="100000"/>
+              </a:schemeClr>
+            </a:gs>
+          </a:gsLst>
+          <a:lin ang="5400000" scaled="0"/>
+        </a:gradFill>
+        <a:ln>
+          <a:noFill/>
+        </a:ln>
+        <a:effectLst>
+          <a:outerShdw blurRad="38100" dist="12700" dir="5400000" algn="ctr" rotWithShape="0">
+            <a:srgbClr val="000000">
+              <a:alpha val="63000"/>
+            </a:srgbClr>
+          </a:outerShdw>
+        </a:effectLst>
+      </dsp:spPr>
+      <dsp:style>
+        <a:lnRef idx="0">
+          <a:scrgbClr r="0" g="0" b="0"/>
+        </a:lnRef>
+        <a:fillRef idx="3">
+          <a:scrgbClr r="0" g="0" b="0"/>
+        </a:fillRef>
+        <a:effectRef idx="2">
+          <a:scrgbClr r="0" g="0" b="0"/>
+        </a:effectRef>
+        <a:fontRef idx="minor">
+          <a:schemeClr val="lt1"/>
+        </a:fontRef>
+      </dsp:style>
+      <dsp:txBody>
+        <a:bodyPr spcFirstLastPara="0" vert="horz" wrap="square" lIns="45720" tIns="45720" rIns="45720" bIns="45720" numCol="1" spcCol="1270" anchor="ctr" anchorCtr="0">
+          <a:noAutofit/>
+        </a:bodyPr>
+        <a:lstStyle/>
+        <a:p>
+          <a:pPr marL="0" lvl="0" indent="0" algn="ctr" defTabSz="533400">
+            <a:lnSpc>
+              <a:spcPct val="90000"/>
+            </a:lnSpc>
+            <a:spcBef>
+              <a:spcPct val="0"/>
+            </a:spcBef>
+            <a:spcAft>
+              <a:spcPct val="35000"/>
+            </a:spcAft>
+            <a:buNone/>
+          </a:pPr>
+          <a:r>
+            <a:rPr lang="en-US" sz="1200" kern="1200"/>
+            <a:t>propulsion_code </a:t>
+          </a:r>
+          <a:endParaRPr lang="en-US" sz="1200" kern="1200" dirty="0"/>
+        </a:p>
+      </dsp:txBody>
+      <dsp:txXfrm>
+        <a:off x="5100414" y="2993025"/>
+        <a:ext cx="1424285" cy="854571"/>
+      </dsp:txXfrm>
+    </dsp:sp>
+    <dsp:sp modelId="{06669E55-4CBD-4834-82C0-4A737DEDABEA}">
+      <dsp:nvSpPr>
+        <dsp:cNvPr id="0" name=""/>
+        <dsp:cNvSpPr/>
+      </dsp:nvSpPr>
+      <dsp:spPr>
+        <a:xfrm>
+          <a:off x="6667127" y="2993025"/>
+          <a:ext cx="1424285" cy="854571"/>
+        </a:xfrm>
+        <a:prstGeom prst="rect">
+          <a:avLst/>
+        </a:prstGeom>
+        <a:gradFill rotWithShape="0">
+          <a:gsLst>
+            <a:gs pos="0">
+              <a:schemeClr val="accent6">
+                <a:hueOff val="0"/>
+                <a:satOff val="0"/>
+                <a:lumOff val="0"/>
+                <a:alphaOff val="0"/>
+                <a:satMod val="100000"/>
+                <a:lumMod val="100000"/>
+              </a:schemeClr>
+            </a:gs>
+            <a:gs pos="50000">
+              <a:schemeClr val="accent6">
+                <a:hueOff val="0"/>
+                <a:satOff val="0"/>
+                <a:lumOff val="0"/>
+                <a:alphaOff val="0"/>
+                <a:shade val="99000"/>
+                <a:satMod val="105000"/>
+                <a:lumMod val="100000"/>
+              </a:schemeClr>
+            </a:gs>
+            <a:gs pos="100000">
+              <a:schemeClr val="accent6">
+                <a:hueOff val="0"/>
+                <a:satOff val="0"/>
+                <a:lumOff val="0"/>
+                <a:alphaOff val="0"/>
+                <a:shade val="98000"/>
+                <a:satMod val="105000"/>
+                <a:lumMod val="100000"/>
+              </a:schemeClr>
+            </a:gs>
+          </a:gsLst>
+          <a:lin ang="5400000" scaled="0"/>
+        </a:gradFill>
+        <a:ln>
+          <a:noFill/>
+        </a:ln>
+        <a:effectLst>
+          <a:outerShdw blurRad="38100" dist="12700" dir="5400000" algn="ctr" rotWithShape="0">
+            <a:srgbClr val="000000">
+              <a:alpha val="63000"/>
+            </a:srgbClr>
+          </a:outerShdw>
+        </a:effectLst>
+      </dsp:spPr>
+      <dsp:style>
+        <a:lnRef idx="0">
+          <a:scrgbClr r="0" g="0" b="0"/>
+        </a:lnRef>
+        <a:fillRef idx="3">
+          <a:scrgbClr r="0" g="0" b="0"/>
+        </a:fillRef>
+        <a:effectRef idx="2">
+          <a:scrgbClr r="0" g="0" b="0"/>
+        </a:effectRef>
+        <a:fontRef idx="minor">
+          <a:schemeClr val="lt1"/>
+        </a:fontRef>
+      </dsp:style>
+      <dsp:txBody>
+        <a:bodyPr spcFirstLastPara="0" vert="horz" wrap="square" lIns="45720" tIns="45720" rIns="45720" bIns="45720" numCol="1" spcCol="1270" anchor="ctr" anchorCtr="0">
+          <a:noAutofit/>
+        </a:bodyPr>
+        <a:lstStyle/>
+        <a:p>
+          <a:pPr marL="0" lvl="0" indent="0" algn="ctr" defTabSz="533400">
+            <a:lnSpc>
+              <a:spcPct val="90000"/>
+            </a:lnSpc>
+            <a:spcBef>
+              <a:spcPct val="0"/>
+            </a:spcBef>
+            <a:spcAft>
+              <a:spcPct val="35000"/>
+            </a:spcAft>
+            <a:buNone/>
+          </a:pPr>
+          <a:r>
+            <a:rPr lang="en-US" sz="1200" kern="1200" dirty="0"/>
+            <a:t>year </a:t>
+          </a:r>
+        </a:p>
+      </dsp:txBody>
+      <dsp:txXfrm>
+        <a:off x="6667127" y="2993025"/>
+        <a:ext cx="1424285" cy="854571"/>
       </dsp:txXfrm>
     </dsp:sp>
   </dsp:spTree>
@@ -9218,6 +13478,153 @@
 </dgm:layoutDef>
 </file>
 
+<file path=ppt/diagrams/layout6.xml><?xml version="1.0" encoding="utf-8"?>
+<dgm:layoutDef xmlns:dgm="http://schemas.openxmlformats.org/drawingml/2006/diagram" xmlns:a="http://schemas.openxmlformats.org/drawingml/2006/main" uniqueId="urn:microsoft.com/office/officeart/2005/8/layout/default">
+  <dgm:title val=""/>
+  <dgm:desc val=""/>
+  <dgm:catLst>
+    <dgm:cat type="list" pri="400"/>
+  </dgm:catLst>
+  <dgm:sampData>
+    <dgm:dataModel>
+      <dgm:ptLst>
+        <dgm:pt modelId="0" type="doc"/>
+        <dgm:pt modelId="1">
+          <dgm:prSet phldr="1"/>
+        </dgm:pt>
+        <dgm:pt modelId="2">
+          <dgm:prSet phldr="1"/>
+        </dgm:pt>
+        <dgm:pt modelId="3">
+          <dgm:prSet phldr="1"/>
+        </dgm:pt>
+        <dgm:pt modelId="4">
+          <dgm:prSet phldr="1"/>
+        </dgm:pt>
+        <dgm:pt modelId="5">
+          <dgm:prSet phldr="1"/>
+        </dgm:pt>
+      </dgm:ptLst>
+      <dgm:cxnLst>
+        <dgm:cxn modelId="6" srcId="0" destId="1" srcOrd="0" destOrd="0"/>
+        <dgm:cxn modelId="7" srcId="0" destId="2" srcOrd="1" destOrd="0"/>
+        <dgm:cxn modelId="8" srcId="0" destId="3" srcOrd="2" destOrd="0"/>
+        <dgm:cxn modelId="9" srcId="0" destId="4" srcOrd="3" destOrd="0"/>
+        <dgm:cxn modelId="10" srcId="0" destId="5" srcOrd="4" destOrd="0"/>
+      </dgm:cxnLst>
+      <dgm:bg/>
+      <dgm:whole/>
+    </dgm:dataModel>
+  </dgm:sampData>
+  <dgm:styleData>
+    <dgm:dataModel>
+      <dgm:ptLst>
+        <dgm:pt modelId="0" type="doc"/>
+        <dgm:pt modelId="1"/>
+        <dgm:pt modelId="2"/>
+      </dgm:ptLst>
+      <dgm:cxnLst>
+        <dgm:cxn modelId="3" srcId="0" destId="1" srcOrd="0" destOrd="0"/>
+        <dgm:cxn modelId="4" srcId="0" destId="2" srcOrd="1" destOrd="0"/>
+      </dgm:cxnLst>
+      <dgm:bg/>
+      <dgm:whole/>
+    </dgm:dataModel>
+  </dgm:styleData>
+  <dgm:clrData>
+    <dgm:dataModel>
+      <dgm:ptLst>
+        <dgm:pt modelId="0" type="doc"/>
+        <dgm:pt modelId="1"/>
+        <dgm:pt modelId="2"/>
+        <dgm:pt modelId="3"/>
+        <dgm:pt modelId="4"/>
+        <dgm:pt modelId="5"/>
+        <dgm:pt modelId="6"/>
+      </dgm:ptLst>
+      <dgm:cxnLst>
+        <dgm:cxn modelId="7" srcId="0" destId="1" srcOrd="0" destOrd="0"/>
+        <dgm:cxn modelId="8" srcId="0" destId="2" srcOrd="1" destOrd="0"/>
+        <dgm:cxn modelId="9" srcId="0" destId="3" srcOrd="2" destOrd="0"/>
+        <dgm:cxn modelId="10" srcId="0" destId="4" srcOrd="3" destOrd="0"/>
+        <dgm:cxn modelId="11" srcId="0" destId="5" srcOrd="4" destOrd="0"/>
+        <dgm:cxn modelId="12" srcId="0" destId="6" srcOrd="5" destOrd="0"/>
+      </dgm:cxnLst>
+      <dgm:bg/>
+      <dgm:whole/>
+    </dgm:dataModel>
+  </dgm:clrData>
+  <dgm:layoutNode name="diagram">
+    <dgm:varLst>
+      <dgm:dir/>
+      <dgm:resizeHandles val="exact"/>
+    </dgm:varLst>
+    <dgm:choose name="Name0">
+      <dgm:if name="Name1" func="var" arg="dir" op="equ" val="norm">
+        <dgm:alg type="snake">
+          <dgm:param type="grDir" val="tL"/>
+          <dgm:param type="flowDir" val="row"/>
+          <dgm:param type="contDir" val="sameDir"/>
+          <dgm:param type="off" val="ctr"/>
+        </dgm:alg>
+      </dgm:if>
+      <dgm:else name="Name2">
+        <dgm:alg type="snake">
+          <dgm:param type="grDir" val="tR"/>
+          <dgm:param type="flowDir" val="row"/>
+          <dgm:param type="contDir" val="sameDir"/>
+          <dgm:param type="off" val="ctr"/>
+        </dgm:alg>
+      </dgm:else>
+    </dgm:choose>
+    <dgm:shape xmlns:r="http://schemas.openxmlformats.org/officeDocument/2006/relationships" r:blip="">
+      <dgm:adjLst/>
+    </dgm:shape>
+    <dgm:presOf/>
+    <dgm:constrLst>
+      <dgm:constr type="w" for="ch" forName="node" refType="w"/>
+      <dgm:constr type="h" for="ch" forName="node" refType="w" refFor="ch" refForName="node" fact="0.6"/>
+      <dgm:constr type="w" for="ch" forName="sibTrans" refType="w" refFor="ch" refForName="node" fact="0.1"/>
+      <dgm:constr type="sp" refType="w" refFor="ch" refForName="sibTrans"/>
+      <dgm:constr type="primFontSz" for="ch" forName="node" op="equ" val="65"/>
+    </dgm:constrLst>
+    <dgm:ruleLst/>
+    <dgm:forEach name="Name3" axis="ch" ptType="node">
+      <dgm:layoutNode name="node">
+        <dgm:varLst>
+          <dgm:bulletEnabled val="1"/>
+        </dgm:varLst>
+        <dgm:alg type="tx"/>
+        <dgm:shape xmlns:r="http://schemas.openxmlformats.org/officeDocument/2006/relationships" type="rect" r:blip="">
+          <dgm:adjLst/>
+        </dgm:shape>
+        <dgm:presOf axis="desOrSelf" ptType="node"/>
+        <dgm:constrLst>
+          <dgm:constr type="lMarg" refType="primFontSz" fact="0.3"/>
+          <dgm:constr type="rMarg" refType="primFontSz" fact="0.3"/>
+          <dgm:constr type="tMarg" refType="primFontSz" fact="0.3"/>
+          <dgm:constr type="bMarg" refType="primFontSz" fact="0.3"/>
+        </dgm:constrLst>
+        <dgm:ruleLst>
+          <dgm:rule type="primFontSz" val="5" fact="NaN" max="NaN"/>
+        </dgm:ruleLst>
+      </dgm:layoutNode>
+      <dgm:forEach name="Name4" axis="followSib" ptType="sibTrans" cnt="1">
+        <dgm:layoutNode name="sibTrans">
+          <dgm:alg type="sp"/>
+          <dgm:shape xmlns:r="http://schemas.openxmlformats.org/officeDocument/2006/relationships" r:blip="">
+            <dgm:adjLst/>
+          </dgm:shape>
+          <dgm:presOf/>
+          <dgm:constrLst/>
+          <dgm:ruleLst/>
+        </dgm:layoutNode>
+      </dgm:forEach>
+    </dgm:forEach>
+  </dgm:layoutNode>
+</dgm:layoutDef>
+</file>
+
 <file path=ppt/diagrams/quickStyle1.xml><?xml version="1.0" encoding="utf-8"?>
 <dgm:styleDef xmlns:dgm="http://schemas.openxmlformats.org/drawingml/2006/diagram" xmlns:a="http://schemas.openxmlformats.org/drawingml/2006/main" uniqueId="urn:microsoft.com/office/officeart/2005/8/quickstyle/simple1">
   <dgm:title val=""/>
@@ -14360,6 +18767,1040 @@
         <a:scrgbClr r="0" g="0" b="0"/>
       </a:fillRef>
       <a:effectRef idx="0">
+        <a:scrgbClr r="0" g="0" b="0"/>
+      </a:effectRef>
+      <a:fontRef idx="minor"/>
+    </dgm:style>
+  </dgm:styleLbl>
+  <dgm:styleLbl name="revTx">
+    <dgm:scene3d>
+      <a:camera prst="orthographicFront"/>
+      <a:lightRig rig="threePt" dir="t"/>
+    </dgm:scene3d>
+    <dgm:sp3d/>
+    <dgm:txPr/>
+    <dgm:style>
+      <a:lnRef idx="0">
+        <a:scrgbClr r="0" g="0" b="0"/>
+      </a:lnRef>
+      <a:fillRef idx="0">
+        <a:scrgbClr r="0" g="0" b="0"/>
+      </a:fillRef>
+      <a:effectRef idx="0">
+        <a:scrgbClr r="0" g="0" b="0"/>
+      </a:effectRef>
+      <a:fontRef idx="minor"/>
+    </dgm:style>
+  </dgm:styleLbl>
+</dgm:styleDef>
+</file>
+
+<file path=ppt/diagrams/quickStyle6.xml><?xml version="1.0" encoding="utf-8"?>
+<dgm:styleDef xmlns:dgm="http://schemas.openxmlformats.org/drawingml/2006/diagram" xmlns:a="http://schemas.openxmlformats.org/drawingml/2006/main" uniqueId="urn:microsoft.com/office/officeart/2005/8/quickstyle/simple4">
+  <dgm:title val=""/>
+  <dgm:desc val=""/>
+  <dgm:catLst>
+    <dgm:cat type="simple" pri="10400"/>
+  </dgm:catLst>
+  <dgm:scene3d>
+    <a:camera prst="orthographicFront"/>
+    <a:lightRig rig="threePt" dir="t"/>
+  </dgm:scene3d>
+  <dgm:styleLbl name="node0">
+    <dgm:scene3d>
+      <a:camera prst="orthographicFront"/>
+      <a:lightRig rig="threePt" dir="t"/>
+    </dgm:scene3d>
+    <dgm:sp3d/>
+    <dgm:txPr/>
+    <dgm:style>
+      <a:lnRef idx="0">
+        <a:scrgbClr r="0" g="0" b="0"/>
+      </a:lnRef>
+      <a:fillRef idx="3">
+        <a:scrgbClr r="0" g="0" b="0"/>
+      </a:fillRef>
+      <a:effectRef idx="2">
+        <a:scrgbClr r="0" g="0" b="0"/>
+      </a:effectRef>
+      <a:fontRef idx="minor">
+        <a:schemeClr val="lt1"/>
+      </a:fontRef>
+    </dgm:style>
+  </dgm:styleLbl>
+  <dgm:styleLbl name="lnNode1">
+    <dgm:scene3d>
+      <a:camera prst="orthographicFront"/>
+      <a:lightRig rig="threePt" dir="t"/>
+    </dgm:scene3d>
+    <dgm:sp3d/>
+    <dgm:txPr/>
+    <dgm:style>
+      <a:lnRef idx="1">
+        <a:scrgbClr r="0" g="0" b="0"/>
+      </a:lnRef>
+      <a:fillRef idx="3">
+        <a:scrgbClr r="0" g="0" b="0"/>
+      </a:fillRef>
+      <a:effectRef idx="2">
+        <a:scrgbClr r="0" g="0" b="0"/>
+      </a:effectRef>
+      <a:fontRef idx="minor">
+        <a:schemeClr val="lt1"/>
+      </a:fontRef>
+    </dgm:style>
+  </dgm:styleLbl>
+  <dgm:styleLbl name="vennNode1">
+    <dgm:scene3d>
+      <a:camera prst="orthographicFront"/>
+      <a:lightRig rig="threePt" dir="t"/>
+    </dgm:scene3d>
+    <dgm:sp3d/>
+    <dgm:txPr/>
+    <dgm:style>
+      <a:lnRef idx="0">
+        <a:scrgbClr r="0" g="0" b="0"/>
+      </a:lnRef>
+      <a:fillRef idx="3">
+        <a:scrgbClr r="0" g="0" b="0"/>
+      </a:fillRef>
+      <a:effectRef idx="0">
+        <a:scrgbClr r="0" g="0" b="0"/>
+      </a:effectRef>
+      <a:fontRef idx="minor">
+        <a:schemeClr val="tx1"/>
+      </a:fontRef>
+    </dgm:style>
+  </dgm:styleLbl>
+  <dgm:styleLbl name="alignNode1">
+    <dgm:scene3d>
+      <a:camera prst="orthographicFront"/>
+      <a:lightRig rig="threePt" dir="t"/>
+    </dgm:scene3d>
+    <dgm:sp3d/>
+    <dgm:txPr/>
+    <dgm:style>
+      <a:lnRef idx="1">
+        <a:scrgbClr r="0" g="0" b="0"/>
+      </a:lnRef>
+      <a:fillRef idx="3">
+        <a:scrgbClr r="0" g="0" b="0"/>
+      </a:fillRef>
+      <a:effectRef idx="2">
+        <a:scrgbClr r="0" g="0" b="0"/>
+      </a:effectRef>
+      <a:fontRef idx="minor">
+        <a:schemeClr val="lt1"/>
+      </a:fontRef>
+    </dgm:style>
+  </dgm:styleLbl>
+  <dgm:styleLbl name="node1">
+    <dgm:scene3d>
+      <a:camera prst="orthographicFront"/>
+      <a:lightRig rig="threePt" dir="t"/>
+    </dgm:scene3d>
+    <dgm:sp3d/>
+    <dgm:txPr/>
+    <dgm:style>
+      <a:lnRef idx="0">
+        <a:scrgbClr r="0" g="0" b="0"/>
+      </a:lnRef>
+      <a:fillRef idx="3">
+        <a:scrgbClr r="0" g="0" b="0"/>
+      </a:fillRef>
+      <a:effectRef idx="2">
+        <a:scrgbClr r="0" g="0" b="0"/>
+      </a:effectRef>
+      <a:fontRef idx="minor">
+        <a:schemeClr val="lt1"/>
+      </a:fontRef>
+    </dgm:style>
+  </dgm:styleLbl>
+  <dgm:styleLbl name="node2">
+    <dgm:scene3d>
+      <a:camera prst="orthographicFront"/>
+      <a:lightRig rig="threePt" dir="t"/>
+    </dgm:scene3d>
+    <dgm:sp3d/>
+    <dgm:txPr/>
+    <dgm:style>
+      <a:lnRef idx="0">
+        <a:scrgbClr r="0" g="0" b="0"/>
+      </a:lnRef>
+      <a:fillRef idx="3">
+        <a:scrgbClr r="0" g="0" b="0"/>
+      </a:fillRef>
+      <a:effectRef idx="2">
+        <a:scrgbClr r="0" g="0" b="0"/>
+      </a:effectRef>
+      <a:fontRef idx="minor">
+        <a:schemeClr val="lt1"/>
+      </a:fontRef>
+    </dgm:style>
+  </dgm:styleLbl>
+  <dgm:styleLbl name="node3">
+    <dgm:scene3d>
+      <a:camera prst="orthographicFront"/>
+      <a:lightRig rig="threePt" dir="t"/>
+    </dgm:scene3d>
+    <dgm:sp3d/>
+    <dgm:txPr/>
+    <dgm:style>
+      <a:lnRef idx="0">
+        <a:scrgbClr r="0" g="0" b="0"/>
+      </a:lnRef>
+      <a:fillRef idx="3">
+        <a:scrgbClr r="0" g="0" b="0"/>
+      </a:fillRef>
+      <a:effectRef idx="2">
+        <a:scrgbClr r="0" g="0" b="0"/>
+      </a:effectRef>
+      <a:fontRef idx="minor">
+        <a:schemeClr val="lt1"/>
+      </a:fontRef>
+    </dgm:style>
+  </dgm:styleLbl>
+  <dgm:styleLbl name="node4">
+    <dgm:scene3d>
+      <a:camera prst="orthographicFront"/>
+      <a:lightRig rig="threePt" dir="t"/>
+    </dgm:scene3d>
+    <dgm:sp3d/>
+    <dgm:txPr/>
+    <dgm:style>
+      <a:lnRef idx="0">
+        <a:scrgbClr r="0" g="0" b="0"/>
+      </a:lnRef>
+      <a:fillRef idx="3">
+        <a:scrgbClr r="0" g="0" b="0"/>
+      </a:fillRef>
+      <a:effectRef idx="2">
+        <a:scrgbClr r="0" g="0" b="0"/>
+      </a:effectRef>
+      <a:fontRef idx="minor">
+        <a:schemeClr val="lt1"/>
+      </a:fontRef>
+    </dgm:style>
+  </dgm:styleLbl>
+  <dgm:styleLbl name="fgImgPlace1">
+    <dgm:scene3d>
+      <a:camera prst="orthographicFront"/>
+      <a:lightRig rig="threePt" dir="t"/>
+    </dgm:scene3d>
+    <dgm:sp3d/>
+    <dgm:txPr/>
+    <dgm:style>
+      <a:lnRef idx="0">
+        <a:scrgbClr r="0" g="0" b="0"/>
+      </a:lnRef>
+      <a:fillRef idx="1">
+        <a:scrgbClr r="0" g="0" b="0"/>
+      </a:fillRef>
+      <a:effectRef idx="2">
+        <a:scrgbClr r="0" g="0" b="0"/>
+      </a:effectRef>
+      <a:fontRef idx="minor"/>
+    </dgm:style>
+  </dgm:styleLbl>
+  <dgm:styleLbl name="alignImgPlace1">
+    <dgm:scene3d>
+      <a:camera prst="orthographicFront"/>
+      <a:lightRig rig="threePt" dir="t"/>
+    </dgm:scene3d>
+    <dgm:sp3d/>
+    <dgm:txPr/>
+    <dgm:style>
+      <a:lnRef idx="0">
+        <a:scrgbClr r="0" g="0" b="0"/>
+      </a:lnRef>
+      <a:fillRef idx="1">
+        <a:scrgbClr r="0" g="0" b="0"/>
+      </a:fillRef>
+      <a:effectRef idx="2">
+        <a:scrgbClr r="0" g="0" b="0"/>
+      </a:effectRef>
+      <a:fontRef idx="minor"/>
+    </dgm:style>
+  </dgm:styleLbl>
+  <dgm:styleLbl name="bgImgPlace1">
+    <dgm:scene3d>
+      <a:camera prst="orthographicFront"/>
+      <a:lightRig rig="threePt" dir="t"/>
+    </dgm:scene3d>
+    <dgm:sp3d/>
+    <dgm:txPr/>
+    <dgm:style>
+      <a:lnRef idx="0">
+        <a:scrgbClr r="0" g="0" b="0"/>
+      </a:lnRef>
+      <a:fillRef idx="1">
+        <a:scrgbClr r="0" g="0" b="0"/>
+      </a:fillRef>
+      <a:effectRef idx="2">
+        <a:scrgbClr r="0" g="0" b="0"/>
+      </a:effectRef>
+      <a:fontRef idx="minor"/>
+    </dgm:style>
+  </dgm:styleLbl>
+  <dgm:styleLbl name="sibTrans2D1">
+    <dgm:scene3d>
+      <a:camera prst="orthographicFront"/>
+      <a:lightRig rig="threePt" dir="t"/>
+    </dgm:scene3d>
+    <dgm:sp3d/>
+    <dgm:txPr/>
+    <dgm:style>
+      <a:lnRef idx="0">
+        <a:scrgbClr r="0" g="0" b="0"/>
+      </a:lnRef>
+      <a:fillRef idx="3">
+        <a:scrgbClr r="0" g="0" b="0"/>
+      </a:fillRef>
+      <a:effectRef idx="2">
+        <a:scrgbClr r="0" g="0" b="0"/>
+      </a:effectRef>
+      <a:fontRef idx="minor">
+        <a:schemeClr val="lt1"/>
+      </a:fontRef>
+    </dgm:style>
+  </dgm:styleLbl>
+  <dgm:styleLbl name="fgSibTrans2D1">
+    <dgm:scene3d>
+      <a:camera prst="orthographicFront"/>
+      <a:lightRig rig="threePt" dir="t"/>
+    </dgm:scene3d>
+    <dgm:sp3d/>
+    <dgm:txPr/>
+    <dgm:style>
+      <a:lnRef idx="0">
+        <a:scrgbClr r="0" g="0" b="0"/>
+      </a:lnRef>
+      <a:fillRef idx="3">
+        <a:scrgbClr r="0" g="0" b="0"/>
+      </a:fillRef>
+      <a:effectRef idx="2">
+        <a:scrgbClr r="0" g="0" b="0"/>
+      </a:effectRef>
+      <a:fontRef idx="minor">
+        <a:schemeClr val="lt1"/>
+      </a:fontRef>
+    </dgm:style>
+  </dgm:styleLbl>
+  <dgm:styleLbl name="bgSibTrans2D1">
+    <dgm:scene3d>
+      <a:camera prst="orthographicFront"/>
+      <a:lightRig rig="threePt" dir="t"/>
+    </dgm:scene3d>
+    <dgm:sp3d/>
+    <dgm:txPr/>
+    <dgm:style>
+      <a:lnRef idx="0">
+        <a:scrgbClr r="0" g="0" b="0"/>
+      </a:lnRef>
+      <a:fillRef idx="3">
+        <a:scrgbClr r="0" g="0" b="0"/>
+      </a:fillRef>
+      <a:effectRef idx="2">
+        <a:scrgbClr r="0" g="0" b="0"/>
+      </a:effectRef>
+      <a:fontRef idx="minor">
+        <a:schemeClr val="lt1"/>
+      </a:fontRef>
+    </dgm:style>
+  </dgm:styleLbl>
+  <dgm:styleLbl name="sibTrans1D1">
+    <dgm:scene3d>
+      <a:camera prst="orthographicFront"/>
+      <a:lightRig rig="threePt" dir="t"/>
+    </dgm:scene3d>
+    <dgm:sp3d/>
+    <dgm:txPr/>
+    <dgm:style>
+      <a:lnRef idx="1">
+        <a:scrgbClr r="0" g="0" b="0"/>
+      </a:lnRef>
+      <a:fillRef idx="0">
+        <a:scrgbClr r="0" g="0" b="0"/>
+      </a:fillRef>
+      <a:effectRef idx="0">
+        <a:scrgbClr r="0" g="0" b="0"/>
+      </a:effectRef>
+      <a:fontRef idx="minor"/>
+    </dgm:style>
+  </dgm:styleLbl>
+  <dgm:styleLbl name="callout">
+    <dgm:scene3d>
+      <a:camera prst="orthographicFront"/>
+      <a:lightRig rig="threePt" dir="t"/>
+    </dgm:scene3d>
+    <dgm:sp3d/>
+    <dgm:txPr/>
+    <dgm:style>
+      <a:lnRef idx="2">
+        <a:scrgbClr r="0" g="0" b="0"/>
+      </a:lnRef>
+      <a:fillRef idx="1">
+        <a:scrgbClr r="0" g="0" b="0"/>
+      </a:fillRef>
+      <a:effectRef idx="1">
+        <a:scrgbClr r="0" g="0" b="0"/>
+      </a:effectRef>
+      <a:fontRef idx="minor"/>
+    </dgm:style>
+  </dgm:styleLbl>
+  <dgm:styleLbl name="asst0">
+    <dgm:scene3d>
+      <a:camera prst="orthographicFront"/>
+      <a:lightRig rig="threePt" dir="t"/>
+    </dgm:scene3d>
+    <dgm:sp3d/>
+    <dgm:txPr/>
+    <dgm:style>
+      <a:lnRef idx="0">
+        <a:scrgbClr r="0" g="0" b="0"/>
+      </a:lnRef>
+      <a:fillRef idx="3">
+        <a:scrgbClr r="0" g="0" b="0"/>
+      </a:fillRef>
+      <a:effectRef idx="2">
+        <a:scrgbClr r="0" g="0" b="0"/>
+      </a:effectRef>
+      <a:fontRef idx="minor">
+        <a:schemeClr val="lt1"/>
+      </a:fontRef>
+    </dgm:style>
+  </dgm:styleLbl>
+  <dgm:styleLbl name="asst1">
+    <dgm:scene3d>
+      <a:camera prst="orthographicFront"/>
+      <a:lightRig rig="threePt" dir="t"/>
+    </dgm:scene3d>
+    <dgm:sp3d/>
+    <dgm:txPr/>
+    <dgm:style>
+      <a:lnRef idx="0">
+        <a:scrgbClr r="0" g="0" b="0"/>
+      </a:lnRef>
+      <a:fillRef idx="3">
+        <a:scrgbClr r="0" g="0" b="0"/>
+      </a:fillRef>
+      <a:effectRef idx="2">
+        <a:scrgbClr r="0" g="0" b="0"/>
+      </a:effectRef>
+      <a:fontRef idx="minor">
+        <a:schemeClr val="lt1"/>
+      </a:fontRef>
+    </dgm:style>
+  </dgm:styleLbl>
+  <dgm:styleLbl name="asst2">
+    <dgm:scene3d>
+      <a:camera prst="orthographicFront"/>
+      <a:lightRig rig="threePt" dir="t"/>
+    </dgm:scene3d>
+    <dgm:sp3d/>
+    <dgm:txPr/>
+    <dgm:style>
+      <a:lnRef idx="0">
+        <a:scrgbClr r="0" g="0" b="0"/>
+      </a:lnRef>
+      <a:fillRef idx="3">
+        <a:scrgbClr r="0" g="0" b="0"/>
+      </a:fillRef>
+      <a:effectRef idx="2">
+        <a:scrgbClr r="0" g="0" b="0"/>
+      </a:effectRef>
+      <a:fontRef idx="minor">
+        <a:schemeClr val="lt1"/>
+      </a:fontRef>
+    </dgm:style>
+  </dgm:styleLbl>
+  <dgm:styleLbl name="asst3">
+    <dgm:scene3d>
+      <a:camera prst="orthographicFront"/>
+      <a:lightRig rig="threePt" dir="t"/>
+    </dgm:scene3d>
+    <dgm:sp3d/>
+    <dgm:txPr/>
+    <dgm:style>
+      <a:lnRef idx="0">
+        <a:scrgbClr r="0" g="0" b="0"/>
+      </a:lnRef>
+      <a:fillRef idx="3">
+        <a:scrgbClr r="0" g="0" b="0"/>
+      </a:fillRef>
+      <a:effectRef idx="2">
+        <a:scrgbClr r="0" g="0" b="0"/>
+      </a:effectRef>
+      <a:fontRef idx="minor">
+        <a:schemeClr val="lt1"/>
+      </a:fontRef>
+    </dgm:style>
+  </dgm:styleLbl>
+  <dgm:styleLbl name="asst4">
+    <dgm:scene3d>
+      <a:camera prst="orthographicFront"/>
+      <a:lightRig rig="threePt" dir="t"/>
+    </dgm:scene3d>
+    <dgm:sp3d/>
+    <dgm:txPr/>
+    <dgm:style>
+      <a:lnRef idx="0">
+        <a:scrgbClr r="0" g="0" b="0"/>
+      </a:lnRef>
+      <a:fillRef idx="3">
+        <a:scrgbClr r="0" g="0" b="0"/>
+      </a:fillRef>
+      <a:effectRef idx="2">
+        <a:scrgbClr r="0" g="0" b="0"/>
+      </a:effectRef>
+      <a:fontRef idx="minor">
+        <a:schemeClr val="lt1"/>
+      </a:fontRef>
+    </dgm:style>
+  </dgm:styleLbl>
+  <dgm:styleLbl name="parChTrans2D1">
+    <dgm:scene3d>
+      <a:camera prst="orthographicFront"/>
+      <a:lightRig rig="threePt" dir="t"/>
+    </dgm:scene3d>
+    <dgm:sp3d/>
+    <dgm:txPr/>
+    <dgm:style>
+      <a:lnRef idx="0">
+        <a:scrgbClr r="0" g="0" b="0"/>
+      </a:lnRef>
+      <a:fillRef idx="3">
+        <a:scrgbClr r="0" g="0" b="0"/>
+      </a:fillRef>
+      <a:effectRef idx="2">
+        <a:scrgbClr r="0" g="0" b="0"/>
+      </a:effectRef>
+      <a:fontRef idx="minor">
+        <a:schemeClr val="lt1"/>
+      </a:fontRef>
+    </dgm:style>
+  </dgm:styleLbl>
+  <dgm:styleLbl name="parChTrans2D2">
+    <dgm:scene3d>
+      <a:camera prst="orthographicFront"/>
+      <a:lightRig rig="threePt" dir="t"/>
+    </dgm:scene3d>
+    <dgm:sp3d/>
+    <dgm:txPr/>
+    <dgm:style>
+      <a:lnRef idx="0">
+        <a:scrgbClr r="0" g="0" b="0"/>
+      </a:lnRef>
+      <a:fillRef idx="3">
+        <a:scrgbClr r="0" g="0" b="0"/>
+      </a:fillRef>
+      <a:effectRef idx="2">
+        <a:scrgbClr r="0" g="0" b="0"/>
+      </a:effectRef>
+      <a:fontRef idx="minor">
+        <a:schemeClr val="lt1"/>
+      </a:fontRef>
+    </dgm:style>
+  </dgm:styleLbl>
+  <dgm:styleLbl name="parChTrans2D3">
+    <dgm:scene3d>
+      <a:camera prst="orthographicFront"/>
+      <a:lightRig rig="threePt" dir="t"/>
+    </dgm:scene3d>
+    <dgm:sp3d/>
+    <dgm:txPr/>
+    <dgm:style>
+      <a:lnRef idx="1">
+        <a:scrgbClr r="0" g="0" b="0"/>
+      </a:lnRef>
+      <a:fillRef idx="3">
+        <a:scrgbClr r="0" g="0" b="0"/>
+      </a:fillRef>
+      <a:effectRef idx="2">
+        <a:scrgbClr r="0" g="0" b="0"/>
+      </a:effectRef>
+      <a:fontRef idx="minor">
+        <a:schemeClr val="lt1"/>
+      </a:fontRef>
+    </dgm:style>
+  </dgm:styleLbl>
+  <dgm:styleLbl name="parChTrans2D4">
+    <dgm:scene3d>
+      <a:camera prst="orthographicFront"/>
+      <a:lightRig rig="threePt" dir="t"/>
+    </dgm:scene3d>
+    <dgm:sp3d/>
+    <dgm:txPr/>
+    <dgm:style>
+      <a:lnRef idx="1">
+        <a:scrgbClr r="0" g="0" b="0"/>
+      </a:lnRef>
+      <a:fillRef idx="3">
+        <a:scrgbClr r="0" g="0" b="0"/>
+      </a:fillRef>
+      <a:effectRef idx="2">
+        <a:scrgbClr r="0" g="0" b="0"/>
+      </a:effectRef>
+      <a:fontRef idx="minor">
+        <a:schemeClr val="lt1"/>
+      </a:fontRef>
+    </dgm:style>
+  </dgm:styleLbl>
+  <dgm:styleLbl name="parChTrans1D1">
+    <dgm:scene3d>
+      <a:camera prst="orthographicFront"/>
+      <a:lightRig rig="threePt" dir="t"/>
+    </dgm:scene3d>
+    <dgm:sp3d/>
+    <dgm:txPr/>
+    <dgm:style>
+      <a:lnRef idx="1">
+        <a:scrgbClr r="0" g="0" b="0"/>
+      </a:lnRef>
+      <a:fillRef idx="0">
+        <a:scrgbClr r="0" g="0" b="0"/>
+      </a:fillRef>
+      <a:effectRef idx="0">
+        <a:scrgbClr r="0" g="0" b="0"/>
+      </a:effectRef>
+      <a:fontRef idx="minor"/>
+    </dgm:style>
+  </dgm:styleLbl>
+  <dgm:styleLbl name="parChTrans1D2">
+    <dgm:scene3d>
+      <a:camera prst="orthographicFront"/>
+      <a:lightRig rig="threePt" dir="t"/>
+    </dgm:scene3d>
+    <dgm:sp3d/>
+    <dgm:txPr/>
+    <dgm:style>
+      <a:lnRef idx="1">
+        <a:scrgbClr r="0" g="0" b="0"/>
+      </a:lnRef>
+      <a:fillRef idx="0">
+        <a:scrgbClr r="0" g="0" b="0"/>
+      </a:fillRef>
+      <a:effectRef idx="0">
+        <a:scrgbClr r="0" g="0" b="0"/>
+      </a:effectRef>
+      <a:fontRef idx="minor"/>
+    </dgm:style>
+  </dgm:styleLbl>
+  <dgm:styleLbl name="parChTrans1D3">
+    <dgm:scene3d>
+      <a:camera prst="orthographicFront"/>
+      <a:lightRig rig="threePt" dir="t"/>
+    </dgm:scene3d>
+    <dgm:sp3d/>
+    <dgm:txPr/>
+    <dgm:style>
+      <a:lnRef idx="1">
+        <a:scrgbClr r="0" g="0" b="0"/>
+      </a:lnRef>
+      <a:fillRef idx="0">
+        <a:scrgbClr r="0" g="0" b="0"/>
+      </a:fillRef>
+      <a:effectRef idx="0">
+        <a:scrgbClr r="0" g="0" b="0"/>
+      </a:effectRef>
+      <a:fontRef idx="minor"/>
+    </dgm:style>
+  </dgm:styleLbl>
+  <dgm:styleLbl name="parChTrans1D4">
+    <dgm:scene3d>
+      <a:camera prst="orthographicFront"/>
+      <a:lightRig rig="threePt" dir="t"/>
+    </dgm:scene3d>
+    <dgm:sp3d/>
+    <dgm:txPr/>
+    <dgm:style>
+      <a:lnRef idx="1">
+        <a:scrgbClr r="0" g="0" b="0"/>
+      </a:lnRef>
+      <a:fillRef idx="0">
+        <a:scrgbClr r="0" g="0" b="0"/>
+      </a:fillRef>
+      <a:effectRef idx="0">
+        <a:scrgbClr r="0" g="0" b="0"/>
+      </a:effectRef>
+      <a:fontRef idx="minor"/>
+    </dgm:style>
+  </dgm:styleLbl>
+  <dgm:styleLbl name="fgAcc1">
+    <dgm:scene3d>
+      <a:camera prst="orthographicFront"/>
+      <a:lightRig rig="threePt" dir="t"/>
+    </dgm:scene3d>
+    <dgm:sp3d/>
+    <dgm:txPr/>
+    <dgm:style>
+      <a:lnRef idx="1">
+        <a:scrgbClr r="0" g="0" b="0"/>
+      </a:lnRef>
+      <a:fillRef idx="1">
+        <a:scrgbClr r="0" g="0" b="0"/>
+      </a:fillRef>
+      <a:effectRef idx="0">
+        <a:scrgbClr r="0" g="0" b="0"/>
+      </a:effectRef>
+      <a:fontRef idx="minor"/>
+    </dgm:style>
+  </dgm:styleLbl>
+  <dgm:styleLbl name="conFgAcc1">
+    <dgm:scene3d>
+      <a:camera prst="orthographicFront"/>
+      <a:lightRig rig="threePt" dir="t"/>
+    </dgm:scene3d>
+    <dgm:sp3d/>
+    <dgm:txPr/>
+    <dgm:style>
+      <a:lnRef idx="1">
+        <a:scrgbClr r="0" g="0" b="0"/>
+      </a:lnRef>
+      <a:fillRef idx="1">
+        <a:scrgbClr r="0" g="0" b="0"/>
+      </a:fillRef>
+      <a:effectRef idx="0">
+        <a:scrgbClr r="0" g="0" b="0"/>
+      </a:effectRef>
+      <a:fontRef idx="minor"/>
+    </dgm:style>
+  </dgm:styleLbl>
+  <dgm:styleLbl name="alignAcc1">
+    <dgm:scene3d>
+      <a:camera prst="orthographicFront"/>
+      <a:lightRig rig="threePt" dir="t"/>
+    </dgm:scene3d>
+    <dgm:sp3d/>
+    <dgm:txPr/>
+    <dgm:style>
+      <a:lnRef idx="1">
+        <a:scrgbClr r="0" g="0" b="0"/>
+      </a:lnRef>
+      <a:fillRef idx="1">
+        <a:scrgbClr r="0" g="0" b="0"/>
+      </a:fillRef>
+      <a:effectRef idx="0">
+        <a:scrgbClr r="0" g="0" b="0"/>
+      </a:effectRef>
+      <a:fontRef idx="minor"/>
+    </dgm:style>
+  </dgm:styleLbl>
+  <dgm:styleLbl name="trAlignAcc1">
+    <dgm:scene3d>
+      <a:camera prst="orthographicFront"/>
+      <a:lightRig rig="threePt" dir="t"/>
+    </dgm:scene3d>
+    <dgm:sp3d/>
+    <dgm:txPr/>
+    <dgm:style>
+      <a:lnRef idx="1">
+        <a:scrgbClr r="0" g="0" b="0"/>
+      </a:lnRef>
+      <a:fillRef idx="1">
+        <a:scrgbClr r="0" g="0" b="0"/>
+      </a:fillRef>
+      <a:effectRef idx="0">
+        <a:scrgbClr r="0" g="0" b="0"/>
+      </a:effectRef>
+      <a:fontRef idx="minor"/>
+    </dgm:style>
+  </dgm:styleLbl>
+  <dgm:styleLbl name="bgAcc1">
+    <dgm:scene3d>
+      <a:camera prst="orthographicFront"/>
+      <a:lightRig rig="threePt" dir="t"/>
+    </dgm:scene3d>
+    <dgm:sp3d/>
+    <dgm:txPr/>
+    <dgm:style>
+      <a:lnRef idx="1">
+        <a:scrgbClr r="0" g="0" b="0"/>
+      </a:lnRef>
+      <a:fillRef idx="1">
+        <a:scrgbClr r="0" g="0" b="0"/>
+      </a:fillRef>
+      <a:effectRef idx="0">
+        <a:scrgbClr r="0" g="0" b="0"/>
+      </a:effectRef>
+      <a:fontRef idx="minor"/>
+    </dgm:style>
+  </dgm:styleLbl>
+  <dgm:styleLbl name="solidFgAcc1">
+    <dgm:scene3d>
+      <a:camera prst="orthographicFront"/>
+      <a:lightRig rig="threePt" dir="t"/>
+    </dgm:scene3d>
+    <dgm:sp3d/>
+    <dgm:txPr/>
+    <dgm:style>
+      <a:lnRef idx="1">
+        <a:scrgbClr r="0" g="0" b="0"/>
+      </a:lnRef>
+      <a:fillRef idx="1">
+        <a:scrgbClr r="0" g="0" b="0"/>
+      </a:fillRef>
+      <a:effectRef idx="0">
+        <a:scrgbClr r="0" g="0" b="0"/>
+      </a:effectRef>
+      <a:fontRef idx="minor"/>
+    </dgm:style>
+  </dgm:styleLbl>
+  <dgm:styleLbl name="solidAlignAcc1">
+    <dgm:scene3d>
+      <a:camera prst="orthographicFront"/>
+      <a:lightRig rig="threePt" dir="t"/>
+    </dgm:scene3d>
+    <dgm:sp3d/>
+    <dgm:txPr/>
+    <dgm:style>
+      <a:lnRef idx="1">
+        <a:scrgbClr r="0" g="0" b="0"/>
+      </a:lnRef>
+      <a:fillRef idx="1">
+        <a:scrgbClr r="0" g="0" b="0"/>
+      </a:fillRef>
+      <a:effectRef idx="0">
+        <a:scrgbClr r="0" g="0" b="0"/>
+      </a:effectRef>
+      <a:fontRef idx="minor"/>
+    </dgm:style>
+  </dgm:styleLbl>
+  <dgm:styleLbl name="solidBgAcc1">
+    <dgm:scene3d>
+      <a:camera prst="orthographicFront"/>
+      <a:lightRig rig="threePt" dir="t"/>
+    </dgm:scene3d>
+    <dgm:sp3d/>
+    <dgm:txPr/>
+    <dgm:style>
+      <a:lnRef idx="1">
+        <a:scrgbClr r="0" g="0" b="0"/>
+      </a:lnRef>
+      <a:fillRef idx="1">
+        <a:scrgbClr r="0" g="0" b="0"/>
+      </a:fillRef>
+      <a:effectRef idx="0">
+        <a:scrgbClr r="0" g="0" b="0"/>
+      </a:effectRef>
+      <a:fontRef idx="minor"/>
+    </dgm:style>
+  </dgm:styleLbl>
+  <dgm:styleLbl name="fgAccFollowNode1">
+    <dgm:scene3d>
+      <a:camera prst="orthographicFront"/>
+      <a:lightRig rig="threePt" dir="t"/>
+    </dgm:scene3d>
+    <dgm:sp3d/>
+    <dgm:txPr/>
+    <dgm:style>
+      <a:lnRef idx="1">
+        <a:scrgbClr r="0" g="0" b="0"/>
+      </a:lnRef>
+      <a:fillRef idx="1">
+        <a:scrgbClr r="0" g="0" b="0"/>
+      </a:fillRef>
+      <a:effectRef idx="0">
+        <a:scrgbClr r="0" g="0" b="0"/>
+      </a:effectRef>
+      <a:fontRef idx="minor"/>
+    </dgm:style>
+  </dgm:styleLbl>
+  <dgm:styleLbl name="alignAccFollowNode1">
+    <dgm:scene3d>
+      <a:camera prst="orthographicFront"/>
+      <a:lightRig rig="threePt" dir="t"/>
+    </dgm:scene3d>
+    <dgm:sp3d/>
+    <dgm:txPr/>
+    <dgm:style>
+      <a:lnRef idx="1">
+        <a:scrgbClr r="0" g="0" b="0"/>
+      </a:lnRef>
+      <a:fillRef idx="1">
+        <a:scrgbClr r="0" g="0" b="0"/>
+      </a:fillRef>
+      <a:effectRef idx="0">
+        <a:scrgbClr r="0" g="0" b="0"/>
+      </a:effectRef>
+      <a:fontRef idx="minor"/>
+    </dgm:style>
+  </dgm:styleLbl>
+  <dgm:styleLbl name="bgAccFollowNode1">
+    <dgm:scene3d>
+      <a:camera prst="orthographicFront"/>
+      <a:lightRig rig="threePt" dir="t"/>
+    </dgm:scene3d>
+    <dgm:sp3d/>
+    <dgm:txPr/>
+    <dgm:style>
+      <a:lnRef idx="1">
+        <a:scrgbClr r="0" g="0" b="0"/>
+      </a:lnRef>
+      <a:fillRef idx="1">
+        <a:scrgbClr r="0" g="0" b="0"/>
+      </a:fillRef>
+      <a:effectRef idx="0">
+        <a:scrgbClr r="0" g="0" b="0"/>
+      </a:effectRef>
+      <a:fontRef idx="minor"/>
+    </dgm:style>
+  </dgm:styleLbl>
+  <dgm:styleLbl name="fgAcc0">
+    <dgm:scene3d>
+      <a:camera prst="orthographicFront"/>
+      <a:lightRig rig="threePt" dir="t"/>
+    </dgm:scene3d>
+    <dgm:sp3d/>
+    <dgm:txPr/>
+    <dgm:style>
+      <a:lnRef idx="1">
+        <a:scrgbClr r="0" g="0" b="0"/>
+      </a:lnRef>
+      <a:fillRef idx="1">
+        <a:scrgbClr r="0" g="0" b="0"/>
+      </a:fillRef>
+      <a:effectRef idx="0">
+        <a:scrgbClr r="0" g="0" b="0"/>
+      </a:effectRef>
+      <a:fontRef idx="minor"/>
+    </dgm:style>
+  </dgm:styleLbl>
+  <dgm:styleLbl name="fgAcc2">
+    <dgm:scene3d>
+      <a:camera prst="orthographicFront"/>
+      <a:lightRig rig="threePt" dir="t"/>
+    </dgm:scene3d>
+    <dgm:sp3d/>
+    <dgm:txPr/>
+    <dgm:style>
+      <a:lnRef idx="1">
+        <a:scrgbClr r="0" g="0" b="0"/>
+      </a:lnRef>
+      <a:fillRef idx="1">
+        <a:scrgbClr r="0" g="0" b="0"/>
+      </a:fillRef>
+      <a:effectRef idx="0">
+        <a:scrgbClr r="0" g="0" b="0"/>
+      </a:effectRef>
+      <a:fontRef idx="minor"/>
+    </dgm:style>
+  </dgm:styleLbl>
+  <dgm:styleLbl name="fgAcc3">
+    <dgm:scene3d>
+      <a:camera prst="orthographicFront"/>
+      <a:lightRig rig="threePt" dir="t"/>
+    </dgm:scene3d>
+    <dgm:sp3d/>
+    <dgm:txPr/>
+    <dgm:style>
+      <a:lnRef idx="1">
+        <a:scrgbClr r="0" g="0" b="0"/>
+      </a:lnRef>
+      <a:fillRef idx="1">
+        <a:scrgbClr r="0" g="0" b="0"/>
+      </a:fillRef>
+      <a:effectRef idx="0">
+        <a:scrgbClr r="0" g="0" b="0"/>
+      </a:effectRef>
+      <a:fontRef idx="minor"/>
+    </dgm:style>
+  </dgm:styleLbl>
+  <dgm:styleLbl name="fgAcc4">
+    <dgm:scene3d>
+      <a:camera prst="orthographicFront"/>
+      <a:lightRig rig="threePt" dir="t"/>
+    </dgm:scene3d>
+    <dgm:sp3d/>
+    <dgm:txPr/>
+    <dgm:style>
+      <a:lnRef idx="1">
+        <a:scrgbClr r="0" g="0" b="0"/>
+      </a:lnRef>
+      <a:fillRef idx="1">
+        <a:scrgbClr r="0" g="0" b="0"/>
+      </a:fillRef>
+      <a:effectRef idx="0">
+        <a:scrgbClr r="0" g="0" b="0"/>
+      </a:effectRef>
+      <a:fontRef idx="minor"/>
+    </dgm:style>
+  </dgm:styleLbl>
+  <dgm:styleLbl name="bgShp">
+    <dgm:scene3d>
+      <a:camera prst="orthographicFront"/>
+      <a:lightRig rig="threePt" dir="t"/>
+    </dgm:scene3d>
+    <dgm:sp3d/>
+    <dgm:txPr/>
+    <dgm:style>
+      <a:lnRef idx="0">
+        <a:scrgbClr r="0" g="0" b="0"/>
+      </a:lnRef>
+      <a:fillRef idx="1">
+        <a:scrgbClr r="0" g="0" b="0"/>
+      </a:fillRef>
+      <a:effectRef idx="2">
+        <a:scrgbClr r="0" g="0" b="0"/>
+      </a:effectRef>
+      <a:fontRef idx="minor"/>
+    </dgm:style>
+  </dgm:styleLbl>
+  <dgm:styleLbl name="dkBgShp">
+    <dgm:scene3d>
+      <a:camera prst="orthographicFront"/>
+      <a:lightRig rig="threePt" dir="t"/>
+    </dgm:scene3d>
+    <dgm:sp3d/>
+    <dgm:txPr/>
+    <dgm:style>
+      <a:lnRef idx="0">
+        <a:scrgbClr r="0" g="0" b="0"/>
+      </a:lnRef>
+      <a:fillRef idx="1">
+        <a:scrgbClr r="0" g="0" b="0"/>
+      </a:fillRef>
+      <a:effectRef idx="2">
+        <a:scrgbClr r="0" g="0" b="0"/>
+      </a:effectRef>
+      <a:fontRef idx="minor"/>
+    </dgm:style>
+  </dgm:styleLbl>
+  <dgm:styleLbl name="trBgShp">
+    <dgm:scene3d>
+      <a:camera prst="orthographicFront"/>
+      <a:lightRig rig="threePt" dir="t"/>
+    </dgm:scene3d>
+    <dgm:sp3d/>
+    <dgm:txPr/>
+    <dgm:style>
+      <a:lnRef idx="0">
+        <a:scrgbClr r="0" g="0" b="0"/>
+      </a:lnRef>
+      <a:fillRef idx="1">
+        <a:scrgbClr r="0" g="0" b="0"/>
+      </a:fillRef>
+      <a:effectRef idx="0">
+        <a:scrgbClr r="0" g="0" b="0"/>
+      </a:effectRef>
+      <a:fontRef idx="minor"/>
+    </dgm:style>
+  </dgm:styleLbl>
+  <dgm:styleLbl name="fgShp">
+    <dgm:scene3d>
+      <a:camera prst="orthographicFront"/>
+      <a:lightRig rig="threePt" dir="t"/>
+    </dgm:scene3d>
+    <dgm:sp3d/>
+    <dgm:txPr/>
+    <dgm:style>
+      <a:lnRef idx="0">
+        <a:scrgbClr r="0" g="0" b="0"/>
+      </a:lnRef>
+      <a:fillRef idx="3">
+        <a:scrgbClr r="0" g="0" b="0"/>
+      </a:fillRef>
+      <a:effectRef idx="2">
         <a:scrgbClr r="0" g="0" b="0"/>
       </a:effectRef>
       <a:fontRef idx="minor"/>
@@ -19221,7 +24662,7 @@
     <p:bg>
       <p:bgPr>
         <a:solidFill>
-          <a:schemeClr val="bg1"/>
+          <a:srgbClr val="17232A"/>
         </a:solidFill>
         <a:effectLst/>
       </p:bgPr>
@@ -19306,15 +24747,7 @@
           <a:p>
             <a:r>
               <a:rPr lang="en-US" sz="1600" dirty="0"/>
-              <a:t>Summer and Fall have the highest number of accidents. These match with the accidents per month and are something for </a:t>
-            </a:r>
-            <a:r>
-              <a:rPr lang="en-US" sz="1600" dirty="0" err="1"/>
-              <a:t>goverments</a:t>
-            </a:r>
-            <a:r>
-              <a:rPr lang="en-US" sz="1600" dirty="0"/>
-              <a:t> to look at closer and compare to whatever events are in the area. </a:t>
+              <a:t>Summer and Fall have the highest number of accidents. These match with the accidents per month and are something for governments to look at closer and compare to whatever events are in the area. </a:t>
             </a:r>
           </a:p>
         </p:txBody>
@@ -19364,6 +24797,165 @@
 <file path=ppt/slides/slide13.xml><?xml version="1.0" encoding="utf-8"?>
 <p:sld xmlns:a="http://schemas.openxmlformats.org/drawingml/2006/main" xmlns:r="http://schemas.openxmlformats.org/officeDocument/2006/relationships" xmlns:p="http://schemas.openxmlformats.org/presentationml/2006/main">
   <p:cSld>
+    <p:bg>
+      <p:bgPr>
+        <a:solidFill>
+          <a:schemeClr val="bg1"/>
+        </a:solidFill>
+        <a:effectLst/>
+      </p:bgPr>
+    </p:bg>
+    <p:spTree>
+      <p:nvGrpSpPr>
+        <p:cNvPr id="1" name=""/>
+        <p:cNvGrpSpPr/>
+        <p:nvPr/>
+      </p:nvGrpSpPr>
+      <p:grpSpPr>
+        <a:xfrm>
+          <a:off x="0" y="0"/>
+          <a:ext cx="0" cy="0"/>
+          <a:chOff x="0" y="0"/>
+          <a:chExt cx="0" cy="0"/>
+        </a:xfrm>
+      </p:grpSpPr>
+      <p:sp>
+        <p:nvSpPr>
+          <p:cNvPr id="15" name="Rectangle 8">
+            <a:extLst>
+              <a:ext uri="{FF2B5EF4-FFF2-40B4-BE49-F238E27FC236}">
+                <a16:creationId xmlns:a16="http://schemas.microsoft.com/office/drawing/2014/main" id="{78A66977-9B4F-4B2C-AE86-901641B90D53}"/>
+              </a:ext>
+              <a:ext uri="{C183D7F6-B498-43B3-948B-1728B52AA6E4}">
+                <adec:decorative xmlns:adec="http://schemas.microsoft.com/office/drawing/2017/decorative" val="1"/>
+              </a:ext>
+            </a:extLst>
+          </p:cNvPr>
+          <p:cNvSpPr>
+            <a:spLocks noGrp="1" noRot="1" noChangeAspect="1" noMove="1" noResize="1" noEditPoints="1" noAdjustHandles="1" noChangeArrowheads="1" noChangeShapeType="1" noTextEdit="1"/>
+          </p:cNvSpPr>
+          <p:nvPr>
+            <p:extLst>
+              <p:ext uri="{386F3935-93C4-4BCD-93E2-E3B085C9AB24}">
+                <p16:designElem xmlns:p16="http://schemas.microsoft.com/office/powerpoint/2015/main" val="1"/>
+              </p:ext>
+            </p:extLst>
+          </p:nvPr>
+        </p:nvSpPr>
+        <p:spPr>
+          <a:xfrm>
+            <a:off x="234696" y="237744"/>
+            <a:ext cx="11722608" cy="6382512"/>
+          </a:xfrm>
+          <a:prstGeom prst="rect">
+            <a:avLst/>
+          </a:prstGeom>
+          <a:solidFill>
+            <a:schemeClr val="bg1">
+              <a:lumMod val="75000"/>
+              <a:alpha val="60000"/>
+            </a:schemeClr>
+          </a:solidFill>
+          <a:ln w="6350" cap="flat" cmpd="sng" algn="ctr">
+            <a:noFill/>
+            <a:prstDash val="solid"/>
+          </a:ln>
+          <a:effectLst>
+            <a:softEdge rad="0"/>
+          </a:effectLst>
+        </p:spPr>
+      </p:sp>
+      <p:sp>
+        <p:nvSpPr>
+          <p:cNvPr id="2" name="Title 1">
+            <a:extLst>
+              <a:ext uri="{FF2B5EF4-FFF2-40B4-BE49-F238E27FC236}">
+                <a16:creationId xmlns:a16="http://schemas.microsoft.com/office/drawing/2014/main" id="{9CCCAB64-D3DC-4A11-AC78-14716C0F642F}"/>
+              </a:ext>
+            </a:extLst>
+          </p:cNvPr>
+          <p:cNvSpPr>
+            <a:spLocks noGrp="1"/>
+          </p:cNvSpPr>
+          <p:nvPr>
+            <p:ph type="title"/>
+          </p:nvPr>
+        </p:nvSpPr>
+        <p:spPr>
+          <a:xfrm>
+            <a:off x="1066800" y="642594"/>
+            <a:ext cx="10058400" cy="1371600"/>
+          </a:xfrm>
+        </p:spPr>
+        <p:txBody>
+          <a:bodyPr>
+            <a:normAutofit/>
+          </a:bodyPr>
+          <a:lstStyle/>
+          <a:p>
+            <a:r>
+              <a:rPr lang="en-US" sz="3000"/>
+              <a:t>How do the available factors contribute to accident seriousness?</a:t>
+            </a:r>
+            <a:br>
+              <a:rPr lang="en-US" sz="3000"/>
+            </a:br>
+            <a:endParaRPr lang="en-US" sz="3000"/>
+          </a:p>
+        </p:txBody>
+      </p:sp>
+      <p:graphicFrame>
+        <p:nvGraphicFramePr>
+          <p:cNvPr id="4" name="Diagram 3">
+            <a:extLst>
+              <a:ext uri="{FF2B5EF4-FFF2-40B4-BE49-F238E27FC236}">
+                <a16:creationId xmlns:a16="http://schemas.microsoft.com/office/drawing/2014/main" id="{C97A4C93-AB6F-4161-B30B-D291290FBDC4}"/>
+              </a:ext>
+            </a:extLst>
+          </p:cNvPr>
+          <p:cNvGraphicFramePr/>
+          <p:nvPr>
+            <p:extLst>
+              <p:ext uri="{D42A27DB-BD31-4B8C-83A1-F6EECF244321}">
+                <p14:modId xmlns:p14="http://schemas.microsoft.com/office/powerpoint/2010/main" val="3402574653"/>
+              </p:ext>
+            </p:extLst>
+          </p:nvPr>
+        </p:nvGraphicFramePr>
+        <p:xfrm>
+          <a:off x="1066800" y="1634197"/>
+          <a:ext cx="10058400" cy="3849624"/>
+        </p:xfrm>
+        <a:graphic>
+          <a:graphicData uri="http://schemas.openxmlformats.org/drawingml/2006/diagram">
+            <dgm:relIds xmlns:dgm="http://schemas.openxmlformats.org/drawingml/2006/diagram" xmlns:r="http://schemas.openxmlformats.org/officeDocument/2006/relationships" r:dm="rId2" r:lo="rId3" r:qs="rId4" r:cs="rId5"/>
+          </a:graphicData>
+        </a:graphic>
+      </p:graphicFrame>
+    </p:spTree>
+    <p:extLst>
+      <p:ext uri="{BB962C8B-B14F-4D97-AF65-F5344CB8AC3E}">
+        <p14:creationId xmlns:p14="http://schemas.microsoft.com/office/powerpoint/2010/main" val="2484998199"/>
+      </p:ext>
+    </p:extLst>
+  </p:cSld>
+  <p:clrMapOvr>
+    <a:overrideClrMapping bg1="dk1" tx1="lt1" bg2="dk2" tx2="lt2" accent1="accent1" accent2="accent2" accent3="accent3" accent4="accent4" accent5="accent5" accent6="accent6" hlink="hlink" folHlink="folHlink"/>
+  </p:clrMapOvr>
+</p:sld>
+</file>
+
+<file path=ppt/slides/slide14.xml><?xml version="1.0" encoding="utf-8"?>
+<p:sld xmlns:a="http://schemas.openxmlformats.org/drawingml/2006/main" xmlns:r="http://schemas.openxmlformats.org/officeDocument/2006/relationships" xmlns:p="http://schemas.openxmlformats.org/presentationml/2006/main">
+  <p:cSld>
+    <p:bg>
+      <p:bgPr>
+        <a:solidFill>
+          <a:schemeClr val="bg1"/>
+        </a:solidFill>
+        <a:effectLst/>
+      </p:bgPr>
+    </p:bg>
     <p:spTree>
       <p:nvGrpSpPr>
         <p:cNvPr id="1" name=""/>
@@ -19394,21 +24986,36 @@
             <p:ph type="title"/>
           </p:nvPr>
         </p:nvSpPr>
-        <p:spPr/>
+        <p:spPr>
+          <a:xfrm>
+            <a:off x="1066800" y="642594"/>
+            <a:ext cx="10058400" cy="1371600"/>
+          </a:xfrm>
+        </p:spPr>
         <p:txBody>
-          <a:bodyPr/>
+          <a:bodyPr>
+            <a:normAutofit/>
+          </a:bodyPr>
           <a:lstStyle/>
           <a:p>
-            <a:endParaRPr lang="en-US"/>
+            <a:pPr algn="ctr"/>
+            <a:r>
+              <a:rPr lang="en-US" sz="3200" dirty="0"/>
+              <a:t>Did Police Officer Attend Scene Of Accident</a:t>
+            </a:r>
+            <a:br>
+              <a:rPr lang="en-US" sz="1600" dirty="0"/>
+            </a:br>
+            <a:endParaRPr lang="en-US" sz="1600" dirty="0"/>
           </a:p>
         </p:txBody>
       </p:sp>
       <p:sp>
         <p:nvSpPr>
-          <p:cNvPr id="3" name="Content Placeholder 2">
+          <p:cNvPr id="8" name="Content Placeholder 7">
             <a:extLst>
               <a:ext uri="{FF2B5EF4-FFF2-40B4-BE49-F238E27FC236}">
-                <a16:creationId xmlns:a16="http://schemas.microsoft.com/office/drawing/2014/main" id="{2EAB20BD-3695-4BE1-BF6A-3E8E41AF0264}"/>
+                <a16:creationId xmlns:a16="http://schemas.microsoft.com/office/drawing/2014/main" id="{A603916C-B05C-4772-B02D-8E95D4BFCE04}"/>
               </a:ext>
             </a:extLst>
           </p:cNvPr>
@@ -19424,24 +25031,24 @@
           <a:bodyPr/>
           <a:lstStyle/>
           <a:p>
-            <a:endParaRPr lang="en-US"/>
+            <a:endParaRPr lang="en-US" dirty="0"/>
           </a:p>
         </p:txBody>
       </p:sp>
     </p:spTree>
     <p:extLst>
       <p:ext uri="{BB962C8B-B14F-4D97-AF65-F5344CB8AC3E}">
-        <p14:creationId xmlns:p14="http://schemas.microsoft.com/office/powerpoint/2010/main" val="449305041"/>
+        <p14:creationId xmlns:p14="http://schemas.microsoft.com/office/powerpoint/2010/main" val="947398547"/>
       </p:ext>
     </p:extLst>
   </p:cSld>
   <p:clrMapOvr>
-    <a:masterClrMapping/>
+    <a:overrideClrMapping bg1="dk1" tx1="lt1" bg2="dk2" tx2="lt2" accent1="accent1" accent2="accent2" accent3="accent3" accent4="accent4" accent5="accent5" accent6="accent6" hlink="hlink" folHlink="folHlink"/>
   </p:clrMapOvr>
 </p:sld>
 </file>
 
-<file path=ppt/slides/slide14.xml><?xml version="1.0" encoding="utf-8"?>
+<file path=ppt/slides/slide15.xml><?xml version="1.0" encoding="utf-8"?>
 <p:sld xmlns:a="http://schemas.openxmlformats.org/drawingml/2006/main" xmlns:r="http://schemas.openxmlformats.org/officeDocument/2006/relationships" xmlns:p="http://schemas.openxmlformats.org/presentationml/2006/main">
   <p:cSld>
     <p:spTree>
@@ -19479,7 +25086,7 @@
           <a:bodyPr/>
           <a:lstStyle/>
           <a:p>
-            <a:endParaRPr lang="en-US"/>
+            <a:endParaRPr lang="en-US" dirty="0"/>
           </a:p>
         </p:txBody>
       </p:sp>
@@ -19504,7 +25111,7 @@
           <a:bodyPr/>
           <a:lstStyle/>
           <a:p>
-            <a:endParaRPr lang="en-US"/>
+            <a:endParaRPr lang="en-US" dirty="0"/>
           </a:p>
         </p:txBody>
       </p:sp>
@@ -19521,7 +25128,7 @@
 </p:sld>
 </file>
 
-<file path=ppt/slides/slide15.xml><?xml version="1.0" encoding="utf-8"?>
+<file path=ppt/slides/slide16.xml><?xml version="1.0" encoding="utf-8"?>
 <p:sld xmlns:a="http://schemas.openxmlformats.org/drawingml/2006/main" xmlns:r="http://schemas.openxmlformats.org/officeDocument/2006/relationships" xmlns:p="http://schemas.openxmlformats.org/presentationml/2006/main">
   <p:cSld>
     <p:spTree>
@@ -19559,7 +25166,7 @@
           <a:bodyPr/>
           <a:lstStyle/>
           <a:p>
-            <a:endParaRPr lang="en-US"/>
+            <a:endParaRPr lang="en-US" dirty="0"/>
           </a:p>
         </p:txBody>
       </p:sp>
@@ -19584,7 +25191,7 @@
           <a:bodyPr/>
           <a:lstStyle/>
           <a:p>
-            <a:endParaRPr lang="en-US"/>
+            <a:endParaRPr lang="en-US" dirty="0"/>
           </a:p>
         </p:txBody>
       </p:sp>
@@ -19601,7 +25208,7 @@
 </p:sld>
 </file>
 
-<file path=ppt/slides/slide16.xml><?xml version="1.0" encoding="utf-8"?>
+<file path=ppt/slides/slide17.xml><?xml version="1.0" encoding="utf-8"?>
 <p:sld xmlns:a="http://schemas.openxmlformats.org/drawingml/2006/main" xmlns:r="http://schemas.openxmlformats.org/officeDocument/2006/relationships" xmlns:p="http://schemas.openxmlformats.org/presentationml/2006/main">
   <p:cSld>
     <p:spTree>
@@ -19889,15 +25496,7 @@
           <a:p>
             <a:r>
               <a:rPr lang="en-US" dirty="0"/>
-              <a:t>For machine learning, decision tree and ensemble methods through </a:t>
-            </a:r>
-            <a:r>
-              <a:rPr lang="en-US" dirty="0" err="1"/>
-              <a:t>sklearn</a:t>
-            </a:r>
-            <a:r>
-              <a:rPr lang="en-US" dirty="0"/>
-              <a:t> will be used, and from them the best performing method will be implemented. </a:t>
+              <a:t>For machine learning, decision tree and ensemble methods through sklearn will be used, and from them the best performing method will be implemented. </a:t>
             </a:r>
           </a:p>
           <a:p>
@@ -19951,10 +25550,9 @@
           <a:p>
             <a:pPr lvl="1"/>
             <a:r>
-              <a:rPr lang="en-US" dirty="0" err="1"/>
+              <a:rPr lang="en-US" dirty="0"/>
               <a:t>XGBoost</a:t>
             </a:r>
-            <a:endParaRPr lang="en-US" dirty="0"/>
           </a:p>
           <a:p>
             <a:pPr lvl="1"/>
@@ -19966,10 +25564,9 @@
           <a:p>
             <a:pPr lvl="1"/>
             <a:r>
-              <a:rPr lang="en-US" dirty="0" err="1"/>
+              <a:rPr lang="en-US" dirty="0"/>
               <a:t>CatBoost</a:t>
             </a:r>
-            <a:endParaRPr lang="en-US" dirty="0"/>
           </a:p>
           <a:p>
             <a:pPr lvl="1"/>
@@ -20941,7 +26538,7 @@
             <p:ph idx="1"/>
             <p:extLst>
               <p:ext uri="{D42A27DB-BD31-4B8C-83A1-F6EECF244321}">
-                <p14:modId xmlns:p14="http://schemas.microsoft.com/office/powerpoint/2010/main" val="12127819"/>
+                <p14:modId xmlns:p14="http://schemas.microsoft.com/office/powerpoint/2010/main" val="2765578436"/>
               </p:ext>
             </p:extLst>
           </p:nvPr>
@@ -21133,13 +26730,13 @@
           <a:p>
             <a:pPr algn="ctr"/>
             <a:r>
-              <a:rPr lang="en-US" sz="4400"/>
+              <a:rPr lang="en-US" sz="4400" dirty="0"/>
               <a:t>When do/did the most accidents happen?</a:t>
             </a:r>
             <a:br>
-              <a:rPr lang="en-US" sz="4400"/>
+              <a:rPr lang="en-US" sz="4400" dirty="0"/>
             </a:br>
-            <a:endParaRPr lang="en-US" sz="4400"/>
+            <a:endParaRPr lang="en-US" sz="4400" dirty="0"/>
           </a:p>
         </p:txBody>
       </p:sp>

--- a/Traffic Analysis and Severity Prediction.pptx
+++ b/Traffic Analysis and Severity Prediction.pptx
@@ -35501,7 +35501,7 @@
             <a:pPr algn="ctr"/>
             <a:r>
               <a:rPr lang="en-US" dirty="0"/>
-              <a:t>Possible Solutions</a:t>
+              <a:t>Possible Solution</a:t>
             </a:r>
           </a:p>
         </p:txBody>
@@ -35535,6 +35535,71 @@
             <a:r>
               <a:rPr lang="en-US" dirty="0"/>
               <a:t>From the data above more controlled areas would be beneficial. Maybe signs alerting drivers of the upcoming junctions, traffic lights, or stop signs would help in some of these areas where they are feasible. </a:t>
+            </a:r>
+          </a:p>
+        </p:txBody>
+      </p:sp>
+      <p:pic>
+        <p:nvPicPr>
+          <p:cNvPr id="4" name="Picture 3" descr="A picture containing indoor, green, food, tray&#10;&#10;Description automatically generated">
+            <a:extLst>
+              <a:ext uri="{FF2B5EF4-FFF2-40B4-BE49-F238E27FC236}">
+                <a16:creationId xmlns:a16="http://schemas.microsoft.com/office/drawing/2014/main" id="{AD61C49E-CBFF-4338-B26C-A6288C87491B}"/>
+              </a:ext>
+            </a:extLst>
+          </p:cNvPr>
+          <p:cNvPicPr>
+            <a:picLocks noChangeAspect="1"/>
+          </p:cNvPicPr>
+          <p:nvPr/>
+        </p:nvPicPr>
+        <p:blipFill>
+          <a:blip r:embed="rId2"/>
+          <a:stretch>
+            <a:fillRect/>
+          </a:stretch>
+        </p:blipFill>
+        <p:spPr>
+          <a:xfrm>
+            <a:off x="3790765" y="2959102"/>
+            <a:ext cx="3355759" cy="2143125"/>
+          </a:xfrm>
+          <a:prstGeom prst="rect">
+            <a:avLst/>
+          </a:prstGeom>
+        </p:spPr>
+      </p:pic>
+      <p:sp>
+        <p:nvSpPr>
+          <p:cNvPr id="6" name="TextBox 5">
+            <a:extLst>
+              <a:ext uri="{FF2B5EF4-FFF2-40B4-BE49-F238E27FC236}">
+                <a16:creationId xmlns:a16="http://schemas.microsoft.com/office/drawing/2014/main" id="{C0DE2482-1658-458B-8E43-63CF09E57FAC}"/>
+              </a:ext>
+            </a:extLst>
+          </p:cNvPr>
+          <p:cNvSpPr txBox="1"/>
+          <p:nvPr/>
+        </p:nvSpPr>
+        <p:spPr>
+          <a:xfrm>
+            <a:off x="1154097" y="5459767"/>
+            <a:ext cx="10058400" cy="646331"/>
+          </a:xfrm>
+          <a:prstGeom prst="rect">
+            <a:avLst/>
+          </a:prstGeom>
+          <a:noFill/>
+        </p:spPr>
+        <p:txBody>
+          <a:bodyPr wrap="square" rtlCol="0">
+            <a:spAutoFit/>
+          </a:bodyPr>
+          <a:lstStyle/>
+          <a:p>
+            <a:r>
+              <a:rPr lang="en-US" dirty="0"/>
+              <a:t>For example, this is a staggered junction, the main junction detail in accidents. One can understand how a situation such as these can lead to numerous accidents especially if proper signage is not available. </a:t>
             </a:r>
           </a:p>
         </p:txBody>

--- a/Traffic Analysis and Severity Prediction.pptx
+++ b/Traffic Analysis and Severity Prediction.pptx
@@ -5,7 +5,7 @@
     <p:sldMasterId id="2147483705" r:id="rId1"/>
   </p:sldMasterIdLst>
   <p:notesMasterIdLst>
-    <p:notesMasterId r:id="rId37"/>
+    <p:notesMasterId r:id="rId39"/>
   </p:notesMasterIdLst>
   <p:sldIdLst>
     <p:sldId id="256" r:id="rId2"/>
@@ -42,7 +42,9 @@
     <p:sldId id="298" r:id="rId33"/>
     <p:sldId id="300" r:id="rId34"/>
     <p:sldId id="301" r:id="rId35"/>
-    <p:sldId id="266" r:id="rId36"/>
+    <p:sldId id="302" r:id="rId36"/>
+    <p:sldId id="303" r:id="rId37"/>
+    <p:sldId id="304" r:id="rId38"/>
   </p:sldIdLst>
   <p:sldSz cx="12192000" cy="6858000"/>
   <p:notesSz cx="6858000" cy="9144000"/>
@@ -7713,89 +7715,6 @@
         </a:p>
       </dgm:t>
     </dgm:pt>
-    <dgm:pt modelId="{3DDA2AED-A76B-43F7-8B44-7B8D28056765}">
-      <dgm:prSet/>
-      <dgm:spPr/>
-      <dgm:t>
-        <a:bodyPr/>
-        <a:lstStyle/>
-        <a:p>
-          <a:pPr>
-            <a:lnSpc>
-              <a:spcPct val="100000"/>
-            </a:lnSpc>
-            <a:defRPr b="1"/>
-          </a:pPr>
-          <a:r>
-            <a:rPr lang="en-US" dirty="0"/>
-            <a:t>Insurance companies</a:t>
-          </a:r>
-        </a:p>
-      </dgm:t>
-    </dgm:pt>
-    <dgm:pt modelId="{37045332-7A7B-43BF-B1A0-070DA912864F}" type="parTrans" cxnId="{4C4D3E57-D017-461D-A1C1-E3791ED67965}">
-      <dgm:prSet/>
-      <dgm:spPr/>
-      <dgm:t>
-        <a:bodyPr/>
-        <a:lstStyle/>
-        <a:p>
-          <a:endParaRPr lang="en-US"/>
-        </a:p>
-      </dgm:t>
-    </dgm:pt>
-    <dgm:pt modelId="{3802B9E2-6F4B-4FCB-83F1-9A5F829F2338}" type="sibTrans" cxnId="{4C4D3E57-D017-461D-A1C1-E3791ED67965}">
-      <dgm:prSet/>
-      <dgm:spPr/>
-      <dgm:t>
-        <a:bodyPr/>
-        <a:lstStyle/>
-        <a:p>
-          <a:endParaRPr lang="en-US"/>
-        </a:p>
-      </dgm:t>
-    </dgm:pt>
-    <dgm:pt modelId="{B8298D94-CF92-438D-865C-07DD6E6E78B5}">
-      <dgm:prSet/>
-      <dgm:spPr/>
-      <dgm:t>
-        <a:bodyPr/>
-        <a:lstStyle/>
-        <a:p>
-          <a:pPr>
-            <a:lnSpc>
-              <a:spcPct val="100000"/>
-            </a:lnSpc>
-          </a:pPr>
-          <a:r>
-            <a:rPr lang="en-US" dirty="0"/>
-            <a:t>Calculate rates by area, age groups, and car types</a:t>
-          </a:r>
-        </a:p>
-      </dgm:t>
-    </dgm:pt>
-    <dgm:pt modelId="{B44029A4-C02D-42D7-819A-582FC78C852C}" type="parTrans" cxnId="{955ADD77-9DD2-472A-967A-BC5B6404682D}">
-      <dgm:prSet/>
-      <dgm:spPr/>
-      <dgm:t>
-        <a:bodyPr/>
-        <a:lstStyle/>
-        <a:p>
-          <a:endParaRPr lang="en-US"/>
-        </a:p>
-      </dgm:t>
-    </dgm:pt>
-    <dgm:pt modelId="{17684FD4-F52D-4EAF-A9C4-5B452A43E620}" type="sibTrans" cxnId="{955ADD77-9DD2-472A-967A-BC5B6404682D}">
-      <dgm:prSet/>
-      <dgm:spPr/>
-      <dgm:t>
-        <a:bodyPr/>
-        <a:lstStyle/>
-        <a:p>
-          <a:endParaRPr lang="en-US"/>
-        </a:p>
-      </dgm:t>
-    </dgm:pt>
     <dgm:pt modelId="{88B4A8DF-321E-41F7-9ACC-22B7E23807BA}" type="pres">
       <dgm:prSet presAssocID="{7FBEDE63-63BD-44B4-8266-F9AF3A27E099}" presName="root" presStyleCnt="0">
         <dgm:presLayoutVars>
@@ -7810,7 +7729,7 @@
       <dgm:spPr/>
     </dgm:pt>
     <dgm:pt modelId="{7D1AC9AA-66B4-4A70-8DC6-80AB4A43B3C3}" type="pres">
-      <dgm:prSet presAssocID="{C738660C-B90D-4F6E-8E14-7BE55677CFA3}" presName="iconRect" presStyleLbl="node1" presStyleIdx="0" presStyleCnt="2"/>
+      <dgm:prSet presAssocID="{C738660C-B90D-4F6E-8E14-7BE55677CFA3}" presName="iconRect" presStyleLbl="node1" presStyleIdx="0" presStyleCnt="1"/>
       <dgm:spPr>
         <a:blipFill>
           <a:blip xmlns:r="http://schemas.openxmlformats.org/officeDocument/2006/relationships" r:embed="rId1">
@@ -7842,7 +7761,7 @@
       <dgm:spPr/>
     </dgm:pt>
     <dgm:pt modelId="{2A08189C-11B7-43C8-A9FF-1BAFF22A9C4A}" type="pres">
-      <dgm:prSet presAssocID="{C738660C-B90D-4F6E-8E14-7BE55677CFA3}" presName="parTx" presStyleLbl="revTx" presStyleIdx="0" presStyleCnt="4">
+      <dgm:prSet presAssocID="{C738660C-B90D-4F6E-8E14-7BE55677CFA3}" presName="parTx" presStyleLbl="revTx" presStyleIdx="0" presStyleCnt="2">
         <dgm:presLayoutVars>
           <dgm:chMax val="0"/>
           <dgm:chPref val="0"/>
@@ -7855,66 +7774,7 @@
       <dgm:spPr/>
     </dgm:pt>
     <dgm:pt modelId="{8237FF8B-1C60-4D00-8617-D88B42E8300A}" type="pres">
-      <dgm:prSet presAssocID="{C738660C-B90D-4F6E-8E14-7BE55677CFA3}" presName="desTx" presStyleLbl="revTx" presStyleIdx="1" presStyleCnt="4">
-        <dgm:presLayoutVars/>
-      </dgm:prSet>
-      <dgm:spPr/>
-    </dgm:pt>
-    <dgm:pt modelId="{596ED487-1D5E-46FD-95A6-AEAF4BDF0368}" type="pres">
-      <dgm:prSet presAssocID="{B56DA004-7D3B-4EA7-B249-B09C37087319}" presName="sibTrans" presStyleCnt="0"/>
-      <dgm:spPr/>
-    </dgm:pt>
-    <dgm:pt modelId="{227B4BAF-C78C-40E3-B280-67D2BC7E9A7E}" type="pres">
-      <dgm:prSet presAssocID="{3DDA2AED-A76B-43F7-8B44-7B8D28056765}" presName="compNode" presStyleCnt="0"/>
-      <dgm:spPr/>
-    </dgm:pt>
-    <dgm:pt modelId="{4F0BA443-FF96-42A4-AC84-B564DEF34764}" type="pres">
-      <dgm:prSet presAssocID="{3DDA2AED-A76B-43F7-8B44-7B8D28056765}" presName="iconRect" presStyleLbl="node1" presStyleIdx="1" presStyleCnt="2"/>
-      <dgm:spPr>
-        <a:blipFill>
-          <a:blip xmlns:r="http://schemas.openxmlformats.org/officeDocument/2006/relationships" r:embed="rId3">
-            <a:extLst>
-              <a:ext uri="{28A0092B-C50C-407E-A947-70E740481C1C}">
-                <a14:useLocalDpi xmlns:a14="http://schemas.microsoft.com/office/drawing/2010/main" val="0"/>
-              </a:ext>
-              <a:ext uri="{96DAC541-7B7A-43D3-8B79-37D633B846F1}">
-                <asvg:svgBlip xmlns:asvg="http://schemas.microsoft.com/office/drawing/2016/SVG/main" r:embed="rId4"/>
-              </a:ext>
-            </a:extLst>
-          </a:blip>
-          <a:stretch>
-            <a:fillRect/>
-          </a:stretch>
-        </a:blipFill>
-        <a:ln>
-          <a:noFill/>
-        </a:ln>
-      </dgm:spPr>
-      <dgm:extLst>
-        <a:ext uri="{E40237B7-FDA0-4F09-8148-C483321AD2D9}">
-          <dgm14:cNvPr xmlns:dgm14="http://schemas.microsoft.com/office/drawing/2010/diagram" id="0" name="" descr="Car"/>
-        </a:ext>
-      </dgm:extLst>
-    </dgm:pt>
-    <dgm:pt modelId="{277D7F3C-C663-41A9-A9B9-94F4AD61A806}" type="pres">
-      <dgm:prSet presAssocID="{3DDA2AED-A76B-43F7-8B44-7B8D28056765}" presName="iconSpace" presStyleCnt="0"/>
-      <dgm:spPr/>
-    </dgm:pt>
-    <dgm:pt modelId="{A1E3E098-DCEF-46B7-B2FE-A250A582B843}" type="pres">
-      <dgm:prSet presAssocID="{3DDA2AED-A76B-43F7-8B44-7B8D28056765}" presName="parTx" presStyleLbl="revTx" presStyleIdx="2" presStyleCnt="4">
-        <dgm:presLayoutVars>
-          <dgm:chMax val="0"/>
-          <dgm:chPref val="0"/>
-        </dgm:presLayoutVars>
-      </dgm:prSet>
-      <dgm:spPr/>
-    </dgm:pt>
-    <dgm:pt modelId="{036134D2-680A-416E-9DBE-2C5A19C6C5C8}" type="pres">
-      <dgm:prSet presAssocID="{3DDA2AED-A76B-43F7-8B44-7B8D28056765}" presName="txSpace" presStyleCnt="0"/>
-      <dgm:spPr/>
-    </dgm:pt>
-    <dgm:pt modelId="{42AA0E0B-DE40-41DB-9F57-9A82FE308CB2}" type="pres">
-      <dgm:prSet presAssocID="{3DDA2AED-A76B-43F7-8B44-7B8D28056765}" presName="desTx" presStyleLbl="revTx" presStyleIdx="3" presStyleCnt="4">
+      <dgm:prSet presAssocID="{C738660C-B90D-4F6E-8E14-7BE55677CFA3}" presName="desTx" presStyleLbl="revTx" presStyleIdx="1" presStyleCnt="2">
         <dgm:presLayoutVars/>
       </dgm:prSet>
       <dgm:spPr/>
@@ -7924,13 +7784,9 @@
     <dgm:cxn modelId="{FF0D2C03-C365-458B-8E5D-40CB1EE8215A}" type="presOf" srcId="{C738660C-B90D-4F6E-8E14-7BE55677CFA3}" destId="{2A08189C-11B7-43C8-A9FF-1BAFF22A9C4A}" srcOrd="0" destOrd="0" presId="urn:microsoft.com/office/officeart/2018/5/layout/CenteredIconLabelDescriptionList"/>
     <dgm:cxn modelId="{4FF49308-49E0-4560-A008-D004DBE5BDDA}" type="presOf" srcId="{2257EB81-DF8A-4A11-BA10-B444A5C7307F}" destId="{8237FF8B-1C60-4D00-8617-D88B42E8300A}" srcOrd="0" destOrd="1" presId="urn:microsoft.com/office/officeart/2018/5/layout/CenteredIconLabelDescriptionList"/>
     <dgm:cxn modelId="{9E5C531D-4FDB-4D7C-B407-9102D89AEB10}" type="presOf" srcId="{7FBEDE63-63BD-44B4-8266-F9AF3A27E099}" destId="{88B4A8DF-321E-41F7-9ACC-22B7E23807BA}" srcOrd="0" destOrd="0" presId="urn:microsoft.com/office/officeart/2018/5/layout/CenteredIconLabelDescriptionList"/>
-    <dgm:cxn modelId="{CE0CEB28-6A90-4AEA-8B9D-F4A3FE18DCCE}" type="presOf" srcId="{3DDA2AED-A76B-43F7-8B44-7B8D28056765}" destId="{A1E3E098-DCEF-46B7-B2FE-A250A582B843}" srcOrd="0" destOrd="0" presId="urn:microsoft.com/office/officeart/2018/5/layout/CenteredIconLabelDescriptionList"/>
     <dgm:cxn modelId="{12F9F843-6933-490C-9792-9D414A409BAA}" srcId="{C738660C-B90D-4F6E-8E14-7BE55677CFA3}" destId="{2257EB81-DF8A-4A11-BA10-B444A5C7307F}" srcOrd="1" destOrd="0" parTransId="{3945DC73-241D-4049-B3DA-719D6A03E7B7}" sibTransId="{EE079B74-06F6-47F9-91E6-694FEF800524}"/>
     <dgm:cxn modelId="{6029894A-18F2-4EDD-AC50-884F7F06A733}" srcId="{C738660C-B90D-4F6E-8E14-7BE55677CFA3}" destId="{3A9AC44B-85AF-476F-8DE0-0DD27A499F89}" srcOrd="2" destOrd="0" parTransId="{3A365C32-38CD-4212-87FF-58EB6C971243}" sibTransId="{D2F850BE-0142-40A2-8451-FF6F118BBE5D}"/>
     <dgm:cxn modelId="{12450072-BFAF-4AEF-BE73-218EA88C3CFF}" type="presOf" srcId="{4C91B28B-4C41-4899-B458-41FE6E28B508}" destId="{8237FF8B-1C60-4D00-8617-D88B42E8300A}" srcOrd="0" destOrd="3" presId="urn:microsoft.com/office/officeart/2018/5/layout/CenteredIconLabelDescriptionList"/>
-    <dgm:cxn modelId="{37606554-A8D0-4B0B-A058-C23E706F1DB2}" type="presOf" srcId="{B8298D94-CF92-438D-865C-07DD6E6E78B5}" destId="{42AA0E0B-DE40-41DB-9F57-9A82FE308CB2}" srcOrd="0" destOrd="0" presId="urn:microsoft.com/office/officeart/2018/5/layout/CenteredIconLabelDescriptionList"/>
-    <dgm:cxn modelId="{4C4D3E57-D017-461D-A1C1-E3791ED67965}" srcId="{7FBEDE63-63BD-44B4-8266-F9AF3A27E099}" destId="{3DDA2AED-A76B-43F7-8B44-7B8D28056765}" srcOrd="1" destOrd="0" parTransId="{37045332-7A7B-43BF-B1A0-070DA912864F}" sibTransId="{3802B9E2-6F4B-4FCB-83F1-9A5F829F2338}"/>
-    <dgm:cxn modelId="{955ADD77-9DD2-472A-967A-BC5B6404682D}" srcId="{3DDA2AED-A76B-43F7-8B44-7B8D28056765}" destId="{B8298D94-CF92-438D-865C-07DD6E6E78B5}" srcOrd="0" destOrd="0" parTransId="{B44029A4-C02D-42D7-819A-582FC78C852C}" sibTransId="{17684FD4-F52D-4EAF-A9C4-5B452A43E620}"/>
     <dgm:cxn modelId="{89A99687-59F0-417A-9656-5F8970017312}" srcId="{7FBEDE63-63BD-44B4-8266-F9AF3A27E099}" destId="{C738660C-B90D-4F6E-8E14-7BE55677CFA3}" srcOrd="0" destOrd="0" parTransId="{054ED73E-A7D9-4256-8CA7-4E47B54C664A}" sibTransId="{B56DA004-7D3B-4EA7-B249-B09C37087319}"/>
     <dgm:cxn modelId="{895273A8-69AE-4931-857A-2279701E3809}" type="presOf" srcId="{3A9AC44B-85AF-476F-8DE0-0DD27A499F89}" destId="{8237FF8B-1C60-4D00-8617-D88B42E8300A}" srcOrd="0" destOrd="2" presId="urn:microsoft.com/office/officeart/2018/5/layout/CenteredIconLabelDescriptionList"/>
     <dgm:cxn modelId="{F10CD1B9-E646-4EBE-A147-F43F431253DF}" type="presOf" srcId="{8B972EB4-5E9E-403A-89D2-646A6A804101}" destId="{8237FF8B-1C60-4D00-8617-D88B42E8300A}" srcOrd="0" destOrd="0" presId="urn:microsoft.com/office/officeart/2018/5/layout/CenteredIconLabelDescriptionList"/>
@@ -7942,13 +7798,6 @@
     <dgm:cxn modelId="{7EDF5C92-D0C3-4842-BD40-E2A8CD8D985B}" type="presParOf" srcId="{38AD2FB1-C453-4C9F-8E98-3F765EDDC540}" destId="{2A08189C-11B7-43C8-A9FF-1BAFF22A9C4A}" srcOrd="2" destOrd="0" presId="urn:microsoft.com/office/officeart/2018/5/layout/CenteredIconLabelDescriptionList"/>
     <dgm:cxn modelId="{49A56425-3D66-41E1-A805-50070C904F0C}" type="presParOf" srcId="{38AD2FB1-C453-4C9F-8E98-3F765EDDC540}" destId="{C1A5B47A-4EDF-49B4-A1E0-82270A896864}" srcOrd="3" destOrd="0" presId="urn:microsoft.com/office/officeart/2018/5/layout/CenteredIconLabelDescriptionList"/>
     <dgm:cxn modelId="{88629E70-CFC5-4586-8939-4F4065EBB0F1}" type="presParOf" srcId="{38AD2FB1-C453-4C9F-8E98-3F765EDDC540}" destId="{8237FF8B-1C60-4D00-8617-D88B42E8300A}" srcOrd="4" destOrd="0" presId="urn:microsoft.com/office/officeart/2018/5/layout/CenteredIconLabelDescriptionList"/>
-    <dgm:cxn modelId="{A13D052A-3BB2-4F21-8568-69E2ADA27D74}" type="presParOf" srcId="{88B4A8DF-321E-41F7-9ACC-22B7E23807BA}" destId="{596ED487-1D5E-46FD-95A6-AEAF4BDF0368}" srcOrd="1" destOrd="0" presId="urn:microsoft.com/office/officeart/2018/5/layout/CenteredIconLabelDescriptionList"/>
-    <dgm:cxn modelId="{5A12C364-CAAD-4E87-BD2F-C7FFFA9101B5}" type="presParOf" srcId="{88B4A8DF-321E-41F7-9ACC-22B7E23807BA}" destId="{227B4BAF-C78C-40E3-B280-67D2BC7E9A7E}" srcOrd="2" destOrd="0" presId="urn:microsoft.com/office/officeart/2018/5/layout/CenteredIconLabelDescriptionList"/>
-    <dgm:cxn modelId="{2EB8BD25-BE82-4F06-B82F-0A485A253CD9}" type="presParOf" srcId="{227B4BAF-C78C-40E3-B280-67D2BC7E9A7E}" destId="{4F0BA443-FF96-42A4-AC84-B564DEF34764}" srcOrd="0" destOrd="0" presId="urn:microsoft.com/office/officeart/2018/5/layout/CenteredIconLabelDescriptionList"/>
-    <dgm:cxn modelId="{5F292009-F900-4983-95BF-6FDC236AD8C4}" type="presParOf" srcId="{227B4BAF-C78C-40E3-B280-67D2BC7E9A7E}" destId="{277D7F3C-C663-41A9-A9B9-94F4AD61A806}" srcOrd="1" destOrd="0" presId="urn:microsoft.com/office/officeart/2018/5/layout/CenteredIconLabelDescriptionList"/>
-    <dgm:cxn modelId="{924D2ACD-C2D1-47EA-963D-E38E2E5C19D2}" type="presParOf" srcId="{227B4BAF-C78C-40E3-B280-67D2BC7E9A7E}" destId="{A1E3E098-DCEF-46B7-B2FE-A250A582B843}" srcOrd="2" destOrd="0" presId="urn:microsoft.com/office/officeart/2018/5/layout/CenteredIconLabelDescriptionList"/>
-    <dgm:cxn modelId="{645888A0-E3E4-4C4E-BE88-60885385EDD7}" type="presParOf" srcId="{227B4BAF-C78C-40E3-B280-67D2BC7E9A7E}" destId="{036134D2-680A-416E-9DBE-2C5A19C6C5C8}" srcOrd="3" destOrd="0" presId="urn:microsoft.com/office/officeart/2018/5/layout/CenteredIconLabelDescriptionList"/>
-    <dgm:cxn modelId="{9A727F77-BF8D-43C8-B96B-807049310323}" type="presParOf" srcId="{227B4BAF-C78C-40E3-B280-67D2BC7E9A7E}" destId="{42AA0E0B-DE40-41DB-9F57-9A82FE308CB2}" srcOrd="4" destOrd="0" presId="urn:microsoft.com/office/officeart/2018/5/layout/CenteredIconLabelDescriptionList"/>
   </dgm:cxnLst>
   <dgm:bg/>
   <dgm:whole/>
@@ -11245,7 +11094,7 @@
       </dsp:nvSpPr>
       <dsp:spPr>
         <a:xfrm>
-          <a:off x="1735199" y="40566"/>
+          <a:off x="4273199" y="40566"/>
           <a:ext cx="1512000" cy="1512000"/>
         </a:xfrm>
         <a:prstGeom prst="rect">
@@ -11294,7 +11143,7 @@
       </dsp:nvSpPr>
       <dsp:spPr>
         <a:xfrm>
-          <a:off x="331199" y="1709279"/>
+          <a:off x="2869199" y="1709279"/>
           <a:ext cx="4320000" cy="648000"/>
         </a:xfrm>
         <a:prstGeom prst="rect">
@@ -11344,7 +11193,7 @@
         </a:p>
       </dsp:txBody>
       <dsp:txXfrm>
-        <a:off x="331199" y="1709279"/>
+        <a:off x="2869199" y="1709279"/>
         <a:ext cx="4320000" cy="648000"/>
       </dsp:txXfrm>
     </dsp:sp>
@@ -11355,7 +11204,7 @@
       </dsp:nvSpPr>
       <dsp:spPr>
         <a:xfrm>
-          <a:off x="331199" y="2430169"/>
+          <a:off x="2869199" y="2430169"/>
           <a:ext cx="4320000" cy="1254875"/>
         </a:xfrm>
         <a:prstGeom prst="rect">
@@ -11458,177 +11307,7 @@
         </a:p>
       </dsp:txBody>
       <dsp:txXfrm>
-        <a:off x="331199" y="2430169"/>
-        <a:ext cx="4320000" cy="1254875"/>
-      </dsp:txXfrm>
-    </dsp:sp>
-    <dsp:sp modelId="{4F0BA443-FF96-42A4-AC84-B564DEF34764}">
-      <dsp:nvSpPr>
-        <dsp:cNvPr id="0" name=""/>
-        <dsp:cNvSpPr/>
-      </dsp:nvSpPr>
-      <dsp:spPr>
-        <a:xfrm>
-          <a:off x="6811200" y="40566"/>
-          <a:ext cx="1512000" cy="1512000"/>
-        </a:xfrm>
-        <a:prstGeom prst="rect">
-          <a:avLst/>
-        </a:prstGeom>
-        <a:blipFill>
-          <a:blip xmlns:r="http://schemas.openxmlformats.org/officeDocument/2006/relationships" r:embed="rId3">
-            <a:extLst>
-              <a:ext uri="{28A0092B-C50C-407E-A947-70E740481C1C}">
-                <a14:useLocalDpi xmlns:a14="http://schemas.microsoft.com/office/drawing/2010/main" val="0"/>
-              </a:ext>
-              <a:ext uri="{96DAC541-7B7A-43D3-8B79-37D633B846F1}">
-                <asvg:svgBlip xmlns:asvg="http://schemas.microsoft.com/office/drawing/2016/SVG/main" r:embed="rId4"/>
-              </a:ext>
-            </a:extLst>
-          </a:blip>
-          <a:stretch>
-            <a:fillRect/>
-          </a:stretch>
-        </a:blipFill>
-        <a:ln w="12700" cap="flat" cmpd="sng" algn="ctr">
-          <a:noFill/>
-          <a:prstDash val="solid"/>
-        </a:ln>
-        <a:effectLst/>
-      </dsp:spPr>
-      <dsp:style>
-        <a:lnRef idx="2">
-          <a:scrgbClr r="0" g="0" b="0"/>
-        </a:lnRef>
-        <a:fillRef idx="1">
-          <a:scrgbClr r="0" g="0" b="0"/>
-        </a:fillRef>
-        <a:effectRef idx="0">
-          <a:scrgbClr r="0" g="0" b="0"/>
-        </a:effectRef>
-        <a:fontRef idx="minor">
-          <a:schemeClr val="lt1"/>
-        </a:fontRef>
-      </dsp:style>
-    </dsp:sp>
-    <dsp:sp modelId="{A1E3E098-DCEF-46B7-B2FE-A250A582B843}">
-      <dsp:nvSpPr>
-        <dsp:cNvPr id="0" name=""/>
-        <dsp:cNvSpPr/>
-      </dsp:nvSpPr>
-      <dsp:spPr>
-        <a:xfrm>
-          <a:off x="5407199" y="1709279"/>
-          <a:ext cx="4320000" cy="648000"/>
-        </a:xfrm>
-        <a:prstGeom prst="rect">
-          <a:avLst/>
-        </a:prstGeom>
-        <a:noFill/>
-        <a:ln>
-          <a:noFill/>
-        </a:ln>
-        <a:effectLst/>
-      </dsp:spPr>
-      <dsp:style>
-        <a:lnRef idx="0">
-          <a:scrgbClr r="0" g="0" b="0"/>
-        </a:lnRef>
-        <a:fillRef idx="0">
-          <a:scrgbClr r="0" g="0" b="0"/>
-        </a:fillRef>
-        <a:effectRef idx="0">
-          <a:scrgbClr r="0" g="0" b="0"/>
-        </a:effectRef>
-        <a:fontRef idx="minor"/>
-      </dsp:style>
-      <dsp:txBody>
-        <a:bodyPr spcFirstLastPara="0" vert="horz" wrap="square" lIns="0" tIns="0" rIns="0" bIns="0" numCol="1" spcCol="1270" anchor="t" anchorCtr="0">
-          <a:noAutofit/>
-        </a:bodyPr>
-        <a:lstStyle/>
-        <a:p>
-          <a:pPr marL="0" lvl="0" indent="0" algn="ctr" defTabSz="977900">
-            <a:lnSpc>
-              <a:spcPct val="100000"/>
-            </a:lnSpc>
-            <a:spcBef>
-              <a:spcPct val="0"/>
-            </a:spcBef>
-            <a:spcAft>
-              <a:spcPct val="35000"/>
-            </a:spcAft>
-            <a:buNone/>
-            <a:defRPr b="1"/>
-          </a:pPr>
-          <a:r>
-            <a:rPr lang="en-US" sz="2200" kern="1200" dirty="0"/>
-            <a:t>Insurance companies</a:t>
-          </a:r>
-        </a:p>
-      </dsp:txBody>
-      <dsp:txXfrm>
-        <a:off x="5407199" y="1709279"/>
-        <a:ext cx="4320000" cy="648000"/>
-      </dsp:txXfrm>
-    </dsp:sp>
-    <dsp:sp modelId="{42AA0E0B-DE40-41DB-9F57-9A82FE308CB2}">
-      <dsp:nvSpPr>
-        <dsp:cNvPr id="0" name=""/>
-        <dsp:cNvSpPr/>
-      </dsp:nvSpPr>
-      <dsp:spPr>
-        <a:xfrm>
-          <a:off x="5407199" y="2430169"/>
-          <a:ext cx="4320000" cy="1254875"/>
-        </a:xfrm>
-        <a:prstGeom prst="rect">
-          <a:avLst/>
-        </a:prstGeom>
-        <a:noFill/>
-        <a:ln>
-          <a:noFill/>
-        </a:ln>
-        <a:effectLst/>
-      </dsp:spPr>
-      <dsp:style>
-        <a:lnRef idx="0">
-          <a:scrgbClr r="0" g="0" b="0"/>
-        </a:lnRef>
-        <a:fillRef idx="0">
-          <a:scrgbClr r="0" g="0" b="0"/>
-        </a:fillRef>
-        <a:effectRef idx="0">
-          <a:scrgbClr r="0" g="0" b="0"/>
-        </a:effectRef>
-        <a:fontRef idx="minor"/>
-      </dsp:style>
-      <dsp:txBody>
-        <a:bodyPr spcFirstLastPara="0" vert="horz" wrap="square" lIns="0" tIns="0" rIns="0" bIns="0" numCol="1" spcCol="1270" anchor="t" anchorCtr="0">
-          <a:noAutofit/>
-        </a:bodyPr>
-        <a:lstStyle/>
-        <a:p>
-          <a:pPr marL="0" lvl="0" indent="0" algn="ctr" defTabSz="755650">
-            <a:lnSpc>
-              <a:spcPct val="100000"/>
-            </a:lnSpc>
-            <a:spcBef>
-              <a:spcPct val="0"/>
-            </a:spcBef>
-            <a:spcAft>
-              <a:spcPct val="35000"/>
-            </a:spcAft>
-            <a:buNone/>
-          </a:pPr>
-          <a:r>
-            <a:rPr lang="en-US" sz="1700" kern="1200" dirty="0"/>
-            <a:t>Calculate rates by area, age groups, and car types</a:t>
-          </a:r>
-        </a:p>
-      </dsp:txBody>
-      <dsp:txXfrm>
-        <a:off x="5407199" y="2430169"/>
+        <a:off x="2869199" y="2430169"/>
         <a:ext cx="4320000" cy="1254875"/>
       </dsp:txXfrm>
     </dsp:sp>
@@ -35524,7 +35203,7 @@
         </p:nvSpPr>
         <p:spPr>
           <a:xfrm>
-            <a:off x="1066800" y="1898934"/>
+            <a:off x="1066800" y="1610143"/>
             <a:ext cx="10058400" cy="3849624"/>
           </a:xfrm>
         </p:spPr>
@@ -35561,7 +35240,7 @@
         </p:blipFill>
         <p:spPr>
           <a:xfrm>
-            <a:off x="3790765" y="2959102"/>
+            <a:off x="4418120" y="2568340"/>
             <a:ext cx="3355759" cy="2143125"/>
           </a:xfrm>
           <a:prstGeom prst="rect">
@@ -35583,8 +35262,8 @@
         </p:nvSpPr>
         <p:spPr>
           <a:xfrm>
-            <a:off x="1154097" y="5459767"/>
-            <a:ext cx="10058400" cy="646331"/>
+            <a:off x="1171852" y="5265612"/>
+            <a:ext cx="10058400" cy="1200329"/>
           </a:xfrm>
           <a:prstGeom prst="rect">
             <a:avLst/>
@@ -35599,7 +35278,7 @@
           <a:p>
             <a:r>
               <a:rPr lang="en-US" dirty="0"/>
-              <a:t>For example, this is a staggered junction, the main junction detail in accidents. One can understand how a situation such as these can lead to numerous accidents especially if proper signage is not available. </a:t>
+              <a:t>For example, this is a staggered junction, the main junction detail in accidents. One can understand how a situation such as these can lead to numerous accidents especially if proper signage is not available. Perhaps traffic lights, stop signs, or warnings indicating that they are approaching certain junctions would help reduce accidents. </a:t>
             </a:r>
           </a:p>
         </p:txBody>
@@ -35620,6 +35299,14 @@
 <file path=ppt/slides/slide35.xml><?xml version="1.0" encoding="utf-8"?>
 <p:sld xmlns:a="http://schemas.openxmlformats.org/drawingml/2006/main" xmlns:r="http://schemas.openxmlformats.org/officeDocument/2006/relationships" xmlns:p="http://schemas.openxmlformats.org/presentationml/2006/main">
   <p:cSld>
+    <p:bg>
+      <p:bgPr>
+        <a:solidFill>
+          <a:schemeClr val="bg1"/>
+        </a:solidFill>
+        <a:effectLst/>
+      </p:bgPr>
+    </p:bg>
     <p:spTree>
       <p:nvGrpSpPr>
         <p:cNvPr id="1" name=""/>
@@ -35636,215 +35323,10 @@
       </p:grpSpPr>
       <p:sp>
         <p:nvSpPr>
-          <p:cNvPr id="8" name="Rectangle 7">
+          <p:cNvPr id="5" name="Title 4">
             <a:extLst>
               <a:ext uri="{FF2B5EF4-FFF2-40B4-BE49-F238E27FC236}">
-                <a16:creationId xmlns:a16="http://schemas.microsoft.com/office/drawing/2014/main" id="{70120F84-A866-4D9F-8B1C-9120A013D654}"/>
-              </a:ext>
-              <a:ext uri="{C183D7F6-B498-43B3-948B-1728B52AA6E4}">
-                <adec:decorative xmlns:adec="http://schemas.microsoft.com/office/drawing/2017/decorative" val="1"/>
-              </a:ext>
-            </a:extLst>
-          </p:cNvPr>
-          <p:cNvSpPr>
-            <a:spLocks noGrp="1" noRot="1" noChangeAspect="1" noMove="1" noResize="1" noEditPoints="1" noAdjustHandles="1" noChangeArrowheads="1" noChangeShapeType="1" noTextEdit="1"/>
-          </p:cNvSpPr>
-          <p:nvPr>
-            <p:extLst>
-              <p:ext uri="{386F3935-93C4-4BCD-93E2-E3B085C9AB24}">
-                <p16:designElem xmlns:p16="http://schemas.microsoft.com/office/powerpoint/2015/main" val="1"/>
-              </p:ext>
-            </p:extLst>
-          </p:nvPr>
-        </p:nvSpPr>
-        <p:spPr>
-          <a:xfrm>
-            <a:off x="0" y="0"/>
-            <a:ext cx="12192001" cy="6858000"/>
-          </a:xfrm>
-          <a:prstGeom prst="rect">
-            <a:avLst/>
-          </a:prstGeom>
-          <a:solidFill>
-            <a:schemeClr val="tx1">
-              <a:lumMod val="65000"/>
-              <a:lumOff val="35000"/>
-            </a:schemeClr>
-          </a:solidFill>
-          <a:ln>
-            <a:noFill/>
-          </a:ln>
-        </p:spPr>
-        <p:style>
-          <a:lnRef idx="2">
-            <a:schemeClr val="accent1">
-              <a:shade val="50000"/>
-            </a:schemeClr>
-          </a:lnRef>
-          <a:fillRef idx="1">
-            <a:schemeClr val="accent1"/>
-          </a:fillRef>
-          <a:effectRef idx="0">
-            <a:schemeClr val="accent1"/>
-          </a:effectRef>
-          <a:fontRef idx="minor">
-            <a:schemeClr val="lt1"/>
-          </a:fontRef>
-        </p:style>
-        <p:txBody>
-          <a:bodyPr rot="0" spcFirstLastPara="0" vert="horz" wrap="square" lIns="91440" tIns="45720" rIns="91440" bIns="45720" numCol="1" spcCol="0" rtlCol="0" fromWordArt="0" anchor="ctr" anchorCtr="0" forceAA="0" compatLnSpc="1">
-            <a:prstTxWarp prst="textNoShape">
-              <a:avLst/>
-            </a:prstTxWarp>
-            <a:noAutofit/>
-          </a:bodyPr>
-          <a:lstStyle>
-            <a:defPPr>
-              <a:defRPr lang="en-US"/>
-            </a:defPPr>
-            <a:lvl1pPr marL="0" algn="l" defTabSz="914400" rtl="0" eaLnBrk="1" latinLnBrk="0" hangingPunct="1">
-              <a:defRPr sz="1800" kern="1200">
-                <a:solidFill>
-                  <a:schemeClr val="lt1"/>
-                </a:solidFill>
-                <a:latin typeface="+mn-lt"/>
-                <a:ea typeface="+mn-ea"/>
-                <a:cs typeface="+mn-cs"/>
-              </a:defRPr>
-            </a:lvl1pPr>
-            <a:lvl2pPr marL="457200" algn="l" defTabSz="914400" rtl="0" eaLnBrk="1" latinLnBrk="0" hangingPunct="1">
-              <a:defRPr sz="1800" kern="1200">
-                <a:solidFill>
-                  <a:schemeClr val="lt1"/>
-                </a:solidFill>
-                <a:latin typeface="+mn-lt"/>
-                <a:ea typeface="+mn-ea"/>
-                <a:cs typeface="+mn-cs"/>
-              </a:defRPr>
-            </a:lvl2pPr>
-            <a:lvl3pPr marL="914400" algn="l" defTabSz="914400" rtl="0" eaLnBrk="1" latinLnBrk="0" hangingPunct="1">
-              <a:defRPr sz="1800" kern="1200">
-                <a:solidFill>
-                  <a:schemeClr val="lt1"/>
-                </a:solidFill>
-                <a:latin typeface="+mn-lt"/>
-                <a:ea typeface="+mn-ea"/>
-                <a:cs typeface="+mn-cs"/>
-              </a:defRPr>
-            </a:lvl3pPr>
-            <a:lvl4pPr marL="1371600" algn="l" defTabSz="914400" rtl="0" eaLnBrk="1" latinLnBrk="0" hangingPunct="1">
-              <a:defRPr sz="1800" kern="1200">
-                <a:solidFill>
-                  <a:schemeClr val="lt1"/>
-                </a:solidFill>
-                <a:latin typeface="+mn-lt"/>
-                <a:ea typeface="+mn-ea"/>
-                <a:cs typeface="+mn-cs"/>
-              </a:defRPr>
-            </a:lvl4pPr>
-            <a:lvl5pPr marL="1828800" algn="l" defTabSz="914400" rtl="0" eaLnBrk="1" latinLnBrk="0" hangingPunct="1">
-              <a:defRPr sz="1800" kern="1200">
-                <a:solidFill>
-                  <a:schemeClr val="lt1"/>
-                </a:solidFill>
-                <a:latin typeface="+mn-lt"/>
-                <a:ea typeface="+mn-ea"/>
-                <a:cs typeface="+mn-cs"/>
-              </a:defRPr>
-            </a:lvl5pPr>
-            <a:lvl6pPr marL="2286000" algn="l" defTabSz="914400" rtl="0" eaLnBrk="1" latinLnBrk="0" hangingPunct="1">
-              <a:defRPr sz="1800" kern="1200">
-                <a:solidFill>
-                  <a:schemeClr val="lt1"/>
-                </a:solidFill>
-                <a:latin typeface="+mn-lt"/>
-                <a:ea typeface="+mn-ea"/>
-                <a:cs typeface="+mn-cs"/>
-              </a:defRPr>
-            </a:lvl6pPr>
-            <a:lvl7pPr marL="2743200" algn="l" defTabSz="914400" rtl="0" eaLnBrk="1" latinLnBrk="0" hangingPunct="1">
-              <a:defRPr sz="1800" kern="1200">
-                <a:solidFill>
-                  <a:schemeClr val="lt1"/>
-                </a:solidFill>
-                <a:latin typeface="+mn-lt"/>
-                <a:ea typeface="+mn-ea"/>
-                <a:cs typeface="+mn-cs"/>
-              </a:defRPr>
-            </a:lvl7pPr>
-            <a:lvl8pPr marL="3200400" algn="l" defTabSz="914400" rtl="0" eaLnBrk="1" latinLnBrk="0" hangingPunct="1">
-              <a:defRPr sz="1800" kern="1200">
-                <a:solidFill>
-                  <a:schemeClr val="lt1"/>
-                </a:solidFill>
-                <a:latin typeface="+mn-lt"/>
-                <a:ea typeface="+mn-ea"/>
-                <a:cs typeface="+mn-cs"/>
-              </a:defRPr>
-            </a:lvl8pPr>
-            <a:lvl9pPr marL="3657600" algn="l" defTabSz="914400" rtl="0" eaLnBrk="1" latinLnBrk="0" hangingPunct="1">
-              <a:defRPr sz="1800" kern="1200">
-                <a:solidFill>
-                  <a:schemeClr val="lt1"/>
-                </a:solidFill>
-                <a:latin typeface="+mn-lt"/>
-                <a:ea typeface="+mn-ea"/>
-                <a:cs typeface="+mn-cs"/>
-              </a:defRPr>
-            </a:lvl9pPr>
-          </a:lstStyle>
-          <a:p>
-            <a:pPr algn="ctr"/>
-            <a:endParaRPr lang="en-US" dirty="0"/>
-          </a:p>
-        </p:txBody>
-      </p:sp>
-      <p:sp useBgFill="1">
-        <p:nvSpPr>
-          <p:cNvPr id="10" name="Rectangle 9">
-            <a:extLst>
-              <a:ext uri="{FF2B5EF4-FFF2-40B4-BE49-F238E27FC236}">
-                <a16:creationId xmlns:a16="http://schemas.microsoft.com/office/drawing/2014/main" id="{252FEFEF-6AC0-46B6-AC09-11FC56196FA4}"/>
-              </a:ext>
-              <a:ext uri="{C183D7F6-B498-43B3-948B-1728B52AA6E4}">
-                <adec:decorative xmlns:adec="http://schemas.microsoft.com/office/drawing/2017/decorative" val="1"/>
-              </a:ext>
-            </a:extLst>
-          </p:cNvPr>
-          <p:cNvSpPr>
-            <a:spLocks noGrp="1" noRot="1" noChangeAspect="1" noMove="1" noResize="1" noEditPoints="1" noAdjustHandles="1" noChangeArrowheads="1" noChangeShapeType="1" noTextEdit="1"/>
-          </p:cNvSpPr>
-          <p:nvPr>
-            <p:extLst>
-              <p:ext uri="{386F3935-93C4-4BCD-93E2-E3B085C9AB24}">
-                <p16:designElem xmlns:p16="http://schemas.microsoft.com/office/powerpoint/2015/main" val="1"/>
-              </p:ext>
-            </p:extLst>
-          </p:nvPr>
-        </p:nvSpPr>
-        <p:spPr>
-          <a:xfrm>
-            <a:off x="210312" y="226665"/>
-            <a:ext cx="11722608" cy="6382512"/>
-          </a:xfrm>
-          <a:prstGeom prst="rect">
-            <a:avLst/>
-          </a:prstGeom>
-          <a:ln w="6350" cap="flat" cmpd="sng" algn="ctr">
-            <a:noFill/>
-            <a:prstDash val="solid"/>
-          </a:ln>
-          <a:effectLst>
-            <a:softEdge rad="0"/>
-          </a:effectLst>
-        </p:spPr>
-      </p:sp>
-      <p:sp>
-        <p:nvSpPr>
-          <p:cNvPr id="2" name="Title 1">
-            <a:extLst>
-              <a:ext uri="{FF2B5EF4-FFF2-40B4-BE49-F238E27FC236}">
-                <a16:creationId xmlns:a16="http://schemas.microsoft.com/office/drawing/2014/main" id="{10322790-E8EB-45A6-9FE0-69BF58D20190}"/>
+                <a16:creationId xmlns:a16="http://schemas.microsoft.com/office/drawing/2014/main" id="{AA08A0B3-953E-44F5-8D4A-A3F2E75EDD6C}"/>
               </a:ext>
             </a:extLst>
           </p:cNvPr>
@@ -35857,8 +35339,8 @@
         </p:nvSpPr>
         <p:spPr>
           <a:xfrm>
-            <a:off x="1175512" y="870132"/>
-            <a:ext cx="9792208" cy="1338782"/>
+            <a:off x="1066800" y="642594"/>
+            <a:ext cx="10058400" cy="1371600"/>
           </a:xfrm>
         </p:spPr>
         <p:txBody>
@@ -35867,7 +35349,7 @@
           </a:bodyPr>
           <a:lstStyle/>
           <a:p>
-            <a:pPr lvl="0"/>
+            <a:pPr algn="ctr"/>
             <a:r>
               <a:rPr lang="en-US" dirty="0"/>
               <a:t>Can we create a machine learning algorithm that correctly predicts the severity of accidents?</a:t>
@@ -35877,10 +35359,10 @@
       </p:sp>
       <p:sp>
         <p:nvSpPr>
-          <p:cNvPr id="3" name="Content Placeholder 2">
+          <p:cNvPr id="2" name="Content Placeholder 1">
             <a:extLst>
               <a:ext uri="{FF2B5EF4-FFF2-40B4-BE49-F238E27FC236}">
-                <a16:creationId xmlns:a16="http://schemas.microsoft.com/office/drawing/2014/main" id="{DE243763-94E9-4823-A29F-5884E6FD4A41}"/>
+                <a16:creationId xmlns:a16="http://schemas.microsoft.com/office/drawing/2014/main" id="{79E447AD-F5C2-4130-9DC0-DE470DC63F89}"/>
               </a:ext>
             </a:extLst>
           </p:cNvPr>
@@ -35893,25 +35375,33 @@
         </p:nvSpPr>
         <p:spPr>
           <a:xfrm>
-            <a:off x="1175512" y="2600587"/>
-            <a:ext cx="9792208" cy="3365123"/>
+            <a:off x="1152525" y="2286418"/>
+            <a:ext cx="10058400" cy="3849624"/>
           </a:xfrm>
         </p:spPr>
         <p:txBody>
           <a:bodyPr>
-            <a:normAutofit fontScale="92500" lnSpcReduction="10000"/>
+            <a:normAutofit lnSpcReduction="10000"/>
           </a:bodyPr>
           <a:lstStyle/>
           <a:p>
             <a:r>
               <a:rPr lang="en-US" dirty="0"/>
-              <a:t>For machine learning, decision tree and ensemble methods through sklearn will be used, and from them the best performing method will be implemented. </a:t>
+              <a:t>For machine learning, decision tree and ensemble methods through </a:t>
+            </a:r>
+            <a:r>
+              <a:rPr lang="en-US" dirty="0" err="1"/>
+              <a:t>sklearn</a:t>
+            </a:r>
+            <a:r>
+              <a:rPr lang="en-US" dirty="0"/>
+              <a:t>, and other modules, will be used, and from them, the best performing method will be implemented. </a:t>
             </a:r>
           </a:p>
           <a:p>
             <a:r>
               <a:rPr lang="en-US" dirty="0"/>
-              <a:t>The methods tested are:</a:t>
+              <a:t>The methods tested were:</a:t>
             </a:r>
           </a:p>
           <a:p>
@@ -35959,9 +35449,10 @@
           <a:p>
             <a:pPr lvl="1"/>
             <a:r>
-              <a:rPr lang="en-US" dirty="0"/>
+              <a:rPr lang="en-US" dirty="0" err="1"/>
               <a:t>XGBoost</a:t>
             </a:r>
+            <a:endParaRPr lang="en-US" dirty="0"/>
           </a:p>
           <a:p>
             <a:pPr lvl="1"/>
@@ -35971,18 +35462,165 @@
             </a:r>
           </a:p>
           <a:p>
-            <a:pPr lvl="1"/>
             <a:r>
               <a:rPr lang="en-US" dirty="0"/>
-              <a:t>CatBoost</a:t>
+              <a:t>The attributes to be considered in order to determine the best learning method include accuracy, F1, Precision, Recall, and Cross Validation Scores, Over/Underfitting, and training time.</a:t>
+            </a:r>
+          </a:p>
+        </p:txBody>
+      </p:sp>
+    </p:spTree>
+    <p:extLst>
+      <p:ext uri="{BB962C8B-B14F-4D97-AF65-F5344CB8AC3E}">
+        <p14:creationId xmlns:p14="http://schemas.microsoft.com/office/powerpoint/2010/main" val="2280617749"/>
+      </p:ext>
+    </p:extLst>
+  </p:cSld>
+  <p:clrMapOvr>
+    <a:overrideClrMapping bg1="dk1" tx1="lt1" bg2="dk2" tx2="lt2" accent1="accent1" accent2="accent2" accent3="accent3" accent4="accent4" accent5="accent5" accent6="accent6" hlink="hlink" folHlink="folHlink"/>
+  </p:clrMapOvr>
+</p:sld>
+</file>
+
+<file path=ppt/slides/slide36.xml><?xml version="1.0" encoding="utf-8"?>
+<p:sld xmlns:a="http://schemas.openxmlformats.org/drawingml/2006/main" xmlns:r="http://schemas.openxmlformats.org/officeDocument/2006/relationships" xmlns:p="http://schemas.openxmlformats.org/presentationml/2006/main">
+  <p:cSld>
+    <p:bg>
+      <p:bgPr>
+        <a:solidFill>
+          <a:schemeClr val="bg1"/>
+        </a:solidFill>
+        <a:effectLst/>
+      </p:bgPr>
+    </p:bg>
+    <p:spTree>
+      <p:nvGrpSpPr>
+        <p:cNvPr id="1" name=""/>
+        <p:cNvGrpSpPr/>
+        <p:nvPr/>
+      </p:nvGrpSpPr>
+      <p:grpSpPr>
+        <a:xfrm>
+          <a:off x="0" y="0"/>
+          <a:ext cx="0" cy="0"/>
+          <a:chOff x="0" y="0"/>
+          <a:chExt cx="0" cy="0"/>
+        </a:xfrm>
+      </p:grpSpPr>
+      <p:sp>
+        <p:nvSpPr>
+          <p:cNvPr id="5" name="Title 4">
+            <a:extLst>
+              <a:ext uri="{FF2B5EF4-FFF2-40B4-BE49-F238E27FC236}">
+                <a16:creationId xmlns:a16="http://schemas.microsoft.com/office/drawing/2014/main" id="{AA08A0B3-953E-44F5-8D4A-A3F2E75EDD6C}"/>
+              </a:ext>
+            </a:extLst>
+          </p:cNvPr>
+          <p:cNvSpPr>
+            <a:spLocks noGrp="1"/>
+          </p:cNvSpPr>
+          <p:nvPr>
+            <p:ph type="title"/>
+          </p:nvPr>
+        </p:nvSpPr>
+        <p:spPr>
+          <a:xfrm>
+            <a:off x="1066800" y="642594"/>
+            <a:ext cx="10058400" cy="1371600"/>
+          </a:xfrm>
+        </p:spPr>
+        <p:txBody>
+          <a:bodyPr>
+            <a:normAutofit/>
+          </a:bodyPr>
+          <a:lstStyle/>
+          <a:p>
+            <a:pPr algn="ctr"/>
+            <a:r>
+              <a:rPr lang="en-US" dirty="0" err="1"/>
+              <a:t>LightGBM</a:t>
+            </a:r>
+            <a:r>
+              <a:rPr lang="en-US" dirty="0"/>
+              <a:t> Classifier</a:t>
+            </a:r>
+          </a:p>
+        </p:txBody>
+      </p:sp>
+      <p:sp>
+        <p:nvSpPr>
+          <p:cNvPr id="2" name="Content Placeholder 1">
+            <a:extLst>
+              <a:ext uri="{FF2B5EF4-FFF2-40B4-BE49-F238E27FC236}">
+                <a16:creationId xmlns:a16="http://schemas.microsoft.com/office/drawing/2014/main" id="{79E447AD-F5C2-4130-9DC0-DE470DC63F89}"/>
+              </a:ext>
+            </a:extLst>
+          </p:cNvPr>
+          <p:cNvSpPr>
+            <a:spLocks noGrp="1"/>
+          </p:cNvSpPr>
+          <p:nvPr>
+            <p:ph idx="1"/>
+          </p:nvPr>
+        </p:nvSpPr>
+        <p:spPr>
+          <a:xfrm>
+            <a:off x="1152525" y="2286418"/>
+            <a:ext cx="10058400" cy="3849624"/>
+          </a:xfrm>
+        </p:spPr>
+        <p:txBody>
+          <a:bodyPr>
+            <a:normAutofit/>
+          </a:bodyPr>
+          <a:lstStyle/>
+          <a:p>
+            <a:r>
+              <a:rPr lang="en-US" dirty="0"/>
+              <a:t>After completing the chosen algorithms and tuning some of their parameters, the algorithm chose for this data was </a:t>
+            </a:r>
+            <a:r>
+              <a:rPr lang="en-US" dirty="0" err="1"/>
+              <a:t>LightGBM</a:t>
+            </a:r>
+            <a:r>
+              <a:rPr lang="en-US" dirty="0"/>
+              <a:t> Classifier. </a:t>
             </a:r>
           </a:p>
           <a:p>
-            <a:pPr lvl="1"/>
+            <a:r>
+              <a:rPr lang="en-US" dirty="0"/>
+              <a:t>When modeling the data I monitored the scores for all of them ranged around the same however, </a:t>
+            </a:r>
+            <a:r>
+              <a:rPr lang="en-US" dirty="0" err="1"/>
+              <a:t>LightGBM</a:t>
+            </a:r>
+            <a:r>
+              <a:rPr lang="en-US" dirty="0"/>
+              <a:t> performed the fastest for the amount of data being used. </a:t>
+            </a:r>
+          </a:p>
+          <a:p>
+            <a:r>
+              <a:rPr lang="en-US" dirty="0"/>
+              <a:t>The size of the data was medium to large and Light GBM’s algorithm is set up to handle such things. </a:t>
+            </a:r>
+          </a:p>
+          <a:p>
+            <a:r>
+              <a:rPr lang="en-US" dirty="0"/>
+              <a:t>***insert times and score for each*** in chart</a:t>
+            </a:r>
+          </a:p>
+          <a:p>
             <a:endParaRPr lang="en-US" dirty="0"/>
           </a:p>
           <a:p>
-            <a:pPr lvl="1"/>
+            <a:endParaRPr lang="en-US" dirty="0"/>
+          </a:p>
+          <a:p>
             <a:endParaRPr lang="en-US" dirty="0"/>
           </a:p>
         </p:txBody>
@@ -35990,7 +35628,167 @@
     </p:spTree>
     <p:extLst>
       <p:ext uri="{BB962C8B-B14F-4D97-AF65-F5344CB8AC3E}">
-        <p14:creationId xmlns:p14="http://schemas.microsoft.com/office/powerpoint/2010/main" val="1039411367"/>
+        <p14:creationId xmlns:p14="http://schemas.microsoft.com/office/powerpoint/2010/main" val="600255308"/>
+      </p:ext>
+    </p:extLst>
+  </p:cSld>
+  <p:clrMapOvr>
+    <a:overrideClrMapping bg1="dk1" tx1="lt1" bg2="dk2" tx2="lt2" accent1="accent1" accent2="accent2" accent3="accent3" accent4="accent4" accent5="accent5" accent6="accent6" hlink="hlink" folHlink="folHlink"/>
+  </p:clrMapOvr>
+</p:sld>
+</file>
+
+<file path=ppt/slides/slide37.xml><?xml version="1.0" encoding="utf-8"?>
+<p:sld xmlns:a="http://schemas.openxmlformats.org/drawingml/2006/main" xmlns:r="http://schemas.openxmlformats.org/officeDocument/2006/relationships" xmlns:p="http://schemas.openxmlformats.org/presentationml/2006/main">
+  <p:cSld>
+    <p:bg>
+      <p:bgPr>
+        <a:solidFill>
+          <a:schemeClr val="bg1"/>
+        </a:solidFill>
+        <a:effectLst/>
+      </p:bgPr>
+    </p:bg>
+    <p:spTree>
+      <p:nvGrpSpPr>
+        <p:cNvPr id="1" name=""/>
+        <p:cNvGrpSpPr/>
+        <p:nvPr/>
+      </p:nvGrpSpPr>
+      <p:grpSpPr>
+        <a:xfrm>
+          <a:off x="0" y="0"/>
+          <a:ext cx="0" cy="0"/>
+          <a:chOff x="0" y="0"/>
+          <a:chExt cx="0" cy="0"/>
+        </a:xfrm>
+      </p:grpSpPr>
+      <p:sp>
+        <p:nvSpPr>
+          <p:cNvPr id="5" name="Title 4">
+            <a:extLst>
+              <a:ext uri="{FF2B5EF4-FFF2-40B4-BE49-F238E27FC236}">
+                <a16:creationId xmlns:a16="http://schemas.microsoft.com/office/drawing/2014/main" id="{AA08A0B3-953E-44F5-8D4A-A3F2E75EDD6C}"/>
+              </a:ext>
+            </a:extLst>
+          </p:cNvPr>
+          <p:cNvSpPr>
+            <a:spLocks noGrp="1"/>
+          </p:cNvSpPr>
+          <p:nvPr>
+            <p:ph type="title"/>
+          </p:nvPr>
+        </p:nvSpPr>
+        <p:spPr>
+          <a:xfrm>
+            <a:off x="1066800" y="642594"/>
+            <a:ext cx="10058400" cy="1371600"/>
+          </a:xfrm>
+        </p:spPr>
+        <p:txBody>
+          <a:bodyPr>
+            <a:normAutofit/>
+          </a:bodyPr>
+          <a:lstStyle/>
+          <a:p>
+            <a:pPr algn="ctr"/>
+            <a:r>
+              <a:rPr lang="en-US" dirty="0"/>
+              <a:t>Limitations</a:t>
+            </a:r>
+          </a:p>
+        </p:txBody>
+      </p:sp>
+      <p:sp>
+        <p:nvSpPr>
+          <p:cNvPr id="2" name="Content Placeholder 1">
+            <a:extLst>
+              <a:ext uri="{FF2B5EF4-FFF2-40B4-BE49-F238E27FC236}">
+                <a16:creationId xmlns:a16="http://schemas.microsoft.com/office/drawing/2014/main" id="{79E447AD-F5C2-4130-9DC0-DE470DC63F89}"/>
+              </a:ext>
+            </a:extLst>
+          </p:cNvPr>
+          <p:cNvSpPr>
+            <a:spLocks noGrp="1"/>
+          </p:cNvSpPr>
+          <p:nvPr>
+            <p:ph idx="1"/>
+          </p:nvPr>
+        </p:nvSpPr>
+        <p:spPr>
+          <a:xfrm>
+            <a:off x="1152525" y="2286418"/>
+            <a:ext cx="10058400" cy="3849624"/>
+          </a:xfrm>
+        </p:spPr>
+        <p:txBody>
+          <a:bodyPr>
+            <a:normAutofit/>
+          </a:bodyPr>
+          <a:lstStyle/>
+          <a:p>
+            <a:r>
+              <a:rPr lang="en-US" dirty="0"/>
+              <a:t>Not able to obtain accuracy over 70% without causing other issues such as overfitting</a:t>
+            </a:r>
+          </a:p>
+          <a:p>
+            <a:r>
+              <a:rPr lang="en-US" dirty="0"/>
+              <a:t>The data was extremely imbalanced. The majority of accidents were not serious and while this is not a real life problem, it was a problem for this model. </a:t>
+            </a:r>
+            <a:r>
+              <a:rPr lang="en-US" dirty="0" err="1"/>
+              <a:t>Undersampling</a:t>
+            </a:r>
+            <a:r>
+              <a:rPr lang="en-US" dirty="0"/>
+              <a:t> was done to improve overall scoring.</a:t>
+            </a:r>
+          </a:p>
+          <a:p>
+            <a:r>
+              <a:rPr lang="en-US" dirty="0"/>
+              <a:t>More factors surrounding accidents should be included in this data.</a:t>
+            </a:r>
+          </a:p>
+          <a:p>
+            <a:pPr lvl="1"/>
+            <a:r>
+              <a:rPr lang="en-US" dirty="0"/>
+              <a:t>While there was information on the speed limit in certain areas, there was no information on whether the driver was speeding.</a:t>
+            </a:r>
+          </a:p>
+          <a:p>
+            <a:pPr lvl="1"/>
+            <a:r>
+              <a:rPr lang="en-US" dirty="0"/>
+              <a:t>No information on cellphone usage of drivers</a:t>
+            </a:r>
+          </a:p>
+          <a:p>
+            <a:pPr lvl="1"/>
+            <a:r>
+              <a:rPr lang="en-US" dirty="0"/>
+              <a:t>Rural areas had a higher rate of serious accidents which could be correlation to emergency vehicle arrival or distances from hospitals but this information was also </a:t>
+            </a:r>
+            <a:r>
+              <a:rPr lang="en-US"/>
+              <a:t>not available</a:t>
+            </a:r>
+          </a:p>
+          <a:p>
+            <a:endParaRPr lang="en-US" dirty="0"/>
+          </a:p>
+          <a:p>
+            <a:endParaRPr lang="en-US" dirty="0"/>
+          </a:p>
+        </p:txBody>
+      </p:sp>
+    </p:spTree>
+    <p:extLst>
+      <p:ext uri="{BB962C8B-B14F-4D97-AF65-F5344CB8AC3E}">
+        <p14:creationId xmlns:p14="http://schemas.microsoft.com/office/powerpoint/2010/main" val="3002648614"/>
       </p:ext>
     </p:extLst>
   </p:cSld>
@@ -36636,7 +36434,7 @@
             <p:ph idx="1"/>
             <p:extLst>
               <p:ext uri="{D42A27DB-BD31-4B8C-83A1-F6EECF244321}">
-                <p14:modId xmlns:p14="http://schemas.microsoft.com/office/powerpoint/2010/main" val="4156970004"/>
+                <p14:modId xmlns:p14="http://schemas.microsoft.com/office/powerpoint/2010/main" val="211455105"/>
               </p:ext>
             </p:extLst>
           </p:nvPr>
